--- a/papers/tg11-dare/XD-TALK/PSC-workshop.pptx
+++ b/papers/tg11-dare/XD-TALK/PSC-workshop.pptx
@@ -3838,21 +3838,7 @@
                 <a:latin typeface="Arial Black"/>
                 <a:cs typeface="Arial Black"/>
               </a:rPr>
-              <a:t>DARE-NGS </a:t>
-            </a:r>
-            <a:r>
-              <a:rPr lang="en-US" sz="3200" dirty="0" smtClean="0">
-                <a:latin typeface="Arial Black"/>
-                <a:cs typeface="Arial Black"/>
-              </a:rPr>
-              <a:t>: </a:t>
-            </a:r>
-            <a:r>
-              <a:rPr lang="en-US" sz="3200" dirty="0" smtClean="0">
-                <a:latin typeface="Arial Black"/>
-                <a:cs typeface="Arial Black"/>
-              </a:rPr>
-              <a:t>Towards Extensible and Scalable NGS Analytics on the TeraGrid/XD</a:t>
+              <a:t>DARE-NGS : Towards Extensible and Scalable NGS Analytics on the TeraGrid/XD</a:t>
             </a:r>
             <a:endParaRPr lang="en-US" sz="3200" dirty="0">
               <a:latin typeface="Arial Black"/>
@@ -4149,15 +4135,7 @@
                       </a:r>
                       <a:r>
                         <a:rPr lang="en-US" sz="1400" baseline="0" dirty="0" smtClean="0"/>
-                        <a:t> (</a:t>
-                      </a:r>
-                      <a:r>
-                        <a:rPr lang="en-US" sz="1400" baseline="0" dirty="0" smtClean="0"/>
-                        <a:t>mapping</a:t>
-                      </a:r>
-                      <a:r>
-                        <a:rPr lang="en-US" sz="1400" baseline="0" dirty="0" smtClean="0"/>
-                        <a:t>)</a:t>
+                        <a:t> (mapping)</a:t>
                       </a:r>
                       <a:endParaRPr lang="en-US" sz="1400" dirty="0"/>
                     </a:p>
@@ -4174,11 +4152,7 @@
                       <a:pPr algn="ctr"/>
                       <a:r>
                         <a:rPr lang="en-US" sz="1400" dirty="0" smtClean="0"/>
-                        <a:t>DARE</a:t>
-                      </a:r>
-                      <a:r>
-                        <a:rPr lang="en-US" sz="1400" dirty="0" smtClean="0"/>
-                        <a:t>-NGS</a:t>
+                        <a:t>DARE-NGS</a:t>
                       </a:r>
                     </a:p>
                     <a:p>
@@ -4260,11 +4234,7 @@
                       <a:pPr algn="ctr"/>
                       <a:r>
                         <a:rPr lang="en-US" sz="1400" baseline="0" dirty="0" smtClean="0"/>
-                        <a:t>6.5 </a:t>
-                      </a:r>
-                      <a:r>
-                        <a:rPr lang="en-US" sz="1400" baseline="0" dirty="0" smtClean="0"/>
-                        <a:t>h</a:t>
+                        <a:t>6.5 h</a:t>
                       </a:r>
                       <a:endParaRPr lang="en-US" sz="1400" dirty="0"/>
                     </a:p>
@@ -4493,15 +4463,7 @@
           <a:p>
             <a:r>
               <a:rPr lang="en-US" dirty="0" smtClean="0"/>
-              <a:t>Performance with </a:t>
-            </a:r>
-            <a:r>
-              <a:rPr lang="en-US" dirty="0" smtClean="0"/>
-              <a:t>scale </a:t>
-            </a:r>
-            <a:r>
-              <a:rPr lang="en-US" dirty="0" smtClean="0"/>
-              <a:t>out</a:t>
+              <a:t>Performance with scale out</a:t>
             </a:r>
             <a:endParaRPr lang="en-US" dirty="0"/>
           </a:p>
@@ -4599,15 +4561,7 @@
                       </a:r>
                       <a:r>
                         <a:rPr lang="en-US" sz="1400" baseline="0" dirty="0" smtClean="0"/>
-                        <a:t> (</a:t>
-                      </a:r>
-                      <a:r>
-                        <a:rPr lang="en-US" sz="1400" baseline="0" dirty="0" smtClean="0"/>
-                        <a:t>mapping</a:t>
-                      </a:r>
-                      <a:r>
-                        <a:rPr lang="en-US" sz="1400" baseline="0" dirty="0" smtClean="0"/>
-                        <a:t>)</a:t>
+                        <a:t> (mapping)</a:t>
                       </a:r>
                       <a:endParaRPr lang="en-US" sz="1400" dirty="0"/>
                     </a:p>
@@ -4669,11 +4623,7 @@
                       <a:pPr algn="ctr"/>
                       <a:r>
                         <a:rPr lang="en-US" sz="1400" dirty="0" smtClean="0"/>
-                        <a:t>2.66 </a:t>
-                      </a:r>
-                      <a:r>
-                        <a:rPr lang="en-US" sz="1400" dirty="0" smtClean="0"/>
-                        <a:t>h</a:t>
+                        <a:t>2.66 h</a:t>
                       </a:r>
                       <a:endParaRPr lang="en-US" sz="1400" dirty="0"/>
                     </a:p>
@@ -5670,19 +5620,7 @@
           <a:p>
             <a:r>
               <a:rPr lang="en-US" dirty="0" smtClean="0"/>
-              <a:t>DARE </a:t>
-            </a:r>
-            <a:r>
-              <a:rPr lang="en-US" dirty="0" smtClean="0"/>
-              <a:t>Framework : </a:t>
-            </a:r>
-            <a:r>
-              <a:rPr lang="en-US" dirty="0" smtClean="0"/>
-              <a:t>A </a:t>
-            </a:r>
-            <a:r>
-              <a:rPr lang="en-US" dirty="0" smtClean="0"/>
-              <a:t>Case for Suitable Solution</a:t>
+              <a:t>DARE Framework : A Case for Suitable Solution</a:t>
             </a:r>
             <a:endParaRPr lang="en-US" dirty="0"/>
           </a:p>
@@ -6999,23 +6937,15 @@
           <a:lstStyle/>
           <a:p>
             <a:r>
-              <a:rPr lang="en-US" sz="2600" dirty="0" smtClean="0"/>
+              <a:rPr lang="en-US" sz="2600" dirty="0"/>
               <a:t>Abstractions for Dynamic Execution </a:t>
             </a:r>
             <a:br>
-              <a:rPr lang="en-US" sz="2600" dirty="0" smtClean="0"/>
+              <a:rPr lang="en-US" sz="2600" dirty="0"/>
             </a:br>
             <a:r>
-              <a:rPr lang="en-US" sz="2600" dirty="0" smtClean="0"/>
-              <a:t>SAGA Pilot-Job (</a:t>
-            </a:r>
-            <a:r>
-              <a:rPr lang="en-US" sz="2600" dirty="0" err="1" smtClean="0"/>
-              <a:t>BigJob</a:t>
-            </a:r>
-            <a:r>
-              <a:rPr lang="en-US" sz="2600" dirty="0" smtClean="0"/>
-              <a:t>)</a:t>
+              <a:rPr lang="en-US" sz="2600" dirty="0"/>
+              <a:t>SAGA Pilot-Job (BigJob)</a:t>
             </a:r>
             <a:endParaRPr lang="en-US" sz="2600" dirty="0"/>
           </a:p>
@@ -7084,35 +7014,6 @@
           <a:chExt cx="0" cy="0"/>
         </a:xfrm>
       </p:grpSpPr>
-      <p:sp>
-        <p:nvSpPr>
-          <p:cNvPr id="2" name="Title 1"/>
-          <p:cNvSpPr>
-            <a:spLocks noGrp="1"/>
-          </p:cNvSpPr>
-          <p:nvPr>
-            <p:ph type="title"/>
-          </p:nvPr>
-        </p:nvSpPr>
-        <p:spPr/>
-        <p:txBody>
-          <a:bodyPr>
-            <a:noAutofit/>
-          </a:bodyPr>
-          <a:lstStyle/>
-          <a:p>
-            <a:r>
-              <a:rPr lang="en-US" sz="2400" dirty="0" err="1" smtClean="0"/>
-              <a:t>BigJob</a:t>
-            </a:r>
-            <a:r>
-              <a:rPr lang="en-US" sz="2400" dirty="0" smtClean="0"/>
-              <a:t>: Infrastructure Independent Pilot-Job</a:t>
-            </a:r>
-            <a:endParaRPr lang="en-US" sz="2400" dirty="0"/>
-          </a:p>
-        </p:txBody>
-      </p:sp>
       <p:pic>
         <p:nvPicPr>
           <p:cNvPr id="4" name="Content Placeholder 3" descr="distributed_pilot_job.png"/>
@@ -7138,6 +7039,30 @@
         </p:blipFill>
         <p:spPr/>
       </p:pic>
+      <p:sp>
+        <p:nvSpPr>
+          <p:cNvPr id="3" name="Title 2"/>
+          <p:cNvSpPr>
+            <a:spLocks noGrp="1"/>
+          </p:cNvSpPr>
+          <p:nvPr>
+            <p:ph type="title"/>
+          </p:nvPr>
+        </p:nvSpPr>
+        <p:spPr/>
+        <p:txBody>
+          <a:bodyPr>
+            <a:normAutofit fontScale="90000"/>
+          </a:bodyPr>
+          <a:lstStyle/>
+          <a:p>
+            <a:r>
+              <a:rPr lang="en-US" dirty="0"/>
+              <a:t>BigJob: Infrastructure Independent Pilot-Job</a:t>
+            </a:r>
+          </a:p>
+        </p:txBody>
+      </p:sp>
     </p:spTree>
     <p:extLst>
       <p:ext uri="{BB962C8B-B14F-4D97-AF65-F5344CB8AC3E}">
@@ -7175,38 +7100,6 @@
           <a:chExt cx="0" cy="0"/>
         </a:xfrm>
       </p:grpSpPr>
-      <p:sp>
-        <p:nvSpPr>
-          <p:cNvPr id="45058" name="Title 1"/>
-          <p:cNvSpPr>
-            <a:spLocks noGrp="1"/>
-          </p:cNvSpPr>
-          <p:nvPr>
-            <p:ph type="title"/>
-          </p:nvPr>
-        </p:nvSpPr>
-        <p:spPr/>
-        <p:txBody>
-          <a:bodyPr>
-            <a:normAutofit/>
-          </a:bodyPr>
-          <a:lstStyle/>
-          <a:p>
-            <a:pPr eaLnBrk="1" hangingPunct="1"/>
-            <a:r>
-              <a:rPr lang="en-US" sz="2400" smtClean="0"/>
-              <a:t> BigJob: Infrastructure Independent Pilot-Job</a:t>
-            </a:r>
-            <a:br>
-              <a:rPr lang="en-US" sz="2400" smtClean="0"/>
-            </a:br>
-            <a:r>
-              <a:rPr lang="en-US" sz="2400" smtClean="0"/>
-              <a:t> (Each  sub-job is a MPI-based MD)</a:t>
-            </a:r>
-          </a:p>
-        </p:txBody>
-      </p:sp>
       <p:pic>
         <p:nvPicPr>
           <p:cNvPr id="45059" name="Content Placeholder 3" descr="8replica_scenario_grid_condor_cloud.png"/>
@@ -7237,6 +7130,37 @@
           </a:xfrm>
         </p:spPr>
       </p:pic>
+      <p:sp>
+        <p:nvSpPr>
+          <p:cNvPr id="2" name="Title 1"/>
+          <p:cNvSpPr>
+            <a:spLocks noGrp="1"/>
+          </p:cNvSpPr>
+          <p:nvPr>
+            <p:ph type="title"/>
+          </p:nvPr>
+        </p:nvSpPr>
+        <p:spPr/>
+        <p:txBody>
+          <a:bodyPr>
+            <a:normAutofit fontScale="90000"/>
+          </a:bodyPr>
+          <a:lstStyle/>
+          <a:p>
+            <a:r>
+              <a:rPr lang="en-US" dirty="0"/>
+              <a:t> BigJob: Infrastructure Independent Pilot-Job</a:t>
+            </a:r>
+            <a:br>
+              <a:rPr lang="en-US" dirty="0"/>
+            </a:br>
+            <a:r>
+              <a:rPr lang="en-US" dirty="0"/>
+              <a:t> (Each  sub-job is a MPI-based MD)</a:t>
+            </a:r>
+          </a:p>
+        </p:txBody>
+      </p:sp>
     </p:spTree>
     <p:extLst>
       <p:ext uri="{BB962C8B-B14F-4D97-AF65-F5344CB8AC3E}">
@@ -7276,31 +7200,6 @@
       </p:grpSpPr>
       <p:sp>
         <p:nvSpPr>
-          <p:cNvPr id="2" name="Title 1"/>
-          <p:cNvSpPr>
-            <a:spLocks noGrp="1"/>
-          </p:cNvSpPr>
-          <p:nvPr>
-            <p:ph type="title"/>
-          </p:nvPr>
-        </p:nvSpPr>
-        <p:spPr/>
-        <p:txBody>
-          <a:bodyPr>
-            <a:normAutofit/>
-          </a:bodyPr>
-          <a:lstStyle/>
-          <a:p>
-            <a:r>
-              <a:rPr lang="en-US" sz="2600" dirty="0" smtClean="0"/>
-              <a:t>SAGA Pilot-Jobs: What is different?</a:t>
-            </a:r>
-            <a:endParaRPr lang="en-US" sz="2600" dirty="0"/>
-          </a:p>
-        </p:txBody>
-      </p:sp>
-      <p:sp>
-        <p:nvSpPr>
           <p:cNvPr id="3" name="Content Placeholder 2"/>
           <p:cNvSpPr>
             <a:spLocks noGrp="1"/>
@@ -7459,6 +7358,28 @@
             <a:r>
               <a:rPr lang="en-US" dirty="0" smtClean="0"/>
               <a:t>Advanced run-time frameworks for load-balancing and fault-tolerance</a:t>
+            </a:r>
+          </a:p>
+        </p:txBody>
+      </p:sp>
+      <p:sp>
+        <p:nvSpPr>
+          <p:cNvPr id="4" name="Title 3"/>
+          <p:cNvSpPr>
+            <a:spLocks noGrp="1"/>
+          </p:cNvSpPr>
+          <p:nvPr>
+            <p:ph type="title"/>
+          </p:nvPr>
+        </p:nvSpPr>
+        <p:spPr/>
+        <p:txBody>
+          <a:bodyPr/>
+          <a:lstStyle/>
+          <a:p>
+            <a:r>
+              <a:rPr lang="en-US" dirty="0"/>
+              <a:t>SAGA Pilot-Jobs: What is different?</a:t>
             </a:r>
           </a:p>
         </p:txBody>
@@ -7540,11 +7461,7 @@
           <a:p>
             <a:r>
               <a:rPr lang="en-US" sz="3600" dirty="0" smtClean="0"/>
-              <a:t>Next-Generation DNA </a:t>
-            </a:r>
-            <a:r>
-              <a:rPr lang="en-US" sz="3600" dirty="0" smtClean="0"/>
-              <a:t>Sequencing (NGS) and </a:t>
+              <a:t>Next-Generation DNA Sequencing (NGS) and </a:t>
             </a:r>
             <a:r>
               <a:rPr lang="en-US" dirty="0" smtClean="0"/>
@@ -7617,15 +7534,7 @@
             </a:pPr>
             <a:r>
               <a:rPr lang="en-US" dirty="0" smtClean="0"/>
-              <a:t>Driving paradigm shift in computational biology touting </a:t>
-            </a:r>
-            <a:r>
-              <a:rPr lang="en-US" dirty="0" smtClean="0"/>
-              <a:t>the importance of</a:t>
-            </a:r>
-            <a:r>
-              <a:rPr lang="en-US" dirty="0" smtClean="0"/>
-              <a:t> distributed parallel execution </a:t>
+              <a:t>Driving paradigm shift in computational biology touting the importance of distributed parallel execution </a:t>
             </a:r>
             <a:endParaRPr lang="en-US" dirty="0"/>
           </a:p>
@@ -7670,48 +7579,6 @@
       </p:grpSpPr>
       <p:sp>
         <p:nvSpPr>
-          <p:cNvPr id="48130" name="Title 1"/>
-          <p:cNvSpPr>
-            <a:spLocks noGrp="1"/>
-          </p:cNvSpPr>
-          <p:nvPr>
-            <p:ph type="title"/>
-          </p:nvPr>
-        </p:nvSpPr>
-        <p:spPr>
-          <a:xfrm>
-            <a:off x="762000" y="0"/>
-            <a:ext cx="8153400" cy="1266825"/>
-          </a:xfrm>
-        </p:spPr>
-        <p:txBody>
-          <a:bodyPr/>
-          <a:lstStyle/>
-          <a:p>
-            <a:r>
-              <a:rPr lang="en-US" sz="2800" dirty="0">
-                <a:latin typeface="Arial" charset="0"/>
-                <a:ea typeface="ヒラギノ角ゴ ProN W3" charset="0"/>
-                <a:cs typeface="ヒラギノ角ゴ ProN W3" charset="0"/>
-              </a:rPr>
-              <a:t>Development Distributed Application </a:t>
-            </a:r>
-            <a:r>
-              <a:rPr lang="en-US" sz="2800" dirty="0">
-                <a:solidFill>
-                  <a:srgbClr val="800000"/>
-                </a:solidFill>
-                <a:latin typeface="Arial" charset="0"/>
-                <a:ea typeface="ヒラギノ角ゴ ProN W3" charset="0"/>
-                <a:cs typeface="ヒラギノ角ゴ ProN W3" charset="0"/>
-              </a:rPr>
-              <a:t>Frameworks</a:t>
-            </a:r>
-          </a:p>
-        </p:txBody>
-      </p:sp>
-      <p:sp>
-        <p:nvSpPr>
           <p:cNvPr id="52227" name="Content Placeholder 2"/>
           <p:cNvSpPr>
             <a:spLocks noGrp="1"/>
@@ -7829,6 +7696,46 @@
               </a:rPr>
               <a:t>i.e. Encode a Usage-Mode using a Framework</a:t>
             </a:r>
+          </a:p>
+        </p:txBody>
+      </p:sp>
+      <p:sp>
+        <p:nvSpPr>
+          <p:cNvPr id="3" name="Title 2"/>
+          <p:cNvSpPr>
+            <a:spLocks noGrp="1"/>
+          </p:cNvSpPr>
+          <p:nvPr>
+            <p:ph type="title"/>
+          </p:nvPr>
+        </p:nvSpPr>
+        <p:spPr/>
+        <p:txBody>
+          <a:bodyPr>
+            <a:normAutofit fontScale="90000"/>
+          </a:bodyPr>
+          <a:lstStyle/>
+          <a:p>
+            <a:r>
+              <a:rPr lang="en-US" dirty="0">
+                <a:latin typeface="Arial" charset="0"/>
+                <a:ea typeface="ヒラギノ角ゴ ProN W3" charset="0"/>
+                <a:cs typeface="ヒラギノ角ゴ ProN W3" charset="0"/>
+              </a:rPr>
+              <a:t>Development Distributed Application </a:t>
+            </a:r>
+            <a:r>
+              <a:rPr lang="en-US" dirty="0">
+                <a:solidFill>
+                  <a:srgbClr val="800000"/>
+                </a:solidFill>
+                <a:latin typeface="Arial" charset="0"/>
+                <a:ea typeface="ヒラギノ角ゴ ProN W3" charset="0"/>
+                <a:cs typeface="ヒラギノ角ゴ ProN W3" charset="0"/>
+              </a:rPr>
+              <a:t>Frameworks</a:t>
+            </a:r>
+            <a:endParaRPr lang="en-US" dirty="0"/>
           </a:p>
         </p:txBody>
       </p:sp>
@@ -8386,7 +8293,9 @@
           </a:xfrm>
         </p:spPr>
         <p:txBody>
-          <a:bodyPr tIns="20802"/>
+          <a:bodyPr tIns="20802">
+            <a:normAutofit/>
+          </a:bodyPr>
           <a:lstStyle/>
           <a:p>
             <a:pPr marL="390525" indent="-293688" eaLnBrk="1">
@@ -8409,7 +8318,7 @@
               </a:tabLst>
             </a:pPr>
             <a:r>
-              <a:rPr lang="en-US" dirty="0">
+              <a:rPr lang="en-US" sz="2400" dirty="0">
                 <a:latin typeface="Arial" charset="0"/>
                 <a:ea typeface="ヒラギノ角ゴ ProN W3" charset="0"/>
                 <a:cs typeface="ヒラギノ角ゴ ProN W3" charset="0"/>
@@ -8417,7 +8326,7 @@
               <a:t>Ensemble </a:t>
             </a:r>
             <a:r>
-              <a:rPr lang="en-US" dirty="0" err="1">
+              <a:rPr lang="en-US" sz="2400" dirty="0" err="1">
                 <a:latin typeface="Arial" charset="0"/>
                 <a:ea typeface="ヒラギノ角ゴ ProN W3" charset="0"/>
                 <a:cs typeface="ヒラギノ角ゴ ProN W3" charset="0"/>
@@ -8425,7 +8334,7 @@
               <a:t>Kalman</a:t>
             </a:r>
             <a:r>
-              <a:rPr lang="en-US" dirty="0">
+              <a:rPr lang="en-US" sz="2400" dirty="0">
                 <a:latin typeface="Arial" charset="0"/>
                 <a:ea typeface="ヒラギノ角ゴ ProN W3" charset="0"/>
                 <a:cs typeface="ヒラギノ角ゴ ProN W3" charset="0"/>
@@ -8433,7 +8342,7 @@
               <a:t> filters (</a:t>
             </a:r>
             <a:r>
-              <a:rPr lang="en-US" dirty="0" err="1">
+              <a:rPr lang="en-US" sz="2400" dirty="0" err="1">
                 <a:latin typeface="Arial" charset="0"/>
                 <a:ea typeface="ヒラギノ角ゴ ProN W3" charset="0"/>
                 <a:cs typeface="ヒラギノ角ゴ ProN W3" charset="0"/>
@@ -8441,7 +8350,7 @@
               <a:t>EnKF</a:t>
             </a:r>
             <a:r>
-              <a:rPr lang="en-US" dirty="0">
+              <a:rPr lang="en-US" sz="2400" dirty="0">
                 <a:latin typeface="Arial" charset="0"/>
                 <a:ea typeface="ヒラギノ角ゴ ProN W3" charset="0"/>
                 <a:cs typeface="ヒラギノ角ゴ ProN W3" charset="0"/>
@@ -8449,7 +8358,7 @@
               <a:t>), are recursive filters to handle large, noisy data;  use the </a:t>
             </a:r>
             <a:r>
-              <a:rPr lang="en-US" dirty="0" err="1">
+              <a:rPr lang="en-US" sz="2400" dirty="0" err="1">
                 <a:latin typeface="Arial" charset="0"/>
                 <a:ea typeface="ヒラギノ角ゴ ProN W3" charset="0"/>
                 <a:cs typeface="ヒラギノ角ゴ ProN W3" charset="0"/>
@@ -8457,7 +8366,7 @@
               <a:t>EnKF</a:t>
             </a:r>
             <a:r>
-              <a:rPr lang="en-US" dirty="0">
+              <a:rPr lang="en-US" sz="2400" dirty="0">
                 <a:latin typeface="Arial" charset="0"/>
                 <a:ea typeface="ヒラギノ角ゴ ProN W3" charset="0"/>
                 <a:cs typeface="ヒラギノ角ゴ ProN W3" charset="0"/>
@@ -8486,7 +8395,7 @@
               </a:tabLst>
             </a:pPr>
             <a:r>
-              <a:rPr lang="en-US" dirty="0" err="1">
+              <a:rPr lang="en-US" sz="2400" dirty="0" err="1">
                 <a:latin typeface="Arial" charset="0"/>
                 <a:ea typeface="ヒラギノ角ゴ ProN W3" charset="0"/>
                 <a:cs typeface="ヒラギノ角ゴ ProN W3" charset="0"/>
@@ -8494,7 +8403,7 @@
               <a:t>EnKF</a:t>
             </a:r>
             <a:r>
-              <a:rPr lang="en-US" dirty="0">
+              <a:rPr lang="en-US" sz="2400" dirty="0">
                 <a:latin typeface="Arial" charset="0"/>
                 <a:ea typeface="ヒラギノ角ゴ ProN W3" charset="0"/>
                 <a:cs typeface="ヒラギノ角ゴ ProN W3" charset="0"/>
@@ -9002,7 +8911,6 @@
               <a:rPr lang="en-US" dirty="0"/>
               <a:t>DARE-NGS : Mapping on Scalable Distributed HPC resources</a:t>
             </a:r>
-            <a:endParaRPr lang="en-US" dirty="0"/>
           </a:p>
         </p:txBody>
       </p:sp>
@@ -9754,8 +9662,8 @@
         </p:nvSpPr>
         <p:spPr>
           <a:xfrm>
-            <a:off x="111641" y="1785340"/>
-            <a:ext cx="4019033" cy="4952590"/>
+            <a:off x="111642" y="1523460"/>
+            <a:ext cx="3763962" cy="4952590"/>
           </a:xfrm>
           <a:prstGeom prst="rect">
             <a:avLst/>
@@ -9918,7 +9826,7 @@
           </a:lstStyle>
           <a:p>
             <a:r>
-              <a:rPr lang="en-US" sz="2400" dirty="0" smtClean="0">
+              <a:rPr lang="en-US" sz="2000" dirty="0" smtClean="0">
                 <a:solidFill>
                   <a:srgbClr val="FF0000"/>
                 </a:solidFill>
@@ -9926,7 +9834,7 @@
               <a:t>Human Genome (HG18) and </a:t>
             </a:r>
             <a:r>
-              <a:rPr lang="en-US" sz="2400" dirty="0" err="1" smtClean="0">
+              <a:rPr lang="en-US" sz="2000" dirty="0" err="1" smtClean="0">
                 <a:solidFill>
                   <a:srgbClr val="FF0000"/>
                 </a:solidFill>
@@ -9934,7 +9842,7 @@
               <a:t>Burkerholderia</a:t>
             </a:r>
             <a:r>
-              <a:rPr lang="en-US" sz="2400" dirty="0" smtClean="0">
+              <a:rPr lang="en-US" sz="2000" dirty="0" smtClean="0">
                 <a:solidFill>
                   <a:srgbClr val="FF0000"/>
                 </a:solidFill>
@@ -9942,7 +9850,7 @@
               <a:t> </a:t>
             </a:r>
             <a:r>
-              <a:rPr lang="en-US" sz="2400" dirty="0" err="1" smtClean="0">
+              <a:rPr lang="en-US" sz="2000" dirty="0" err="1" smtClean="0">
                 <a:solidFill>
                   <a:srgbClr val="FF0000"/>
                 </a:solidFill>
@@ -9950,7 +9858,7 @@
               <a:t>Glumae</a:t>
             </a:r>
             <a:r>
-              <a:rPr lang="en-US" sz="2400" dirty="0" smtClean="0">
+              <a:rPr lang="en-US" sz="2000" dirty="0" smtClean="0">
                 <a:solidFill>
                   <a:srgbClr val="FF0000"/>
                 </a:solidFill>
@@ -10044,26 +9952,26 @@
           <p:nvPr>
             <p:extLst>
               <p:ext uri="{D42A27DB-BD31-4B8C-83A1-F6EECF244321}">
-                <p14:modId xmlns:p14="http://schemas.microsoft.com/office/powerpoint/2010/main" val="2930022730"/>
+                <p14:modId xmlns:p14="http://schemas.microsoft.com/office/powerpoint/2010/main" val="1962386338"/>
               </p:ext>
             </p:extLst>
           </p:nvPr>
         </p:nvGraphicFramePr>
         <p:xfrm>
-          <a:off x="4423728" y="1617859"/>
-          <a:ext cx="4594677" cy="3630795"/>
+          <a:off x="3941070" y="1617859"/>
+          <a:ext cx="5142800" cy="3214235"/>
         </p:xfrm>
         <a:graphic>
           <a:graphicData uri="http://schemas.openxmlformats.org/drawingml/2006/table">
             <a:tbl>
               <a:tblPr firstRow="1" bandRow="1">
-                <a:tableStyleId>{21E4AEA4-8DFA-4A89-87EB-49C32662AFE0}</a:tableStyleId>
+                <a:tableStyleId>{F5AB1C69-6EDB-4FF4-983F-18BD219EF322}</a:tableStyleId>
               </a:tblPr>
               <a:tblGrid>
-                <a:gridCol w="1200128"/>
-                <a:gridCol w="1182030"/>
-                <a:gridCol w="1039486"/>
-                <a:gridCol w="1173033"/>
+                <a:gridCol w="1504744"/>
+                <a:gridCol w="1294314"/>
+                <a:gridCol w="1194751"/>
+                <a:gridCol w="1148991"/>
               </a:tblGrid>
               <a:tr h="735195">
                 <a:tc>
@@ -10131,7 +10039,11 @@
                     <a:p>
                       <a:r>
                         <a:rPr lang="en-US" sz="1600" dirty="0" smtClean="0"/>
-                        <a:t>Genome size</a:t>
+                        <a:t>Genome </a:t>
+                      </a:r>
+                      <a:r>
+                        <a:rPr lang="en-US" sz="1600" dirty="0" smtClean="0"/>
+                        <a:t>Size</a:t>
                       </a:r>
                       <a:endParaRPr lang="en-US" sz="1600" dirty="0"/>
                     </a:p>
@@ -10197,7 +10109,11 @@
                     <a:p>
                       <a:r>
                         <a:rPr lang="en-US" sz="1600" dirty="0" smtClean="0"/>
-                        <a:t>NGS Data</a:t>
+                        <a:t>NGS </a:t>
+                      </a:r>
+                      <a:r>
+                        <a:rPr lang="en-US" sz="1600" dirty="0" smtClean="0"/>
+                        <a:t>Data Type</a:t>
                       </a:r>
                       <a:endParaRPr lang="en-US" sz="1600" dirty="0"/>
                     </a:p>
@@ -10255,7 +10171,11 @@
                     <a:p>
                       <a:r>
                         <a:rPr lang="en-US" sz="1600" dirty="0" smtClean="0"/>
-                        <a:t>NGS Data size</a:t>
+                        <a:t>NGS Data </a:t>
+                      </a:r>
+                      <a:r>
+                        <a:rPr lang="en-US" sz="1600" dirty="0" smtClean="0"/>
+                        <a:t>Size</a:t>
                       </a:r>
                       <a:endParaRPr lang="en-US" sz="1600" dirty="0"/>
                     </a:p>
@@ -10320,8 +10240,12 @@
                         <a:t> Index </a:t>
                       </a:r>
                       <a:r>
+                        <a:rPr lang="en-US" sz="1600" baseline="0" dirty="0" smtClean="0"/>
+                        <a:t>Data </a:t>
+                      </a:r>
+                      <a:r>
                         <a:rPr lang="en-US" sz="1600" baseline="0" dirty="0" err="1" smtClean="0"/>
-                        <a:t>size</a:t>
+                        <a:t>Volumn</a:t>
                       </a:r>
                       <a:r>
                         <a:rPr lang="en-US" sz="1600" baseline="30000" dirty="0" err="1" smtClean="0"/>
@@ -10421,20 +10345,10 @@
                     <a:p>
                       <a:r>
                         <a:rPr lang="en-US" sz="1600" dirty="0" smtClean="0"/>
-                        <a:t>38 MB + </a:t>
+                        <a:t>38 MB + a</a:t>
                       </a:r>
                       <a:r>
-                        <a:rPr lang="en-US" sz="1600" dirty="0" smtClean="0">
-                          <a:latin typeface="Symbol" charset="2"/>
-                          <a:cs typeface="Symbol" charset="2"/>
-                        </a:rPr>
-                        <a:t>a</a:t>
-                      </a:r>
-                      <a:r>
-                        <a:rPr lang="en-US" sz="1600" baseline="30000" dirty="0" smtClean="0">
-                          <a:latin typeface="+mj-lt"/>
-                          <a:cs typeface="Symbol" charset="2"/>
-                        </a:rPr>
+                        <a:rPr lang="en-US" sz="1600" baseline="30000" dirty="0" smtClean="0"/>
                         <a:t>c)</a:t>
                       </a:r>
                       <a:endParaRPr lang="en-US" sz="1600" dirty="0"/>
@@ -10449,14 +10363,7 @@
                     <a:p>
                       <a:r>
                         <a:rPr lang="en-US" sz="1600" dirty="0" smtClean="0"/>
-                        <a:t>12 GB + </a:t>
-                      </a:r>
-                      <a:r>
-                        <a:rPr lang="en-US" sz="1600" dirty="0" smtClean="0">
-                          <a:latin typeface="Symbol" charset="2"/>
-                          <a:cs typeface="Symbol" charset="2"/>
-                        </a:rPr>
-                        <a:t>a</a:t>
+                        <a:t>12 GB + a</a:t>
                       </a:r>
                       <a:endParaRPr lang="en-US" sz="1600" dirty="0"/>
                     </a:p>
@@ -10474,14 +10381,7 @@
                       </a:r>
                       <a:r>
                         <a:rPr lang="en-US" sz="1600" baseline="0" dirty="0" smtClean="0"/>
-                        <a:t> MB + </a:t>
-                      </a:r>
-                      <a:r>
-                        <a:rPr lang="en-US" sz="1600" baseline="0" dirty="0" smtClean="0">
-                          <a:latin typeface="Symbol" charset="2"/>
-                          <a:cs typeface="Symbol" charset="2"/>
-                        </a:rPr>
-                        <a:t>a</a:t>
+                        <a:t> MB + a</a:t>
                       </a:r>
                       <a:endParaRPr lang="en-US" sz="1600" dirty="0"/>
                     </a:p>
@@ -10602,7 +10502,6 @@
               <a:rPr lang="en-US" dirty="0"/>
               <a:t>DARE-NGS : Mapping on Scalable Distributed HPC resources</a:t>
             </a:r>
-            <a:endParaRPr lang="en-US" dirty="0"/>
           </a:p>
         </p:txBody>
       </p:sp>
@@ -10960,7 +10859,6 @@
               <a:rPr lang="en-US" dirty="0"/>
               <a:t>DARE-NGS : Mapping on Scalable Distributed HPC resources</a:t>
             </a:r>
-            <a:endParaRPr lang="en-US" dirty="0"/>
           </a:p>
         </p:txBody>
       </p:sp>
@@ -19004,7 +18902,6 @@
               <a:rPr lang="en-US" sz="3200" dirty="0"/>
               <a:t>DARE-NGS : Mapping on Scalable Distributed HPC resources</a:t>
             </a:r>
-            <a:endParaRPr lang="en-US" sz="3200" dirty="0"/>
           </a:p>
         </p:txBody>
       </p:sp>
@@ -19209,13 +19106,13 @@
           <p:nvPr>
             <p:extLst>
               <p:ext uri="{D42A27DB-BD31-4B8C-83A1-F6EECF244321}">
-                <p14:modId xmlns:p14="http://schemas.microsoft.com/office/powerpoint/2010/main" val="1865522359"/>
+                <p14:modId xmlns:p14="http://schemas.microsoft.com/office/powerpoint/2010/main" val="1292307466"/>
               </p:ext>
             </p:extLst>
           </p:nvPr>
         </p:nvGraphicFramePr>
         <p:xfrm>
-          <a:off x="4053746" y="3622280"/>
+          <a:off x="3935906" y="3425870"/>
           <a:ext cx="4633054" cy="1355934"/>
         </p:xfrm>
         <a:graphic>
@@ -19602,7 +19499,6 @@
               <a:rPr lang="en-US" dirty="0"/>
               <a:t>Next-Generation DNA Sequencing (NGS) and Its Impact on Life Sciences</a:t>
             </a:r>
-            <a:endParaRPr lang="en-US" dirty="0"/>
           </a:p>
         </p:txBody>
       </p:sp>
@@ -20585,7 +20481,6 @@
               <a:rPr lang="en-US" dirty="0"/>
               <a:t>Next-Generation DNA Sequencing (NGS) and Its Impact on Life Sciences</a:t>
             </a:r>
-            <a:endParaRPr lang="en-US" dirty="0"/>
           </a:p>
         </p:txBody>
       </p:sp>
@@ -21155,7 +21050,6 @@
               <a:rPr lang="en-US" dirty="0"/>
               <a:t>Next-Generation DNA Sequencing (NGS) and Its Impact on Life Sciences</a:t>
             </a:r>
-            <a:endParaRPr lang="en-US" dirty="0"/>
           </a:p>
         </p:txBody>
       </p:sp>
@@ -22779,7 +22673,6 @@
               <a:rPr lang="en-US" dirty="0"/>
               <a:t>Next-Generation DNA Sequencing (NGS) and Its Impact on Life Sciences</a:t>
             </a:r>
-            <a:endParaRPr lang="en-US" dirty="0"/>
           </a:p>
         </p:txBody>
       </p:sp>
@@ -24342,7 +24235,6 @@
               <a:rPr lang="en-US" dirty="0"/>
               <a:t>Next-Generation DNA Sequencing (NGS) and Its Impact on Life Sciences</a:t>
             </a:r>
-            <a:endParaRPr lang="en-US" dirty="0"/>
           </a:p>
         </p:txBody>
       </p:sp>
@@ -24849,11 +24741,7 @@
           <a:p>
             <a:r>
               <a:rPr lang="en-US" sz="3600" dirty="0" smtClean="0"/>
-              <a:t>Next-Generation DNA </a:t>
-            </a:r>
-            <a:r>
-              <a:rPr lang="en-US" sz="3600" dirty="0" smtClean="0"/>
-              <a:t>Sequencing (NGS) and </a:t>
+              <a:t>Next-Generation DNA Sequencing (NGS) and </a:t>
             </a:r>
             <a:r>
               <a:rPr lang="en-US" dirty="0" smtClean="0"/>
@@ -24926,15 +24814,7 @@
             </a:pPr>
             <a:r>
               <a:rPr lang="en-US" dirty="0" smtClean="0"/>
-              <a:t>Driving paradigm shift in computational biology touting </a:t>
-            </a:r>
-            <a:r>
-              <a:rPr lang="en-US" dirty="0" smtClean="0"/>
-              <a:t>the importance of</a:t>
-            </a:r>
-            <a:r>
-              <a:rPr lang="en-US" dirty="0" smtClean="0"/>
-              <a:t> distributed parallel execution </a:t>
+              <a:t>Driving paradigm shift in computational biology touting the importance of distributed parallel execution </a:t>
             </a:r>
             <a:endParaRPr lang="en-US" dirty="0"/>
           </a:p>
@@ -25000,11 +24880,7 @@
             </a:pPr>
             <a:r>
               <a:rPr lang="en-US" dirty="0" smtClean="0"/>
-              <a:t>Motivations and challenges</a:t>
-            </a:r>
-            <a:r>
-              <a:rPr lang="en-US" dirty="0" smtClean="0"/>
-              <a:t> </a:t>
+              <a:t>Motivations and challenges </a:t>
             </a:r>
             <a:endParaRPr lang="en-US" dirty="0"/>
           </a:p>
@@ -25015,11 +24891,7 @@
             </a:pPr>
             <a:r>
               <a:rPr lang="en-US" dirty="0" smtClean="0"/>
-              <a:t>Distributed computing</a:t>
-            </a:r>
-            <a:r>
-              <a:rPr lang="en-US" dirty="0" smtClean="0"/>
-              <a:t> approach with efficiency in Time-To-Solution (TTS) and resource (Data/Compute</a:t>
+              <a:t>Distributed computing approach with efficiency in Time-To-Solution (TTS) and resource (Data/Compute</a:t>
             </a:r>
             <a:r>
               <a:rPr lang="en-US" dirty="0"/>
@@ -25037,7 +24909,6 @@
               <a:rPr lang="en-US" dirty="0" smtClean="0"/>
               <a:t>out</a:t>
             </a:r>
-            <a:endParaRPr lang="en-US" dirty="0" smtClean="0"/>
           </a:p>
           <a:p>
             <a:pPr marL="0" indent="0">
@@ -25047,7 +24918,6 @@
               <a:rPr lang="en-US" dirty="0" smtClean="0"/>
               <a:t>-	Developing extensible, agile, application-neutral, 	primarily data-intensive computing-friendly 	runtime environment : Distributed Adaptive 	Runtime Environment (DARE) Framework</a:t>
             </a:r>
-            <a:endParaRPr lang="en-US" dirty="0" smtClean="0"/>
           </a:p>
           <a:p>
             <a:pPr>

--- a/papers/tg11-dare/XD-TALK/PSC-workshop.pptx
+++ b/papers/tg11-dare/XD-TALK/PSC-workshop.pptx
@@ -5,39 +5,38 @@
     <p:sldMasterId id="2147483648" r:id="rId1"/>
   </p:sldMasterIdLst>
   <p:notesMasterIdLst>
-    <p:notesMasterId r:id="rId32"/>
+    <p:notesMasterId r:id="rId31"/>
   </p:notesMasterIdLst>
   <p:sldIdLst>
     <p:sldId id="256" r:id="rId2"/>
-    <p:sldId id="257" r:id="rId3"/>
-    <p:sldId id="283" r:id="rId4"/>
-    <p:sldId id="287" r:id="rId5"/>
-    <p:sldId id="260" r:id="rId6"/>
-    <p:sldId id="264" r:id="rId7"/>
-    <p:sldId id="284" r:id="rId8"/>
-    <p:sldId id="288" r:id="rId9"/>
-    <p:sldId id="258" r:id="rId10"/>
-    <p:sldId id="286" r:id="rId11"/>
-    <p:sldId id="259" r:id="rId12"/>
-    <p:sldId id="269" r:id="rId13"/>
-    <p:sldId id="270" r:id="rId14"/>
-    <p:sldId id="271" r:id="rId15"/>
-    <p:sldId id="272" r:id="rId16"/>
-    <p:sldId id="273" r:id="rId17"/>
-    <p:sldId id="274" r:id="rId18"/>
-    <p:sldId id="275" r:id="rId19"/>
-    <p:sldId id="276" r:id="rId20"/>
-    <p:sldId id="277" r:id="rId21"/>
-    <p:sldId id="278" r:id="rId22"/>
-    <p:sldId id="279" r:id="rId23"/>
-    <p:sldId id="280" r:id="rId24"/>
-    <p:sldId id="281" r:id="rId25"/>
-    <p:sldId id="265" r:id="rId26"/>
-    <p:sldId id="263" r:id="rId27"/>
-    <p:sldId id="261" r:id="rId28"/>
-    <p:sldId id="262" r:id="rId29"/>
-    <p:sldId id="266" r:id="rId30"/>
-    <p:sldId id="282" r:id="rId31"/>
+    <p:sldId id="283" r:id="rId3"/>
+    <p:sldId id="287" r:id="rId4"/>
+    <p:sldId id="260" r:id="rId5"/>
+    <p:sldId id="264" r:id="rId6"/>
+    <p:sldId id="284" r:id="rId7"/>
+    <p:sldId id="257" r:id="rId8"/>
+    <p:sldId id="258" r:id="rId9"/>
+    <p:sldId id="286" r:id="rId10"/>
+    <p:sldId id="259" r:id="rId11"/>
+    <p:sldId id="269" r:id="rId12"/>
+    <p:sldId id="270" r:id="rId13"/>
+    <p:sldId id="271" r:id="rId14"/>
+    <p:sldId id="272" r:id="rId15"/>
+    <p:sldId id="273" r:id="rId16"/>
+    <p:sldId id="274" r:id="rId17"/>
+    <p:sldId id="275" r:id="rId18"/>
+    <p:sldId id="276" r:id="rId19"/>
+    <p:sldId id="277" r:id="rId20"/>
+    <p:sldId id="278" r:id="rId21"/>
+    <p:sldId id="279" r:id="rId22"/>
+    <p:sldId id="280" r:id="rId23"/>
+    <p:sldId id="281" r:id="rId24"/>
+    <p:sldId id="265" r:id="rId25"/>
+    <p:sldId id="263" r:id="rId26"/>
+    <p:sldId id="261" r:id="rId27"/>
+    <p:sldId id="262" r:id="rId28"/>
+    <p:sldId id="266" r:id="rId29"/>
+    <p:sldId id="282" r:id="rId30"/>
   </p:sldIdLst>
   <p:sldSz cx="9144000" cy="6858000" type="screen4x3"/>
   <p:notesSz cx="6858000" cy="9144000"/>
@@ -221,7 +220,7 @@
           <a:p>
             <a:fld id="{F7B5EB79-89E8-A94B-AC1A-54DCF624E5B2}" type="datetimeFigureOut">
               <a:rPr lang="en-US" smtClean="0"/>
-              <a:t>4/12/11</a:t>
+              <a:t>4/13/11</a:t>
             </a:fld>
             <a:endParaRPr lang="en-US"/>
           </a:p>
@@ -690,7 +689,7 @@
             <a:fld id="{169D5AB6-F86B-6B43-A486-0B34ED1BD208}" type="slidenum">
               <a:rPr lang="en-US" sz="1200"/>
               <a:pPr eaLnBrk="1" hangingPunct="1"/>
-              <a:t>23</a:t>
+              <a:t>22</a:t>
             </a:fld>
             <a:endParaRPr lang="en-US" sz="1200"/>
           </a:p>
@@ -974,7 +973,7 @@
           <a:p>
             <a:fld id="{9CA5C856-D373-2E49-9257-F90004C68B8A}" type="datetimeFigureOut">
               <a:rPr lang="en-US" smtClean="0"/>
-              <a:t>4/12/11</a:t>
+              <a:t>4/13/11</a:t>
             </a:fld>
             <a:endParaRPr lang="en-US"/>
           </a:p>
@@ -1144,7 +1143,7 @@
           <a:p>
             <a:fld id="{9CA5C856-D373-2E49-9257-F90004C68B8A}" type="datetimeFigureOut">
               <a:rPr lang="en-US" smtClean="0"/>
-              <a:t>4/12/11</a:t>
+              <a:t>4/13/11</a:t>
             </a:fld>
             <a:endParaRPr lang="en-US"/>
           </a:p>
@@ -1324,7 +1323,7 @@
           <a:p>
             <a:fld id="{9CA5C856-D373-2E49-9257-F90004C68B8A}" type="datetimeFigureOut">
               <a:rPr lang="en-US" smtClean="0"/>
-              <a:t>4/12/11</a:t>
+              <a:t>4/13/11</a:t>
             </a:fld>
             <a:endParaRPr lang="en-US"/>
           </a:p>
@@ -1494,7 +1493,7 @@
           <a:p>
             <a:fld id="{9CA5C856-D373-2E49-9257-F90004C68B8A}" type="datetimeFigureOut">
               <a:rPr lang="en-US" smtClean="0"/>
-              <a:t>4/12/11</a:t>
+              <a:t>4/13/11</a:t>
             </a:fld>
             <a:endParaRPr lang="en-US"/>
           </a:p>
@@ -1740,7 +1739,7 @@
           <a:p>
             <a:fld id="{9CA5C856-D373-2E49-9257-F90004C68B8A}" type="datetimeFigureOut">
               <a:rPr lang="en-US" smtClean="0"/>
-              <a:t>4/12/11</a:t>
+              <a:t>4/13/11</a:t>
             </a:fld>
             <a:endParaRPr lang="en-US"/>
           </a:p>
@@ -2028,7 +2027,7 @@
           <a:p>
             <a:fld id="{9CA5C856-D373-2E49-9257-F90004C68B8A}" type="datetimeFigureOut">
               <a:rPr lang="en-US" smtClean="0"/>
-              <a:t>4/12/11</a:t>
+              <a:t>4/13/11</a:t>
             </a:fld>
             <a:endParaRPr lang="en-US"/>
           </a:p>
@@ -2450,7 +2449,7 @@
           <a:p>
             <a:fld id="{9CA5C856-D373-2E49-9257-F90004C68B8A}" type="datetimeFigureOut">
               <a:rPr lang="en-US" smtClean="0"/>
-              <a:t>4/12/11</a:t>
+              <a:t>4/13/11</a:t>
             </a:fld>
             <a:endParaRPr lang="en-US"/>
           </a:p>
@@ -2568,7 +2567,7 @@
           <a:p>
             <a:fld id="{9CA5C856-D373-2E49-9257-F90004C68B8A}" type="datetimeFigureOut">
               <a:rPr lang="en-US" smtClean="0"/>
-              <a:t>4/12/11</a:t>
+              <a:t>4/13/11</a:t>
             </a:fld>
             <a:endParaRPr lang="en-US"/>
           </a:p>
@@ -2663,7 +2662,7 @@
           <a:p>
             <a:fld id="{9CA5C856-D373-2E49-9257-F90004C68B8A}" type="datetimeFigureOut">
               <a:rPr lang="en-US" smtClean="0"/>
-              <a:t>4/12/11</a:t>
+              <a:t>4/13/11</a:t>
             </a:fld>
             <a:endParaRPr lang="en-US"/>
           </a:p>
@@ -2940,7 +2939,7 @@
           <a:p>
             <a:fld id="{9CA5C856-D373-2E49-9257-F90004C68B8A}" type="datetimeFigureOut">
               <a:rPr lang="en-US" smtClean="0"/>
-              <a:t>4/12/11</a:t>
+              <a:t>4/13/11</a:t>
             </a:fld>
             <a:endParaRPr lang="en-US"/>
           </a:p>
@@ -3193,7 +3192,7 @@
           <a:p>
             <a:fld id="{9CA5C856-D373-2E49-9257-F90004C68B8A}" type="datetimeFigureOut">
               <a:rPr lang="en-US" smtClean="0"/>
-              <a:t>4/12/11</a:t>
+              <a:t>4/13/11</a:t>
             </a:fld>
             <a:endParaRPr lang="en-US"/>
           </a:p>
@@ -3420,7 +3419,7 @@
           <a:p>
             <a:fld id="{9CA5C856-D373-2E49-9257-F90004C68B8A}" type="datetimeFigureOut">
               <a:rPr lang="en-US" smtClean="0"/>
-              <a:t>4/12/11</a:t>
+              <a:t>4/13/11</a:t>
             </a:fld>
             <a:endParaRPr lang="en-US"/>
           </a:p>
@@ -4015,1592 +4014,6 @@
           <a:chExt cx="0" cy="0"/>
         </a:xfrm>
       </p:grpSpPr>
-      <p:graphicFrame>
-        <p:nvGraphicFramePr>
-          <p:cNvPr id="7" name="Table 6"/>
-          <p:cNvGraphicFramePr>
-            <a:graphicFrameLocks noGrp="1"/>
-          </p:cNvGraphicFramePr>
-          <p:nvPr>
-            <p:extLst>
-              <p:ext uri="{D42A27DB-BD31-4B8C-83A1-F6EECF244321}">
-                <p14:modId xmlns:p14="http://schemas.microsoft.com/office/powerpoint/2010/main" val="821003803"/>
-              </p:ext>
-            </p:extLst>
-          </p:nvPr>
-        </p:nvGraphicFramePr>
-        <p:xfrm>
-          <a:off x="194460" y="2207181"/>
-          <a:ext cx="4980852" cy="1885468"/>
-        </p:xfrm>
-        <a:graphic>
-          <a:graphicData uri="http://schemas.openxmlformats.org/drawingml/2006/table">
-            <a:tbl>
-              <a:tblPr firstRow="1" bandRow="1">
-                <a:tableStyleId>{EB344D84-9AFB-497E-A393-DC336BA19D2E}</a:tableStyleId>
-              </a:tblPr>
-              <a:tblGrid>
-                <a:gridCol w="812138"/>
-                <a:gridCol w="889181"/>
-                <a:gridCol w="730398"/>
-                <a:gridCol w="889181"/>
-                <a:gridCol w="687575"/>
-                <a:gridCol w="972379"/>
-              </a:tblGrid>
-              <a:tr h="971069">
-                <a:tc>
-                  <a:txBody>
-                    <a:bodyPr/>
-                    <a:lstStyle/>
-                    <a:p>
-                      <a:pPr algn="ctr"/>
-                      <a:endParaRPr lang="en-US" sz="1400" dirty="0"/>
-                    </a:p>
-                  </a:txBody>
-                  <a:tcPr anchor="ctr"/>
-                </a:tc>
-                <a:tc>
-                  <a:txBody>
-                    <a:bodyPr/>
-                    <a:lstStyle/>
-                    <a:p>
-                      <a:pPr algn="ctr"/>
-                      <a:r>
-                        <a:rPr lang="en-US" sz="1400" dirty="0" smtClean="0"/>
-                        <a:t>HPC</a:t>
-                      </a:r>
-                      <a:r>
-                        <a:rPr lang="en-US" sz="1400" baseline="0" dirty="0" smtClean="0"/>
-                        <a:t> System</a:t>
-                      </a:r>
-                      <a:endParaRPr lang="en-US" sz="1400" dirty="0"/>
-                    </a:p>
-                  </a:txBody>
-                  <a:tcPr anchor="ctr"/>
-                </a:tc>
-                <a:tc>
-                  <a:txBody>
-                    <a:bodyPr/>
-                    <a:lstStyle/>
-                    <a:p>
-                      <a:pPr algn="ctr"/>
-                      <a:r>
-                        <a:rPr lang="en-US" sz="1400" dirty="0" smtClean="0"/>
-                        <a:t># of cores</a:t>
-                      </a:r>
-                      <a:endParaRPr lang="en-US" sz="1400" dirty="0"/>
-                    </a:p>
-                  </a:txBody>
-                  <a:tcPr anchor="ctr"/>
-                </a:tc>
-                <a:tc>
-                  <a:txBody>
-                    <a:bodyPr/>
-                    <a:lstStyle/>
-                    <a:p>
-                      <a:pPr algn="ctr"/>
-                      <a:r>
-                        <a:rPr lang="en-US" sz="1400" dirty="0" smtClean="0"/>
-                        <a:t>Read File Size</a:t>
-                      </a:r>
-                      <a:endParaRPr lang="en-US" sz="1400" dirty="0"/>
-                    </a:p>
-                  </a:txBody>
-                  <a:tcPr anchor="ctr"/>
-                </a:tc>
-                <a:tc>
-                  <a:txBody>
-                    <a:bodyPr/>
-                    <a:lstStyle/>
-                    <a:p>
-                      <a:pPr algn="ctr"/>
-                      <a:r>
-                        <a:rPr lang="en-US" sz="1400" dirty="0" smtClean="0"/>
-                        <a:t># of tasks</a:t>
-                      </a:r>
-                      <a:endParaRPr lang="en-US" sz="1400" dirty="0"/>
-                    </a:p>
-                  </a:txBody>
-                  <a:tcPr anchor="ctr"/>
-                </a:tc>
-                <a:tc>
-                  <a:txBody>
-                    <a:bodyPr/>
-                    <a:lstStyle/>
-                    <a:p>
-                      <a:pPr algn="ctr"/>
-                      <a:r>
-                        <a:rPr lang="en-US" sz="1400" dirty="0" smtClean="0"/>
-                        <a:t>Bfast</a:t>
-                      </a:r>
-                      <a:r>
-                        <a:rPr lang="en-US" sz="1400" baseline="0" dirty="0" smtClean="0"/>
-                        <a:t> (mapping)</a:t>
-                      </a:r>
-                      <a:endParaRPr lang="en-US" sz="1400" dirty="0"/>
-                    </a:p>
-                  </a:txBody>
-                  <a:tcPr anchor="ctr"/>
-                </a:tc>
-              </a:tr>
-              <a:tr h="242420">
-                <a:tc rowSpan="3">
-                  <a:txBody>
-                    <a:bodyPr/>
-                    <a:lstStyle/>
-                    <a:p>
-                      <a:pPr algn="ctr"/>
-                      <a:r>
-                        <a:rPr lang="en-US" sz="1400" dirty="0" smtClean="0"/>
-                        <a:t>DARE-NGS</a:t>
-                      </a:r>
-                    </a:p>
-                    <a:p>
-                      <a:pPr algn="ctr"/>
-                      <a:endParaRPr lang="en-US" sz="1400" dirty="0"/>
-                    </a:p>
-                  </a:txBody>
-                  <a:tcPr anchor="ctr"/>
-                </a:tc>
-                <a:tc>
-                  <a:txBody>
-                    <a:bodyPr/>
-                    <a:lstStyle/>
-                    <a:p>
-                      <a:pPr algn="ctr"/>
-                      <a:r>
-                        <a:rPr lang="en-US" sz="1400" dirty="0" smtClean="0"/>
-                        <a:t>Ranger</a:t>
-                      </a:r>
-                      <a:endParaRPr lang="en-US" sz="1400" dirty="0"/>
-                    </a:p>
-                  </a:txBody>
-                  <a:tcPr anchor="ctr"/>
-                </a:tc>
-                <a:tc>
-                  <a:txBody>
-                    <a:bodyPr/>
-                    <a:lstStyle/>
-                    <a:p>
-                      <a:pPr algn="ctr"/>
-                      <a:r>
-                        <a:rPr lang="en-US" sz="1400" dirty="0" smtClean="0"/>
-                        <a:t>64</a:t>
-                      </a:r>
-                      <a:endParaRPr lang="en-US" sz="1400" dirty="0"/>
-                    </a:p>
-                  </a:txBody>
-                  <a:tcPr anchor="ctr"/>
-                </a:tc>
-                <a:tc>
-                  <a:txBody>
-                    <a:bodyPr/>
-                    <a:lstStyle/>
-                    <a:p>
-                      <a:pPr algn="ctr"/>
-                      <a:r>
-                        <a:rPr lang="en-US" sz="1400" dirty="0" smtClean="0"/>
-                        <a:t>2.4</a:t>
-                      </a:r>
-                      <a:r>
-                        <a:rPr lang="en-US" sz="1400" baseline="0" dirty="0" smtClean="0"/>
-                        <a:t> GB</a:t>
-                      </a:r>
-                      <a:endParaRPr lang="en-US" sz="1400" dirty="0"/>
-                    </a:p>
-                  </a:txBody>
-                  <a:tcPr anchor="ctr"/>
-                </a:tc>
-                <a:tc>
-                  <a:txBody>
-                    <a:bodyPr/>
-                    <a:lstStyle/>
-                    <a:p>
-                      <a:pPr algn="ctr"/>
-                      <a:r>
-                        <a:rPr lang="en-US" sz="1400" dirty="0" smtClean="0"/>
-                        <a:t>4</a:t>
-                      </a:r>
-                      <a:endParaRPr lang="en-US" sz="1400" dirty="0"/>
-                    </a:p>
-                  </a:txBody>
-                  <a:tcPr anchor="ctr"/>
-                </a:tc>
-                <a:tc>
-                  <a:txBody>
-                    <a:bodyPr/>
-                    <a:lstStyle/>
-                    <a:p>
-                      <a:pPr algn="ctr"/>
-                      <a:r>
-                        <a:rPr lang="en-US" sz="1400" baseline="0" dirty="0" smtClean="0"/>
-                        <a:t>6.5 h</a:t>
-                      </a:r>
-                      <a:endParaRPr lang="en-US" sz="1400" dirty="0"/>
-                    </a:p>
-                  </a:txBody>
-                  <a:tcPr anchor="ctr"/>
-                </a:tc>
-              </a:tr>
-              <a:tr h="242420">
-                <a:tc vMerge="1">
-                  <a:txBody>
-                    <a:bodyPr/>
-                    <a:lstStyle/>
-                    <a:p>
-                      <a:pPr algn="ctr"/>
-                      <a:endParaRPr lang="en-US" dirty="0"/>
-                    </a:p>
-                  </a:txBody>
-                  <a:tcPr anchor="ctr"/>
-                </a:tc>
-                <a:tc>
-                  <a:txBody>
-                    <a:bodyPr/>
-                    <a:lstStyle/>
-                    <a:p>
-                      <a:pPr algn="ctr"/>
-                      <a:r>
-                        <a:rPr lang="en-US" sz="1400" dirty="0" smtClean="0"/>
-                        <a:t>Ranger</a:t>
-                      </a:r>
-                      <a:endParaRPr lang="en-US" sz="1400" dirty="0"/>
-                    </a:p>
-                  </a:txBody>
-                  <a:tcPr anchor="ctr"/>
-                </a:tc>
-                <a:tc>
-                  <a:txBody>
-                    <a:bodyPr/>
-                    <a:lstStyle/>
-                    <a:p>
-                      <a:pPr algn="ctr"/>
-                      <a:r>
-                        <a:rPr lang="en-US" sz="1400" dirty="0" smtClean="0"/>
-                        <a:t>128</a:t>
-                      </a:r>
-                      <a:endParaRPr lang="en-US" sz="1400" dirty="0"/>
-                    </a:p>
-                  </a:txBody>
-                  <a:tcPr anchor="ctr"/>
-                </a:tc>
-                <a:tc>
-                  <a:txBody>
-                    <a:bodyPr/>
-                    <a:lstStyle/>
-                    <a:p>
-                      <a:pPr algn="ctr"/>
-                      <a:r>
-                        <a:rPr lang="en-US" sz="1400" dirty="0" smtClean="0"/>
-                        <a:t>1.2 GB</a:t>
-                      </a:r>
-                      <a:endParaRPr lang="en-US" sz="1400" dirty="0"/>
-                    </a:p>
-                  </a:txBody>
-                  <a:tcPr anchor="ctr"/>
-                </a:tc>
-                <a:tc>
-                  <a:txBody>
-                    <a:bodyPr/>
-                    <a:lstStyle/>
-                    <a:p>
-                      <a:pPr algn="ctr"/>
-                      <a:r>
-                        <a:rPr lang="en-US" sz="1400" dirty="0" smtClean="0"/>
-                        <a:t>8</a:t>
-                      </a:r>
-                      <a:endParaRPr lang="en-US" sz="1400" dirty="0"/>
-                    </a:p>
-                  </a:txBody>
-                  <a:tcPr anchor="ctr"/>
-                </a:tc>
-                <a:tc>
-                  <a:txBody>
-                    <a:bodyPr/>
-                    <a:lstStyle/>
-                    <a:p>
-                      <a:pPr algn="ctr"/>
-                      <a:r>
-                        <a:rPr lang="en-US" sz="1400" dirty="0" smtClean="0"/>
-                        <a:t>3.4 h</a:t>
-                      </a:r>
-                      <a:endParaRPr lang="en-US" sz="1400" dirty="0"/>
-                    </a:p>
-                  </a:txBody>
-                  <a:tcPr anchor="ctr"/>
-                </a:tc>
-              </a:tr>
-              <a:tr h="242420">
-                <a:tc vMerge="1">
-                  <a:txBody>
-                    <a:bodyPr/>
-                    <a:lstStyle/>
-                    <a:p>
-                      <a:pPr algn="ctr"/>
-                      <a:endParaRPr lang="en-US" dirty="0"/>
-                    </a:p>
-                  </a:txBody>
-                  <a:tcPr anchor="ctr"/>
-                </a:tc>
-                <a:tc>
-                  <a:txBody>
-                    <a:bodyPr/>
-                    <a:lstStyle/>
-                    <a:p>
-                      <a:pPr algn="ctr"/>
-                      <a:r>
-                        <a:rPr lang="en-US" sz="1400" dirty="0" smtClean="0"/>
-                        <a:t>Ranger</a:t>
-                      </a:r>
-                      <a:endParaRPr lang="en-US" sz="1400" dirty="0"/>
-                    </a:p>
-                  </a:txBody>
-                  <a:tcPr anchor="ctr"/>
-                </a:tc>
-                <a:tc>
-                  <a:txBody>
-                    <a:bodyPr/>
-                    <a:lstStyle/>
-                    <a:p>
-                      <a:pPr algn="ctr"/>
-                      <a:r>
-                        <a:rPr lang="en-US" sz="1400" dirty="0" smtClean="0"/>
-                        <a:t>256</a:t>
-                      </a:r>
-                      <a:endParaRPr lang="en-US" sz="1400" dirty="0"/>
-                    </a:p>
-                  </a:txBody>
-                  <a:tcPr anchor="ctr"/>
-                </a:tc>
-                <a:tc>
-                  <a:txBody>
-                    <a:bodyPr/>
-                    <a:lstStyle/>
-                    <a:p>
-                      <a:pPr algn="ctr"/>
-                      <a:r>
-                        <a:rPr lang="en-US" sz="1400" dirty="0" smtClean="0"/>
-                        <a:t>0.6 GB</a:t>
-                      </a:r>
-                      <a:endParaRPr lang="en-US" sz="1400" dirty="0"/>
-                    </a:p>
-                  </a:txBody>
-                  <a:tcPr anchor="ctr"/>
-                </a:tc>
-                <a:tc>
-                  <a:txBody>
-                    <a:bodyPr/>
-                    <a:lstStyle/>
-                    <a:p>
-                      <a:pPr algn="ctr"/>
-                      <a:r>
-                        <a:rPr lang="en-US" sz="1400" dirty="0" smtClean="0"/>
-                        <a:t>16</a:t>
-                      </a:r>
-                      <a:endParaRPr lang="en-US" sz="1400" dirty="0"/>
-                    </a:p>
-                  </a:txBody>
-                  <a:tcPr anchor="ctr"/>
-                </a:tc>
-                <a:tc>
-                  <a:txBody>
-                    <a:bodyPr/>
-                    <a:lstStyle/>
-                    <a:p>
-                      <a:pPr algn="ctr"/>
-                      <a:r>
-                        <a:rPr lang="en-US" sz="1400" dirty="0" smtClean="0"/>
-                        <a:t>1.95</a:t>
-                      </a:r>
-                      <a:r>
-                        <a:rPr lang="en-US" sz="1400" baseline="0" dirty="0" smtClean="0"/>
-                        <a:t> h</a:t>
-                      </a:r>
-                      <a:endParaRPr lang="en-US" sz="1400" dirty="0"/>
-                    </a:p>
-                  </a:txBody>
-                  <a:tcPr anchor="ctr"/>
-                </a:tc>
-              </a:tr>
-            </a:tbl>
-          </a:graphicData>
-        </a:graphic>
-      </p:graphicFrame>
-      <p:sp>
-        <p:nvSpPr>
-          <p:cNvPr id="14" name="TextBox 13"/>
-          <p:cNvSpPr txBox="1"/>
-          <p:nvPr/>
-        </p:nvSpPr>
-        <p:spPr>
-          <a:xfrm>
-            <a:off x="3291761" y="1490500"/>
-            <a:ext cx="2770565" cy="369332"/>
-          </a:xfrm>
-          <a:prstGeom prst="rect">
-            <a:avLst/>
-          </a:prstGeom>
-        </p:spPr>
-        <p:style>
-          <a:lnRef idx="2">
-            <a:schemeClr val="dk1"/>
-          </a:lnRef>
-          <a:fillRef idx="1">
-            <a:schemeClr val="lt1"/>
-          </a:fillRef>
-          <a:effectRef idx="0">
-            <a:schemeClr val="dk1"/>
-          </a:effectRef>
-          <a:fontRef idx="minor">
-            <a:schemeClr val="dk1"/>
-          </a:fontRef>
-        </p:style>
-        <p:txBody>
-          <a:bodyPr wrap="square" rtlCol="0">
-            <a:spAutoFit/>
-          </a:bodyPr>
-          <a:lstStyle/>
-          <a:p>
-            <a:r>
-              <a:rPr lang="en-US" dirty="0" smtClean="0"/>
-              <a:t>Performance with scale out</a:t>
-            </a:r>
-            <a:endParaRPr lang="en-US" dirty="0"/>
-          </a:p>
-        </p:txBody>
-      </p:sp>
-      <p:graphicFrame>
-        <p:nvGraphicFramePr>
-          <p:cNvPr id="15" name="Table 14"/>
-          <p:cNvGraphicFramePr>
-            <a:graphicFrameLocks noGrp="1"/>
-          </p:cNvGraphicFramePr>
-          <p:nvPr>
-            <p:extLst>
-              <p:ext uri="{D42A27DB-BD31-4B8C-83A1-F6EECF244321}">
-                <p14:modId xmlns:p14="http://schemas.microsoft.com/office/powerpoint/2010/main" val="3681768013"/>
-              </p:ext>
-            </p:extLst>
-          </p:nvPr>
-        </p:nvGraphicFramePr>
-        <p:xfrm>
-          <a:off x="5381326" y="2207181"/>
-          <a:ext cx="3631740" cy="1617877"/>
-        </p:xfrm>
-        <a:graphic>
-          <a:graphicData uri="http://schemas.openxmlformats.org/drawingml/2006/table">
-            <a:tbl>
-              <a:tblPr firstRow="1" bandRow="1">
-                <a:tableStyleId>{EB344D84-9AFB-497E-A393-DC336BA19D2E}</a:tableStyleId>
-              </a:tblPr>
-              <a:tblGrid>
-                <a:gridCol w="707036"/>
-                <a:gridCol w="952872"/>
-                <a:gridCol w="814717"/>
-                <a:gridCol w="1157115"/>
-              </a:tblGrid>
-              <a:tr h="703478">
-                <a:tc>
-                  <a:txBody>
-                    <a:bodyPr/>
-                    <a:lstStyle/>
-                    <a:p>
-                      <a:pPr algn="ctr"/>
-                      <a:r>
-                        <a:rPr lang="en-US" sz="1400" dirty="0" smtClean="0"/>
-                        <a:t>Case</a:t>
-                      </a:r>
-                      <a:endParaRPr lang="en-US" sz="1400" dirty="0"/>
-                    </a:p>
-                  </a:txBody>
-                  <a:tcPr anchor="ctr"/>
-                </a:tc>
-                <a:tc>
-                  <a:txBody>
-                    <a:bodyPr/>
-                    <a:lstStyle/>
-                    <a:p>
-                      <a:pPr algn="ctr"/>
-                      <a:r>
-                        <a:rPr lang="en-US" sz="1400" dirty="0" smtClean="0"/>
-                        <a:t>HPC System</a:t>
-                      </a:r>
-                      <a:endParaRPr lang="en-US" sz="1400" dirty="0"/>
-                    </a:p>
-                  </a:txBody>
-                  <a:tcPr anchor="ctr"/>
-                </a:tc>
-                <a:tc>
-                  <a:txBody>
-                    <a:bodyPr/>
-                    <a:lstStyle/>
-                    <a:p>
-                      <a:pPr algn="ctr"/>
-                      <a:r>
-                        <a:rPr lang="en-US" sz="1400" dirty="0" smtClean="0"/>
-                        <a:t>#</a:t>
-                      </a:r>
-                      <a:r>
-                        <a:rPr lang="en-US" sz="1400" baseline="0" dirty="0" smtClean="0"/>
-                        <a:t> of cores</a:t>
-                      </a:r>
-                      <a:endParaRPr lang="en-US" sz="1400" dirty="0"/>
-                    </a:p>
-                  </a:txBody>
-                  <a:tcPr anchor="ctr"/>
-                </a:tc>
-                <a:tc>
-                  <a:txBody>
-                    <a:bodyPr/>
-                    <a:lstStyle/>
-                    <a:p>
-                      <a:pPr algn="ctr"/>
-                      <a:r>
-                        <a:rPr lang="en-US" sz="1400" dirty="0" smtClean="0"/>
-                        <a:t>Bfast</a:t>
-                      </a:r>
-                      <a:r>
-                        <a:rPr lang="en-US" sz="1400" baseline="0" dirty="0" smtClean="0"/>
-                        <a:t> (mapping)</a:t>
-                      </a:r>
-                      <a:endParaRPr lang="en-US" sz="1400" dirty="0"/>
-                    </a:p>
-                  </a:txBody>
-                  <a:tcPr anchor="ctr"/>
-                </a:tc>
-              </a:tr>
-              <a:tr h="242420">
-                <a:tc>
-                  <a:txBody>
-                    <a:bodyPr/>
-                    <a:lstStyle/>
-                    <a:p>
-                      <a:pPr algn="ctr"/>
-                      <a:r>
-                        <a:rPr lang="en-US" sz="1400" dirty="0" smtClean="0"/>
-                        <a:t>I</a:t>
-                      </a:r>
-                      <a:endParaRPr lang="en-US" sz="1400" dirty="0"/>
-                    </a:p>
-                  </a:txBody>
-                  <a:tcPr anchor="ctr"/>
-                </a:tc>
-                <a:tc>
-                  <a:txBody>
-                    <a:bodyPr/>
-                    <a:lstStyle/>
-                    <a:p>
-                      <a:pPr algn="ctr"/>
-                      <a:r>
-                        <a:rPr lang="en-US" sz="1400" dirty="0" smtClean="0"/>
-                        <a:t>QB</a:t>
-                      </a:r>
-                      <a:endParaRPr lang="en-US" sz="1400" dirty="0"/>
-                    </a:p>
-                  </a:txBody>
-                  <a:tcPr anchor="ctr"/>
-                </a:tc>
-                <a:tc>
-                  <a:txBody>
-                    <a:bodyPr/>
-                    <a:lstStyle/>
-                    <a:p>
-                      <a:pPr algn="ctr"/>
-                      <a:r>
-                        <a:rPr lang="en-US" sz="1400" dirty="0" smtClean="0"/>
-                        <a:t>256</a:t>
-                      </a:r>
-                      <a:endParaRPr lang="en-US" sz="1400" dirty="0"/>
-                    </a:p>
-                  </a:txBody>
-                  <a:tcPr anchor="ctr"/>
-                </a:tc>
-                <a:tc>
-                  <a:txBody>
-                    <a:bodyPr/>
-                    <a:lstStyle/>
-                    <a:p>
-                      <a:pPr algn="ctr"/>
-                      <a:r>
-                        <a:rPr lang="en-US" sz="1400" dirty="0" smtClean="0"/>
-                        <a:t>2.66 h</a:t>
-                      </a:r>
-                      <a:endParaRPr lang="en-US" sz="1400" dirty="0"/>
-                    </a:p>
-                  </a:txBody>
-                  <a:tcPr anchor="ctr"/>
-                </a:tc>
-              </a:tr>
-              <a:tr h="242420">
-                <a:tc rowSpan="2">
-                  <a:txBody>
-                    <a:bodyPr/>
-                    <a:lstStyle/>
-                    <a:p>
-                      <a:pPr algn="ctr"/>
-                      <a:r>
-                        <a:rPr lang="en-US" sz="1400" dirty="0" smtClean="0"/>
-                        <a:t>II</a:t>
-                      </a:r>
-                      <a:endParaRPr lang="en-US" sz="1400" dirty="0"/>
-                    </a:p>
-                  </a:txBody>
-                  <a:tcPr anchor="ctr"/>
-                </a:tc>
-                <a:tc>
-                  <a:txBody>
-                    <a:bodyPr/>
-                    <a:lstStyle/>
-                    <a:p>
-                      <a:pPr algn="ctr"/>
-                      <a:r>
-                        <a:rPr lang="en-US" sz="1400" dirty="0" smtClean="0"/>
-                        <a:t>Ranger</a:t>
-                      </a:r>
-                      <a:endParaRPr lang="en-US" sz="1400" dirty="0"/>
-                    </a:p>
-                  </a:txBody>
-                  <a:tcPr anchor="ctr"/>
-                </a:tc>
-                <a:tc>
-                  <a:txBody>
-                    <a:bodyPr/>
-                    <a:lstStyle/>
-                    <a:p>
-                      <a:pPr algn="ctr"/>
-                      <a:r>
-                        <a:rPr lang="en-US" sz="1400" dirty="0" smtClean="0"/>
-                        <a:t>128</a:t>
-                      </a:r>
-                      <a:endParaRPr lang="en-US" sz="1400" dirty="0"/>
-                    </a:p>
-                  </a:txBody>
-                  <a:tcPr anchor="ctr"/>
-                </a:tc>
-                <a:tc rowSpan="2">
-                  <a:txBody>
-                    <a:bodyPr/>
-                    <a:lstStyle/>
-                    <a:p>
-                      <a:pPr algn="ctr"/>
-                      <a:r>
-                        <a:rPr lang="en-US" sz="1400" dirty="0" smtClean="0"/>
-                        <a:t>2.11 h</a:t>
-                      </a:r>
-                      <a:endParaRPr lang="en-US" sz="1400" dirty="0"/>
-                    </a:p>
-                  </a:txBody>
-                  <a:tcPr anchor="ctr"/>
-                </a:tc>
-              </a:tr>
-              <a:tr h="242420">
-                <a:tc vMerge="1">
-                  <a:txBody>
-                    <a:bodyPr/>
-                    <a:lstStyle/>
-                    <a:p>
-                      <a:pPr algn="ctr"/>
-                      <a:endParaRPr lang="en-US" dirty="0"/>
-                    </a:p>
-                  </a:txBody>
-                  <a:tcPr anchor="ctr"/>
-                </a:tc>
-                <a:tc>
-                  <a:txBody>
-                    <a:bodyPr/>
-                    <a:lstStyle/>
-                    <a:p>
-                      <a:pPr algn="ctr"/>
-                      <a:r>
-                        <a:rPr lang="en-US" sz="1400" dirty="0" smtClean="0"/>
-                        <a:t>QB</a:t>
-                      </a:r>
-                      <a:endParaRPr lang="en-US" sz="1400" dirty="0"/>
-                    </a:p>
-                  </a:txBody>
-                  <a:tcPr anchor="ctr"/>
-                </a:tc>
-                <a:tc>
-                  <a:txBody>
-                    <a:bodyPr/>
-                    <a:lstStyle/>
-                    <a:p>
-                      <a:pPr algn="ctr"/>
-                      <a:r>
-                        <a:rPr lang="en-US" sz="1400" dirty="0" smtClean="0"/>
-                        <a:t>128</a:t>
-                      </a:r>
-                      <a:endParaRPr lang="en-US" sz="1400" dirty="0"/>
-                    </a:p>
-                  </a:txBody>
-                  <a:tcPr anchor="ctr"/>
-                </a:tc>
-                <a:tc vMerge="1">
-                  <a:txBody>
-                    <a:bodyPr/>
-                    <a:lstStyle/>
-                    <a:p>
-                      <a:endParaRPr lang="en-US" dirty="0"/>
-                    </a:p>
-                  </a:txBody>
-                  <a:tcPr anchor="ctr"/>
-                </a:tc>
-              </a:tr>
-            </a:tbl>
-          </a:graphicData>
-        </a:graphic>
-      </p:graphicFrame>
-      <p:sp>
-        <p:nvSpPr>
-          <p:cNvPr id="3" name="TextBox 2"/>
-          <p:cNvSpPr txBox="1"/>
-          <p:nvPr/>
-        </p:nvSpPr>
-        <p:spPr>
-          <a:xfrm>
-            <a:off x="194461" y="5799985"/>
-            <a:ext cx="4980851" cy="646331"/>
-          </a:xfrm>
-          <a:prstGeom prst="rect">
-            <a:avLst/>
-          </a:prstGeom>
-        </p:spPr>
-        <p:style>
-          <a:lnRef idx="2">
-            <a:schemeClr val="accent4"/>
-          </a:lnRef>
-          <a:fillRef idx="1">
-            <a:schemeClr val="lt1"/>
-          </a:fillRef>
-          <a:effectRef idx="0">
-            <a:schemeClr val="accent4"/>
-          </a:effectRef>
-          <a:fontRef idx="minor">
-            <a:schemeClr val="dk1"/>
-          </a:fontRef>
-        </p:style>
-        <p:txBody>
-          <a:bodyPr wrap="none" rtlCol="0">
-            <a:spAutoFit/>
-          </a:bodyPr>
-          <a:lstStyle/>
-          <a:p>
-            <a:pPr marL="400050" indent="-400050">
-              <a:buFont typeface="+mj-lt"/>
-              <a:buAutoNum type="romanUcPeriod"/>
-            </a:pPr>
-            <a:r>
-              <a:rPr lang="en-US" dirty="0" smtClean="0"/>
-              <a:t>NGS reads alignment with BFAST</a:t>
-            </a:r>
-          </a:p>
-          <a:p>
-            <a:pPr marL="400050" indent="-400050">
-              <a:buFont typeface="+mj-lt"/>
-              <a:buAutoNum type="romanUcPeriod"/>
-            </a:pPr>
-            <a:r>
-              <a:rPr lang="en-US" dirty="0" smtClean="0"/>
-              <a:t>Human genome (HG18) as a reference genome</a:t>
-            </a:r>
-            <a:endParaRPr lang="en-US" dirty="0"/>
-          </a:p>
-        </p:txBody>
-      </p:sp>
-      <p:sp>
-        <p:nvSpPr>
-          <p:cNvPr id="16" name="Title 15"/>
-          <p:cNvSpPr>
-            <a:spLocks noGrp="1"/>
-          </p:cNvSpPr>
-          <p:nvPr>
-            <p:ph type="title"/>
-          </p:nvPr>
-        </p:nvSpPr>
-        <p:spPr/>
-        <p:txBody>
-          <a:bodyPr>
-            <a:normAutofit fontScale="90000"/>
-          </a:bodyPr>
-          <a:lstStyle/>
-          <a:p>
-            <a:r>
-              <a:rPr lang="en-US" dirty="0"/>
-              <a:t>NGS Data Analytics on Distributed Resources</a:t>
-            </a:r>
-          </a:p>
-        </p:txBody>
-      </p:sp>
-      <p:sp>
-        <p:nvSpPr>
-          <p:cNvPr id="18" name="Multidocument 17"/>
-          <p:cNvSpPr/>
-          <p:nvPr/>
-        </p:nvSpPr>
-        <p:spPr>
-          <a:xfrm>
-            <a:off x="6062326" y="4590112"/>
-            <a:ext cx="811782" cy="358931"/>
-          </a:xfrm>
-          <a:prstGeom prst="flowChartMultidocument">
-            <a:avLst/>
-          </a:prstGeom>
-          <a:solidFill>
-            <a:schemeClr val="tx1"/>
-          </a:solidFill>
-        </p:spPr>
-        <p:style>
-          <a:lnRef idx="1">
-            <a:schemeClr val="accent1"/>
-          </a:lnRef>
-          <a:fillRef idx="3">
-            <a:schemeClr val="accent1"/>
-          </a:fillRef>
-          <a:effectRef idx="2">
-            <a:schemeClr val="accent1"/>
-          </a:effectRef>
-          <a:fontRef idx="minor">
-            <a:schemeClr val="lt1"/>
-          </a:fontRef>
-        </p:style>
-        <p:txBody>
-          <a:bodyPr rtlCol="0" anchor="ctr"/>
-          <a:lstStyle/>
-          <a:p>
-            <a:pPr algn="ctr"/>
-            <a:endParaRPr lang="en-US"/>
-          </a:p>
-        </p:txBody>
-      </p:sp>
-      <p:sp>
-        <p:nvSpPr>
-          <p:cNvPr id="19" name="Can 18"/>
-          <p:cNvSpPr/>
-          <p:nvPr/>
-        </p:nvSpPr>
-        <p:spPr>
-          <a:xfrm>
-            <a:off x="8100005" y="4544979"/>
-            <a:ext cx="492824" cy="360739"/>
-          </a:xfrm>
-          <a:prstGeom prst="can">
-            <a:avLst/>
-          </a:prstGeom>
-          <a:solidFill>
-            <a:srgbClr val="000000"/>
-          </a:solidFill>
-        </p:spPr>
-        <p:style>
-          <a:lnRef idx="1">
-            <a:schemeClr val="accent1"/>
-          </a:lnRef>
-          <a:fillRef idx="3">
-            <a:schemeClr val="accent1"/>
-          </a:fillRef>
-          <a:effectRef idx="2">
-            <a:schemeClr val="accent1"/>
-          </a:effectRef>
-          <a:fontRef idx="minor">
-            <a:schemeClr val="lt1"/>
-          </a:fontRef>
-        </p:style>
-        <p:txBody>
-          <a:bodyPr rtlCol="0" anchor="ctr"/>
-          <a:lstStyle/>
-          <a:p>
-            <a:pPr algn="ctr"/>
-            <a:endParaRPr lang="en-US"/>
-          </a:p>
-        </p:txBody>
-      </p:sp>
-      <p:sp>
-        <p:nvSpPr>
-          <p:cNvPr id="20" name="Multidocument 19"/>
-          <p:cNvSpPr/>
-          <p:nvPr/>
-        </p:nvSpPr>
-        <p:spPr>
-          <a:xfrm>
-            <a:off x="6212748" y="5691178"/>
-            <a:ext cx="798688" cy="269580"/>
-          </a:xfrm>
-          <a:prstGeom prst="flowChartMultidocument">
-            <a:avLst/>
-          </a:prstGeom>
-        </p:spPr>
-        <p:style>
-          <a:lnRef idx="1">
-            <a:schemeClr val="accent1"/>
-          </a:lnRef>
-          <a:fillRef idx="3">
-            <a:schemeClr val="accent1"/>
-          </a:fillRef>
-          <a:effectRef idx="2">
-            <a:schemeClr val="accent1"/>
-          </a:effectRef>
-          <a:fontRef idx="minor">
-            <a:schemeClr val="lt1"/>
-          </a:fontRef>
-        </p:style>
-        <p:txBody>
-          <a:bodyPr rtlCol="0" anchor="ctr"/>
-          <a:lstStyle/>
-          <a:p>
-            <a:pPr algn="ctr"/>
-            <a:endParaRPr lang="en-US"/>
-          </a:p>
-        </p:txBody>
-      </p:sp>
-      <p:sp>
-        <p:nvSpPr>
-          <p:cNvPr id="21" name="Can 20"/>
-          <p:cNvSpPr/>
-          <p:nvPr/>
-        </p:nvSpPr>
-        <p:spPr>
-          <a:xfrm>
-            <a:off x="8169126" y="5344212"/>
-            <a:ext cx="423703" cy="586760"/>
-          </a:xfrm>
-          <a:prstGeom prst="can">
-            <a:avLst>
-              <a:gd name="adj" fmla="val 68273"/>
-            </a:avLst>
-          </a:prstGeom>
-        </p:spPr>
-        <p:style>
-          <a:lnRef idx="1">
-            <a:schemeClr val="accent1"/>
-          </a:lnRef>
-          <a:fillRef idx="3">
-            <a:schemeClr val="accent1"/>
-          </a:fillRef>
-          <a:effectRef idx="2">
-            <a:schemeClr val="accent1"/>
-          </a:effectRef>
-          <a:fontRef idx="minor">
-            <a:schemeClr val="lt1"/>
-          </a:fontRef>
-        </p:style>
-        <p:txBody>
-          <a:bodyPr rtlCol="0" anchor="ctr"/>
-          <a:lstStyle/>
-          <a:p>
-            <a:pPr algn="ctr"/>
-            <a:endParaRPr lang="en-US"/>
-          </a:p>
-        </p:txBody>
-      </p:sp>
-      <p:sp>
-        <p:nvSpPr>
-          <p:cNvPr id="23" name="Can 22"/>
-          <p:cNvSpPr/>
-          <p:nvPr/>
-        </p:nvSpPr>
-        <p:spPr>
-          <a:xfrm>
-            <a:off x="8216781" y="6073207"/>
-            <a:ext cx="423703" cy="586760"/>
-          </a:xfrm>
-          <a:prstGeom prst="can">
-            <a:avLst>
-              <a:gd name="adj" fmla="val 68273"/>
-            </a:avLst>
-          </a:prstGeom>
-        </p:spPr>
-        <p:style>
-          <a:lnRef idx="1">
-            <a:schemeClr val="accent1"/>
-          </a:lnRef>
-          <a:fillRef idx="3">
-            <a:schemeClr val="accent1"/>
-          </a:fillRef>
-          <a:effectRef idx="2">
-            <a:schemeClr val="accent1"/>
-          </a:effectRef>
-          <a:fontRef idx="minor">
-            <a:schemeClr val="lt1"/>
-          </a:fontRef>
-        </p:style>
-        <p:txBody>
-          <a:bodyPr rtlCol="0" anchor="ctr"/>
-          <a:lstStyle/>
-          <a:p>
-            <a:pPr algn="ctr"/>
-            <a:endParaRPr lang="en-US"/>
-          </a:p>
-        </p:txBody>
-      </p:sp>
-      <p:sp>
-        <p:nvSpPr>
-          <p:cNvPr id="25" name="Right Arrow 24"/>
-          <p:cNvSpPr/>
-          <p:nvPr/>
-        </p:nvSpPr>
-        <p:spPr>
-          <a:xfrm>
-            <a:off x="7011436" y="4648382"/>
-            <a:ext cx="975448" cy="130940"/>
-          </a:xfrm>
-          <a:prstGeom prst="rightArrow">
-            <a:avLst/>
-          </a:prstGeom>
-          <a:solidFill>
-            <a:schemeClr val="accent6"/>
-          </a:solidFill>
-        </p:spPr>
-        <p:style>
-          <a:lnRef idx="1">
-            <a:schemeClr val="accent1"/>
-          </a:lnRef>
-          <a:fillRef idx="3">
-            <a:schemeClr val="accent1"/>
-          </a:fillRef>
-          <a:effectRef idx="2">
-            <a:schemeClr val="accent1"/>
-          </a:effectRef>
-          <a:fontRef idx="minor">
-            <a:schemeClr val="lt1"/>
-          </a:fontRef>
-        </p:style>
-        <p:txBody>
-          <a:bodyPr rtlCol="0" anchor="ctr"/>
-          <a:lstStyle/>
-          <a:p>
-            <a:pPr algn="ctr"/>
-            <a:endParaRPr lang="en-US"/>
-          </a:p>
-        </p:txBody>
-      </p:sp>
-      <p:sp>
-        <p:nvSpPr>
-          <p:cNvPr id="27" name="Right Arrow 26"/>
-          <p:cNvSpPr/>
-          <p:nvPr/>
-        </p:nvSpPr>
-        <p:spPr>
-          <a:xfrm>
-            <a:off x="7163836" y="5691177"/>
-            <a:ext cx="823048" cy="98410"/>
-          </a:xfrm>
-          <a:prstGeom prst="rightArrow">
-            <a:avLst/>
-          </a:prstGeom>
-          <a:solidFill>
-            <a:schemeClr val="accent6"/>
-          </a:solidFill>
-        </p:spPr>
-        <p:style>
-          <a:lnRef idx="1">
-            <a:schemeClr val="accent1"/>
-          </a:lnRef>
-          <a:fillRef idx="3">
-            <a:schemeClr val="accent1"/>
-          </a:fillRef>
-          <a:effectRef idx="2">
-            <a:schemeClr val="accent1"/>
-          </a:effectRef>
-          <a:fontRef idx="minor">
-            <a:schemeClr val="lt1"/>
-          </a:fontRef>
-        </p:style>
-        <p:txBody>
-          <a:bodyPr rtlCol="0" anchor="ctr"/>
-          <a:lstStyle/>
-          <a:p>
-            <a:pPr algn="ctr"/>
-            <a:endParaRPr lang="en-US"/>
-          </a:p>
-        </p:txBody>
-      </p:sp>
-      <p:sp>
-        <p:nvSpPr>
-          <p:cNvPr id="28" name="Multidocument 27"/>
-          <p:cNvSpPr/>
-          <p:nvPr/>
-        </p:nvSpPr>
-        <p:spPr>
-          <a:xfrm>
-            <a:off x="6212900" y="6176736"/>
-            <a:ext cx="798688" cy="269580"/>
-          </a:xfrm>
-          <a:prstGeom prst="flowChartMultidocument">
-            <a:avLst/>
-          </a:prstGeom>
-        </p:spPr>
-        <p:style>
-          <a:lnRef idx="1">
-            <a:schemeClr val="accent1"/>
-          </a:lnRef>
-          <a:fillRef idx="3">
-            <a:schemeClr val="accent1"/>
-          </a:fillRef>
-          <a:effectRef idx="2">
-            <a:schemeClr val="accent1"/>
-          </a:effectRef>
-          <a:fontRef idx="minor">
-            <a:schemeClr val="lt1"/>
-          </a:fontRef>
-        </p:style>
-        <p:txBody>
-          <a:bodyPr rtlCol="0" anchor="ctr"/>
-          <a:lstStyle/>
-          <a:p>
-            <a:pPr algn="ctr"/>
-            <a:endParaRPr lang="en-US"/>
-          </a:p>
-        </p:txBody>
-      </p:sp>
-      <p:sp>
-        <p:nvSpPr>
-          <p:cNvPr id="29" name="Right Arrow 28"/>
-          <p:cNvSpPr/>
-          <p:nvPr/>
-        </p:nvSpPr>
-        <p:spPr>
-          <a:xfrm>
-            <a:off x="7160182" y="6242206"/>
-            <a:ext cx="826702" cy="130940"/>
-          </a:xfrm>
-          <a:prstGeom prst="rightArrow">
-            <a:avLst/>
-          </a:prstGeom>
-          <a:solidFill>
-            <a:schemeClr val="accent6"/>
-          </a:solidFill>
-        </p:spPr>
-        <p:style>
-          <a:lnRef idx="1">
-            <a:schemeClr val="accent1"/>
-          </a:lnRef>
-          <a:fillRef idx="3">
-            <a:schemeClr val="accent1"/>
-          </a:fillRef>
-          <a:effectRef idx="2">
-            <a:schemeClr val="accent1"/>
-          </a:effectRef>
-          <a:fontRef idx="minor">
-            <a:schemeClr val="lt1"/>
-          </a:fontRef>
-        </p:style>
-        <p:txBody>
-          <a:bodyPr rtlCol="0" anchor="ctr"/>
-          <a:lstStyle/>
-          <a:p>
-            <a:pPr algn="ctr"/>
-            <a:endParaRPr lang="en-US"/>
-          </a:p>
-        </p:txBody>
-      </p:sp>
-      <p:sp>
-        <p:nvSpPr>
-          <p:cNvPr id="30" name="TextBox 29"/>
-          <p:cNvSpPr txBox="1"/>
-          <p:nvPr/>
-        </p:nvSpPr>
-        <p:spPr>
-          <a:xfrm>
-            <a:off x="5561058" y="4574319"/>
-            <a:ext cx="242825" cy="369332"/>
-          </a:xfrm>
-          <a:prstGeom prst="rect">
-            <a:avLst/>
-          </a:prstGeom>
-        </p:spPr>
-        <p:style>
-          <a:lnRef idx="2">
-            <a:schemeClr val="accent3">
-              <a:shade val="50000"/>
-            </a:schemeClr>
-          </a:lnRef>
-          <a:fillRef idx="1">
-            <a:schemeClr val="accent3"/>
-          </a:fillRef>
-          <a:effectRef idx="0">
-            <a:schemeClr val="accent3"/>
-          </a:effectRef>
-          <a:fontRef idx="minor">
-            <a:schemeClr val="lt1"/>
-          </a:fontRef>
-        </p:style>
-        <p:txBody>
-          <a:bodyPr wrap="none" rtlCol="0">
-            <a:spAutoFit/>
-          </a:bodyPr>
-          <a:lstStyle/>
-          <a:p>
-            <a:r>
-              <a:rPr lang="en-US" dirty="0" smtClean="0"/>
-              <a:t>I</a:t>
-            </a:r>
-            <a:endParaRPr lang="en-US" dirty="0"/>
-          </a:p>
-        </p:txBody>
-      </p:sp>
-      <p:sp>
-        <p:nvSpPr>
-          <p:cNvPr id="31" name="TextBox 30"/>
-          <p:cNvSpPr txBox="1"/>
-          <p:nvPr/>
-        </p:nvSpPr>
-        <p:spPr>
-          <a:xfrm>
-            <a:off x="5561058" y="5789587"/>
-            <a:ext cx="300984" cy="369332"/>
-          </a:xfrm>
-          <a:prstGeom prst="rect">
-            <a:avLst/>
-          </a:prstGeom>
-        </p:spPr>
-        <p:style>
-          <a:lnRef idx="2">
-            <a:schemeClr val="accent3">
-              <a:shade val="50000"/>
-            </a:schemeClr>
-          </a:lnRef>
-          <a:fillRef idx="1">
-            <a:schemeClr val="accent3"/>
-          </a:fillRef>
-          <a:effectRef idx="0">
-            <a:schemeClr val="accent3"/>
-          </a:effectRef>
-          <a:fontRef idx="minor">
-            <a:schemeClr val="lt1"/>
-          </a:fontRef>
-        </p:style>
-        <p:txBody>
-          <a:bodyPr wrap="none" rtlCol="0">
-            <a:spAutoFit/>
-          </a:bodyPr>
-          <a:lstStyle/>
-          <a:p>
-            <a:r>
-              <a:rPr lang="en-US" dirty="0" smtClean="0"/>
-              <a:t>II</a:t>
-            </a:r>
-            <a:endParaRPr lang="en-US" dirty="0"/>
-          </a:p>
-        </p:txBody>
-      </p:sp>
-      <p:sp>
-        <p:nvSpPr>
-          <p:cNvPr id="32" name="TextBox 31"/>
-          <p:cNvSpPr txBox="1"/>
-          <p:nvPr/>
-        </p:nvSpPr>
-        <p:spPr>
-          <a:xfrm>
-            <a:off x="5862227" y="4076856"/>
-            <a:ext cx="1149361" cy="369332"/>
-          </a:xfrm>
-          <a:prstGeom prst="rect">
-            <a:avLst/>
-          </a:prstGeom>
-          <a:noFill/>
-        </p:spPr>
-        <p:txBody>
-          <a:bodyPr wrap="none" rtlCol="0">
-            <a:spAutoFit/>
-          </a:bodyPr>
-          <a:lstStyle/>
-          <a:p>
-            <a:r>
-              <a:rPr lang="en-US" dirty="0" smtClean="0"/>
-              <a:t>Read Data</a:t>
-            </a:r>
-            <a:endParaRPr lang="en-US" dirty="0"/>
-          </a:p>
-        </p:txBody>
-      </p:sp>
-      <p:sp>
-        <p:nvSpPr>
-          <p:cNvPr id="33" name="TextBox 32"/>
-          <p:cNvSpPr txBox="1"/>
-          <p:nvPr/>
-        </p:nvSpPr>
-        <p:spPr>
-          <a:xfrm>
-            <a:off x="7729974" y="3952152"/>
-            <a:ext cx="1183106" cy="646331"/>
-          </a:xfrm>
-          <a:prstGeom prst="rect">
-            <a:avLst/>
-          </a:prstGeom>
-          <a:noFill/>
-        </p:spPr>
-        <p:txBody>
-          <a:bodyPr wrap="square" rtlCol="0">
-            <a:spAutoFit/>
-          </a:bodyPr>
-          <a:lstStyle/>
-          <a:p>
-            <a:pPr algn="ctr"/>
-            <a:r>
-              <a:rPr lang="en-US" dirty="0" smtClean="0"/>
-              <a:t>Reference Genome</a:t>
-            </a:r>
-            <a:endParaRPr lang="en-US" dirty="0"/>
-          </a:p>
-        </p:txBody>
-      </p:sp>
-    </p:spTree>
-    <p:extLst>
-      <p:ext uri="{BB962C8B-B14F-4D97-AF65-F5344CB8AC3E}">
-        <p14:creationId xmlns:p14="http://schemas.microsoft.com/office/powerpoint/2010/main" val="2149878809"/>
-      </p:ext>
-    </p:extLst>
-  </p:cSld>
-  <p:clrMapOvr>
-    <a:masterClrMapping/>
-  </p:clrMapOvr>
-  <p:timing>
-    <p:tnLst>
-      <p:par>
-        <p:cTn xmlns:p14="http://schemas.microsoft.com/office/powerpoint/2010/main" id="1" dur="indefinite" restart="never" nodeType="tmRoot">
-          <p:childTnLst>
-            <p:seq concurrent="1" nextAc="seek">
-              <p:cTn id="2" dur="indefinite" nodeType="mainSeq">
-                <p:childTnLst>
-                  <p:par>
-                    <p:cTn id="3" fill="hold">
-                      <p:stCondLst>
-                        <p:cond delay="indefinite"/>
-                      </p:stCondLst>
-                      <p:childTnLst>
-                        <p:par>
-                          <p:cTn id="4" fill="hold">
-                            <p:stCondLst>
-                              <p:cond delay="0"/>
-                            </p:stCondLst>
-                            <p:childTnLst>
-                              <p:par>
-                                <p:cTn id="5" presetID="55" presetClass="entr" presetSubtype="0" fill="hold" nodeType="clickEffect">
-                                  <p:stCondLst>
-                                    <p:cond delay="0"/>
-                                  </p:stCondLst>
-                                  <p:childTnLst>
-                                    <p:set>
-                                      <p:cBhvr>
-                                        <p:cTn id="6" dur="1" fill="hold">
-                                          <p:stCondLst>
-                                            <p:cond delay="0"/>
-                                          </p:stCondLst>
-                                        </p:cTn>
-                                        <p:tgtEl>
-                                          <p:spTgt spid="7"/>
-                                        </p:tgtEl>
-                                        <p:attrNameLst>
-                                          <p:attrName>style.visibility</p:attrName>
-                                        </p:attrNameLst>
-                                      </p:cBhvr>
-                                      <p:to>
-                                        <p:strVal val="visible"/>
-                                      </p:to>
-                                    </p:set>
-                                    <p:anim calcmode="lin" valueType="num">
-                                      <p:cBhvr>
-                                        <p:cTn id="7" dur="1000" fill="hold"/>
-                                        <p:tgtEl>
-                                          <p:spTgt spid="7"/>
-                                        </p:tgtEl>
-                                        <p:attrNameLst>
-                                          <p:attrName>ppt_w</p:attrName>
-                                        </p:attrNameLst>
-                                      </p:cBhvr>
-                                      <p:tavLst>
-                                        <p:tav tm="0">
-                                          <p:val>
-                                            <p:strVal val="#ppt_w*0.70"/>
-                                          </p:val>
-                                        </p:tav>
-                                        <p:tav tm="100000">
-                                          <p:val>
-                                            <p:strVal val="#ppt_w"/>
-                                          </p:val>
-                                        </p:tav>
-                                      </p:tavLst>
-                                    </p:anim>
-                                    <p:anim calcmode="lin" valueType="num">
-                                      <p:cBhvr>
-                                        <p:cTn id="8" dur="1000" fill="hold"/>
-                                        <p:tgtEl>
-                                          <p:spTgt spid="7"/>
-                                        </p:tgtEl>
-                                        <p:attrNameLst>
-                                          <p:attrName>ppt_h</p:attrName>
-                                        </p:attrNameLst>
-                                      </p:cBhvr>
-                                      <p:tavLst>
-                                        <p:tav tm="0">
-                                          <p:val>
-                                            <p:strVal val="#ppt_h"/>
-                                          </p:val>
-                                        </p:tav>
-                                        <p:tav tm="100000">
-                                          <p:val>
-                                            <p:strVal val="#ppt_h"/>
-                                          </p:val>
-                                        </p:tav>
-                                      </p:tavLst>
-                                    </p:anim>
-                                    <p:animEffect transition="in" filter="fade">
-                                      <p:cBhvr>
-                                        <p:cTn id="9" dur="1000"/>
-                                        <p:tgtEl>
-                                          <p:spTgt spid="7"/>
-                                        </p:tgtEl>
-                                      </p:cBhvr>
-                                    </p:animEffect>
-                                  </p:childTnLst>
-                                </p:cTn>
-                              </p:par>
-                            </p:childTnLst>
-                          </p:cTn>
-                        </p:par>
-                      </p:childTnLst>
-                    </p:cTn>
-                  </p:par>
-                  <p:par>
-                    <p:cTn id="10" fill="hold">
-                      <p:stCondLst>
-                        <p:cond delay="indefinite"/>
-                      </p:stCondLst>
-                      <p:childTnLst>
-                        <p:par>
-                          <p:cTn id="11" fill="hold">
-                            <p:stCondLst>
-                              <p:cond delay="0"/>
-                            </p:stCondLst>
-                            <p:childTnLst>
-                              <p:par>
-                                <p:cTn id="12" presetID="55" presetClass="entr" presetSubtype="0" fill="hold" nodeType="clickEffect">
-                                  <p:stCondLst>
-                                    <p:cond delay="0"/>
-                                  </p:stCondLst>
-                                  <p:childTnLst>
-                                    <p:set>
-                                      <p:cBhvr>
-                                        <p:cTn id="13" dur="1" fill="hold">
-                                          <p:stCondLst>
-                                            <p:cond delay="0"/>
-                                          </p:stCondLst>
-                                        </p:cTn>
-                                        <p:tgtEl>
-                                          <p:spTgt spid="15"/>
-                                        </p:tgtEl>
-                                        <p:attrNameLst>
-                                          <p:attrName>style.visibility</p:attrName>
-                                        </p:attrNameLst>
-                                      </p:cBhvr>
-                                      <p:to>
-                                        <p:strVal val="visible"/>
-                                      </p:to>
-                                    </p:set>
-                                    <p:anim calcmode="lin" valueType="num">
-                                      <p:cBhvr>
-                                        <p:cTn id="14" dur="1000" fill="hold"/>
-                                        <p:tgtEl>
-                                          <p:spTgt spid="15"/>
-                                        </p:tgtEl>
-                                        <p:attrNameLst>
-                                          <p:attrName>ppt_w</p:attrName>
-                                        </p:attrNameLst>
-                                      </p:cBhvr>
-                                      <p:tavLst>
-                                        <p:tav tm="0">
-                                          <p:val>
-                                            <p:strVal val="#ppt_w*0.70"/>
-                                          </p:val>
-                                        </p:tav>
-                                        <p:tav tm="100000">
-                                          <p:val>
-                                            <p:strVal val="#ppt_w"/>
-                                          </p:val>
-                                        </p:tav>
-                                      </p:tavLst>
-                                    </p:anim>
-                                    <p:anim calcmode="lin" valueType="num">
-                                      <p:cBhvr>
-                                        <p:cTn id="15" dur="1000" fill="hold"/>
-                                        <p:tgtEl>
-                                          <p:spTgt spid="15"/>
-                                        </p:tgtEl>
-                                        <p:attrNameLst>
-                                          <p:attrName>ppt_h</p:attrName>
-                                        </p:attrNameLst>
-                                      </p:cBhvr>
-                                      <p:tavLst>
-                                        <p:tav tm="0">
-                                          <p:val>
-                                            <p:strVal val="#ppt_h"/>
-                                          </p:val>
-                                        </p:tav>
-                                        <p:tav tm="100000">
-                                          <p:val>
-                                            <p:strVal val="#ppt_h"/>
-                                          </p:val>
-                                        </p:tav>
-                                      </p:tavLst>
-                                    </p:anim>
-                                    <p:animEffect transition="in" filter="fade">
-                                      <p:cBhvr>
-                                        <p:cTn id="16" dur="1000"/>
-                                        <p:tgtEl>
-                                          <p:spTgt spid="15"/>
-                                        </p:tgtEl>
-                                      </p:cBhvr>
-                                    </p:animEffect>
-                                  </p:childTnLst>
-                                </p:cTn>
-                              </p:par>
-                            </p:childTnLst>
-                          </p:cTn>
-                        </p:par>
-                      </p:childTnLst>
-                    </p:cTn>
-                  </p:par>
-                </p:childTnLst>
-              </p:cTn>
-              <p:prevCondLst>
-                <p:cond evt="onPrev" delay="0">
-                  <p:tgtEl>
-                    <p:sldTgt/>
-                  </p:tgtEl>
-                </p:cond>
-              </p:prevCondLst>
-              <p:nextCondLst>
-                <p:cond evt="onNext" delay="0">
-                  <p:tgtEl>
-                    <p:sldTgt/>
-                  </p:tgtEl>
-                </p:cond>
-              </p:nextCondLst>
-            </p:seq>
-          </p:childTnLst>
-        </p:cTn>
-      </p:par>
-    </p:tnLst>
-  </p:timing>
-</p:sld>
-</file>
-
-<file path=ppt/slides/slide11.xml><?xml version="1.0" encoding="utf-8"?>
-<p:sld xmlns:a="http://schemas.openxmlformats.org/drawingml/2006/main" xmlns:r="http://schemas.openxmlformats.org/officeDocument/2006/relationships" xmlns:p="http://schemas.openxmlformats.org/presentationml/2006/main">
-  <p:cSld>
-    <p:spTree>
-      <p:nvGrpSpPr>
-        <p:cNvPr id="1" name=""/>
-        <p:cNvGrpSpPr/>
-        <p:nvPr/>
-      </p:nvGrpSpPr>
-      <p:grpSpPr>
-        <a:xfrm>
-          <a:off x="0" y="0"/>
-          <a:ext cx="0" cy="0"/>
-          <a:chOff x="0" y="0"/>
-          <a:chExt cx="0" cy="0"/>
-        </a:xfrm>
-      </p:grpSpPr>
       <p:sp>
         <p:nvSpPr>
           <p:cNvPr id="2" name="Title 1"/>
@@ -5620,7 +4033,11 @@
           <a:p>
             <a:r>
               <a:rPr lang="en-US" dirty="0" smtClean="0"/>
-              <a:t>DARE Framework : A Case for Suitable Solution</a:t>
+              <a:t>DARE Framework : A Case for Suitable </a:t>
+            </a:r>
+            <a:r>
+              <a:rPr lang="en-US" dirty="0" smtClean="0"/>
+              <a:t>Solution with SAGA/BigJob</a:t>
             </a:r>
             <a:endParaRPr lang="en-US" dirty="0"/>
           </a:p>
@@ -5676,7 +4093,7 @@
 </p:sld>
 </file>
 
-<file path=ppt/slides/slide12.xml><?xml version="1.0" encoding="utf-8"?>
+<file path=ppt/slides/slide11.xml><?xml version="1.0" encoding="utf-8"?>
 <p:sld xmlns:a="http://schemas.openxmlformats.org/drawingml/2006/main" xmlns:r="http://schemas.openxmlformats.org/officeDocument/2006/relationships" xmlns:p="http://schemas.openxmlformats.org/presentationml/2006/main">
   <p:cSld>
     <p:spTree>
@@ -6268,7 +4685,7 @@
 </p:sld>
 </file>
 
-<file path=ppt/slides/slide13.xml><?xml version="1.0" encoding="utf-8"?>
+<file path=ppt/slides/slide12.xml><?xml version="1.0" encoding="utf-8"?>
 <p:sld xmlns:a="http://schemas.openxmlformats.org/drawingml/2006/main" xmlns:r="http://schemas.openxmlformats.org/officeDocument/2006/relationships" xmlns:p="http://schemas.openxmlformats.org/presentationml/2006/main">
   <p:cSld>
     <p:spTree>
@@ -6356,7 +4773,7 @@
 </p:sld>
 </file>
 
-<file path=ppt/slides/slide14.xml><?xml version="1.0" encoding="utf-8"?>
+<file path=ppt/slides/slide13.xml><?xml version="1.0" encoding="utf-8"?>
 <p:sld xmlns:a="http://schemas.openxmlformats.org/drawingml/2006/main" xmlns:r="http://schemas.openxmlformats.org/officeDocument/2006/relationships" xmlns:p="http://schemas.openxmlformats.org/presentationml/2006/main">
   <p:cSld>
     <p:spTree>
@@ -6538,7 +4955,7 @@
 </p:sld>
 </file>
 
-<file path=ppt/slides/slide15.xml><?xml version="1.0" encoding="utf-8"?>
+<file path=ppt/slides/slide14.xml><?xml version="1.0" encoding="utf-8"?>
 <p:sld xmlns:a="http://schemas.openxmlformats.org/drawingml/2006/main" xmlns:r="http://schemas.openxmlformats.org/officeDocument/2006/relationships" xmlns:p="http://schemas.openxmlformats.org/presentationml/2006/main">
   <p:cSld>
     <p:spTree>
@@ -6902,7 +5319,7 @@
 </p:sld>
 </file>
 
-<file path=ppt/slides/slide16.xml><?xml version="1.0" encoding="utf-8"?>
+<file path=ppt/slides/slide15.xml><?xml version="1.0" encoding="utf-8"?>
 <p:sld xmlns:a="http://schemas.openxmlformats.org/drawingml/2006/main" xmlns:r="http://schemas.openxmlformats.org/officeDocument/2006/relationships" xmlns:p="http://schemas.openxmlformats.org/presentationml/2006/main">
   <p:cSld>
     <p:spTree>
@@ -6947,7 +5364,6 @@
               <a:rPr lang="en-US" sz="2600" dirty="0"/>
               <a:t>SAGA Pilot-Job (BigJob)</a:t>
             </a:r>
-            <a:endParaRPr lang="en-US" sz="2600" dirty="0"/>
           </a:p>
         </p:txBody>
       </p:sp>
@@ -6997,7 +5413,7 @@
 </p:sld>
 </file>
 
-<file path=ppt/slides/slide17.xml><?xml version="1.0" encoding="utf-8"?>
+<file path=ppt/slides/slide16.xml><?xml version="1.0" encoding="utf-8"?>
 <p:sld xmlns:a="http://schemas.openxmlformats.org/drawingml/2006/main" xmlns:r="http://schemas.openxmlformats.org/officeDocument/2006/relationships" xmlns:p="http://schemas.openxmlformats.org/presentationml/2006/main">
   <p:cSld>
     <p:spTree>
@@ -7083,7 +5499,7 @@
 </p:sld>
 </file>
 
-<file path=ppt/slides/slide18.xml><?xml version="1.0" encoding="utf-8"?>
+<file path=ppt/slides/slide17.xml><?xml version="1.0" encoding="utf-8"?>
 <p:sld xmlns:a="http://schemas.openxmlformats.org/drawingml/2006/main" xmlns:r="http://schemas.openxmlformats.org/officeDocument/2006/relationships" xmlns:p="http://schemas.openxmlformats.org/presentationml/2006/main">
   <p:cSld>
     <p:spTree>
@@ -7181,7 +5597,7 @@
 </p:sld>
 </file>
 
-<file path=ppt/slides/slide19.xml><?xml version="1.0" encoding="utf-8"?>
+<file path=ppt/slides/slide18.xml><?xml version="1.0" encoding="utf-8"?>
 <p:sld xmlns:a="http://schemas.openxmlformats.org/drawingml/2006/main" xmlns:r="http://schemas.openxmlformats.org/officeDocument/2006/relationships" xmlns:p="http://schemas.openxmlformats.org/presentationml/2006/main">
   <p:cSld>
     <p:spTree>
@@ -7388,6 +5804,205 @@
     <p:extLst>
       <p:ext uri="{BB962C8B-B14F-4D97-AF65-F5344CB8AC3E}">
         <p14:creationId xmlns:p14="http://schemas.microsoft.com/office/powerpoint/2010/main" val="2144568309"/>
+      </p:ext>
+    </p:extLst>
+  </p:cSld>
+  <p:clrMapOvr>
+    <a:masterClrMapping/>
+  </p:clrMapOvr>
+  <p:timing>
+    <p:tnLst>
+      <p:par>
+        <p:cTn xmlns:p14="http://schemas.microsoft.com/office/powerpoint/2010/main" id="1" dur="indefinite" restart="never" nodeType="tmRoot"/>
+      </p:par>
+    </p:tnLst>
+  </p:timing>
+</p:sld>
+</file>
+
+<file path=ppt/slides/slide19.xml><?xml version="1.0" encoding="utf-8"?>
+<p:sld xmlns:a="http://schemas.openxmlformats.org/drawingml/2006/main" xmlns:r="http://schemas.openxmlformats.org/officeDocument/2006/relationships" xmlns:p="http://schemas.openxmlformats.org/presentationml/2006/main">
+  <p:cSld>
+    <p:spTree>
+      <p:nvGrpSpPr>
+        <p:cNvPr id="1" name=""/>
+        <p:cNvGrpSpPr/>
+        <p:nvPr/>
+      </p:nvGrpSpPr>
+      <p:grpSpPr>
+        <a:xfrm>
+          <a:off x="0" y="0"/>
+          <a:ext cx="0" cy="0"/>
+          <a:chOff x="0" y="0"/>
+          <a:chExt cx="0" cy="0"/>
+        </a:xfrm>
+      </p:grpSpPr>
+      <p:sp>
+        <p:nvSpPr>
+          <p:cNvPr id="52227" name="Content Placeholder 2"/>
+          <p:cNvSpPr>
+            <a:spLocks noGrp="1"/>
+          </p:cNvSpPr>
+          <p:nvPr>
+            <p:ph idx="1"/>
+          </p:nvPr>
+        </p:nvSpPr>
+        <p:spPr>
+          <a:xfrm>
+            <a:off x="381000" y="1447800"/>
+            <a:ext cx="8534400" cy="5443538"/>
+          </a:xfrm>
+        </p:spPr>
+        <p:txBody>
+          <a:bodyPr>
+            <a:normAutofit fontScale="85000" lnSpcReduction="10000"/>
+          </a:bodyPr>
+          <a:lstStyle/>
+          <a:p>
+            <a:r>
+              <a:rPr lang="en-US">
+                <a:solidFill>
+                  <a:schemeClr val="bg2"/>
+                </a:solidFill>
+                <a:latin typeface="Arial" charset="0"/>
+                <a:ea typeface="ヒラギノ角ゴ ProN W3" charset="0"/>
+                <a:cs typeface="ヒラギノ角ゴ ProN W3" charset="0"/>
+              </a:rPr>
+              <a:t>Frameworks: Logical structure for Capturing Application Requirements, Characteristics &amp; Patterns</a:t>
+            </a:r>
+          </a:p>
+          <a:p>
+            <a:r>
+              <a:rPr lang="en-US">
+                <a:latin typeface="Arial" charset="0"/>
+                <a:ea typeface="ヒラギノ角ゴ ProN W3" charset="0"/>
+                <a:cs typeface="ヒラギノ角ゴ ProN W3" charset="0"/>
+              </a:rPr>
+              <a:t>Pattern: Commonly recurring modes of computation</a:t>
+            </a:r>
+          </a:p>
+          <a:p>
+            <a:pPr lvl="1"/>
+            <a:r>
+              <a:rPr lang="en-US">
+                <a:latin typeface="Arial" charset="0"/>
+                <a:ea typeface="ヒラギノ角ゴ ProN W3" charset="0"/>
+                <a:cs typeface="ヒラギノ角ゴ ProN W3" charset="0"/>
+              </a:rPr>
+              <a:t>Programming, Deployment, Execution, Data-access..</a:t>
+            </a:r>
+          </a:p>
+          <a:p>
+            <a:r>
+              <a:rPr lang="en-US">
+                <a:latin typeface="Arial" charset="0"/>
+                <a:ea typeface="ヒラギノ角ゴ ProN W3" charset="0"/>
+                <a:cs typeface="ヒラギノ角ゴ ProN W3" charset="0"/>
+              </a:rPr>
+              <a:t>Abstraction: Mechanism to support patterns and application characteristics</a:t>
+            </a:r>
+          </a:p>
+          <a:p>
+            <a:r>
+              <a:rPr lang="en-US">
+                <a:latin typeface="Arial" charset="0"/>
+                <a:ea typeface="ヒラギノ角ゴ ProN W3" charset="0"/>
+                <a:cs typeface="ヒラギノ角ゴ ProN W3" charset="0"/>
+              </a:rPr>
+              <a:t>Frameworks designed to either:</a:t>
+            </a:r>
+          </a:p>
+          <a:p>
+            <a:pPr lvl="1">
+              <a:buSzPct val="80000"/>
+              <a:buFont typeface="Arial" charset="0"/>
+              <a:buChar char="•"/>
+            </a:pPr>
+            <a:r>
+              <a:rPr lang="en-US">
+                <a:latin typeface="Arial" charset="0"/>
+                <a:ea typeface="ヒラギノ角ゴ ProN W3" charset="0"/>
+                <a:cs typeface="ヒラギノ角ゴ ProN W3" charset="0"/>
+              </a:rPr>
+              <a:t>Support Patterns: Map-Reduce, Master-Worker, Hierarchical Job-Submission</a:t>
+            </a:r>
+          </a:p>
+          <a:p>
+            <a:pPr lvl="1">
+              <a:buSzPct val="80000"/>
+              <a:buFont typeface="Arial" charset="0"/>
+              <a:buChar char="•"/>
+            </a:pPr>
+            <a:r>
+              <a:rPr lang="en-US">
+                <a:latin typeface="Arial" charset="0"/>
+                <a:ea typeface="ヒラギノ角ゴ ProN W3" charset="0"/>
+                <a:cs typeface="ヒラギノ角ゴ ProN W3" charset="0"/>
+              </a:rPr>
+              <a:t>Provide the abstractions and/or support the requirements &amp; characteristics of applications</a:t>
+            </a:r>
+          </a:p>
+          <a:p>
+            <a:pPr lvl="1">
+              <a:buSzPct val="80000"/>
+              <a:buFont typeface="Arial" charset="0"/>
+              <a:buChar char="•"/>
+            </a:pPr>
+            <a:r>
+              <a:rPr lang="en-US">
+                <a:latin typeface="Arial" charset="0"/>
+                <a:ea typeface="ヒラギノ角ゴ ProN W3" charset="0"/>
+                <a:cs typeface="ヒラギノ角ゴ ProN W3" charset="0"/>
+              </a:rPr>
+              <a:t>i.e. Encode a Usage-Mode using a Framework</a:t>
+            </a:r>
+          </a:p>
+        </p:txBody>
+      </p:sp>
+      <p:sp>
+        <p:nvSpPr>
+          <p:cNvPr id="3" name="Title 2"/>
+          <p:cNvSpPr>
+            <a:spLocks noGrp="1"/>
+          </p:cNvSpPr>
+          <p:nvPr>
+            <p:ph type="title"/>
+          </p:nvPr>
+        </p:nvSpPr>
+        <p:spPr/>
+        <p:txBody>
+          <a:bodyPr>
+            <a:normAutofit fontScale="90000"/>
+          </a:bodyPr>
+          <a:lstStyle/>
+          <a:p>
+            <a:r>
+              <a:rPr lang="en-US" dirty="0">
+                <a:latin typeface="Arial" charset="0"/>
+                <a:ea typeface="ヒラギノ角ゴ ProN W3" charset="0"/>
+                <a:cs typeface="ヒラギノ角ゴ ProN W3" charset="0"/>
+              </a:rPr>
+              <a:t>Development Distributed Application </a:t>
+            </a:r>
+            <a:r>
+              <a:rPr lang="en-US" dirty="0">
+                <a:solidFill>
+                  <a:srgbClr val="800000"/>
+                </a:solidFill>
+                <a:latin typeface="Arial" charset="0"/>
+                <a:ea typeface="ヒラギノ角ゴ ProN W3" charset="0"/>
+                <a:cs typeface="ヒラギノ角ゴ ProN W3" charset="0"/>
+              </a:rPr>
+              <a:t>Frameworks</a:t>
+            </a:r>
+            <a:endParaRPr lang="en-US" dirty="0"/>
+          </a:p>
+        </p:txBody>
+      </p:sp>
+    </p:spTree>
+    <p:extLst>
+      <p:ext uri="{BB962C8B-B14F-4D97-AF65-F5344CB8AC3E}">
+        <p14:creationId xmlns:p14="http://schemas.microsoft.com/office/powerpoint/2010/main" val="2149849820"/>
       </p:ext>
     </p:extLst>
   </p:cSld>
@@ -7431,28 +6046,7 @@
             <p:ph type="title"/>
           </p:nvPr>
         </p:nvSpPr>
-        <p:spPr>
-          <a:xfrm>
-            <a:off x="457200" y="274639"/>
-            <a:ext cx="8229600" cy="995482"/>
-          </a:xfrm>
-        </p:spPr>
-        <p:style>
-          <a:lnRef idx="2">
-            <a:schemeClr val="accent2">
-              <a:shade val="50000"/>
-            </a:schemeClr>
-          </a:lnRef>
-          <a:fillRef idx="1">
-            <a:schemeClr val="accent2"/>
-          </a:fillRef>
-          <a:effectRef idx="0">
-            <a:schemeClr val="accent2"/>
-          </a:effectRef>
-          <a:fontRef idx="minor">
-            <a:schemeClr val="lt1"/>
-          </a:fontRef>
-        </p:style>
+        <p:spPr/>
         <p:txBody>
           <a:bodyPr>
             <a:normAutofit fontScale="90000"/>
@@ -7460,100 +6054,254 @@
           <a:lstStyle/>
           <a:p>
             <a:r>
-              <a:rPr lang="en-US" sz="3600" dirty="0" smtClean="0"/>
-              <a:t>Next-Generation DNA Sequencing (NGS) and </a:t>
-            </a:r>
-            <a:r>
-              <a:rPr lang="en-US" dirty="0" smtClean="0"/>
-              <a:t>Its Impact on Life Sciences</a:t>
-            </a:r>
-            <a:endParaRPr lang="en-US" sz="3600" dirty="0"/>
+              <a:rPr lang="en-US" dirty="0"/>
+              <a:t>Next-Generation DNA Sequencing (NGS) and Its Impact on Life Sciences</a:t>
+            </a:r>
           </a:p>
         </p:txBody>
       </p:sp>
       <p:sp>
         <p:nvSpPr>
-          <p:cNvPr id="3" name="Content Placeholder 2"/>
-          <p:cNvSpPr>
-            <a:spLocks noGrp="1"/>
-          </p:cNvSpPr>
-          <p:nvPr>
-            <p:ph idx="1"/>
-          </p:nvPr>
+          <p:cNvPr id="5" name="TextBox 4"/>
+          <p:cNvSpPr txBox="1"/>
+          <p:nvPr/>
         </p:nvSpPr>
-        <p:spPr/>
+        <p:spPr>
+          <a:xfrm>
+            <a:off x="157119" y="6264045"/>
+            <a:ext cx="8798665" cy="584776"/>
+          </a:xfrm>
+          <a:prstGeom prst="rect">
+            <a:avLst/>
+          </a:prstGeom>
+          <a:noFill/>
+        </p:spPr>
         <p:txBody>
-          <a:bodyPr>
-            <a:normAutofit lnSpcReduction="10000"/>
+          <a:bodyPr wrap="square" rtlCol="0">
+            <a:spAutoFit/>
           </a:bodyPr>
           <a:lstStyle/>
           <a:p>
-            <a:pPr>
-              <a:buFont typeface="Wingdings" charset="2"/>
-              <a:buChar char="§"/>
-            </a:pPr>
-            <a:r>
-              <a:rPr lang="en-US" dirty="0" smtClean="0"/>
-              <a:t>Unprecedented novel opportunities for life sciences</a:t>
-            </a:r>
-          </a:p>
-          <a:p>
-            <a:pPr>
-              <a:buFont typeface="Wingdings" charset="2"/>
-              <a:buChar char="§"/>
-            </a:pPr>
-            <a:r>
-              <a:rPr lang="en-US" dirty="0" smtClean="0"/>
-              <a:t>High-throughput DNA sequencing</a:t>
-            </a:r>
-          </a:p>
-          <a:p>
-            <a:pPr>
-              <a:buFont typeface="Wingdings" charset="2"/>
-              <a:buChar char="§"/>
-            </a:pPr>
-            <a:r>
-              <a:rPr lang="en-US" dirty="0" smtClean="0"/>
-              <a:t>Significant roles of computation (algorithm, methods, implementation, and infrastructure)</a:t>
-            </a:r>
-          </a:p>
-          <a:p>
-            <a:pPr>
-              <a:buFont typeface="Wingdings" charset="2"/>
-              <a:buChar char="§"/>
-            </a:pPr>
-            <a:r>
-              <a:rPr lang="en-US" dirty="0" smtClean="0"/>
-              <a:t>Data-intensive computation</a:t>
-            </a:r>
-          </a:p>
-          <a:p>
-            <a:pPr>
-              <a:buFont typeface="Wingdings" charset="2"/>
-              <a:buChar char="§"/>
-            </a:pPr>
-            <a:r>
-              <a:rPr lang="en-US" dirty="0" smtClean="0"/>
-              <a:t>Driving paradigm shift in computational biology touting the importance of distributed parallel execution </a:t>
-            </a:r>
-            <a:endParaRPr lang="en-US" dirty="0"/>
+            <a:r>
+              <a:rPr lang="en-US" sz="1600" dirty="0" smtClean="0"/>
+              <a:t>E. R. </a:t>
+            </a:r>
+            <a:r>
+              <a:rPr lang="en-US" sz="1600" dirty="0" err="1" smtClean="0"/>
+              <a:t>Mardis</a:t>
+            </a:r>
+            <a:r>
+              <a:rPr lang="en-US" sz="1600" dirty="0" smtClean="0"/>
+              <a:t>, The impact of next-generation sequencing technology on genetics, Trends in Genetics, 24, 133 (2008)</a:t>
+            </a:r>
+            <a:endParaRPr lang="en-US" sz="1600" dirty="0"/>
           </a:p>
         </p:txBody>
       </p:sp>
+      <p:pic>
+        <p:nvPicPr>
+          <p:cNvPr id="10" name="Picture 9" descr="illumina.jpg"/>
+          <p:cNvPicPr>
+            <a:picLocks noChangeAspect="1"/>
+          </p:cNvPicPr>
+          <p:nvPr/>
+        </p:nvPicPr>
+        <p:blipFill>
+          <a:blip r:embed="rId2">
+            <a:extLst>
+              <a:ext uri="{28A0092B-C50C-407E-A947-70E740481C1C}">
+                <a14:useLocalDpi xmlns:a14="http://schemas.microsoft.com/office/drawing/2010/main" val="0"/>
+              </a:ext>
+            </a:extLst>
+          </a:blip>
+          <a:stretch>
+            <a:fillRect/>
+          </a:stretch>
+        </p:blipFill>
+        <p:spPr>
+          <a:xfrm>
+            <a:off x="1453353" y="1479625"/>
+            <a:ext cx="5860498" cy="4583025"/>
+          </a:xfrm>
+          <a:prstGeom prst="rect">
+            <a:avLst/>
+          </a:prstGeom>
+        </p:spPr>
+      </p:pic>
+      <p:pic>
+        <p:nvPicPr>
+          <p:cNvPr id="11" name="Picture 10" descr="NGS-comp.tiff"/>
+          <p:cNvPicPr>
+            <a:picLocks noChangeAspect="1"/>
+          </p:cNvPicPr>
+          <p:nvPr/>
+        </p:nvPicPr>
+        <p:blipFill>
+          <a:blip r:embed="rId3">
+            <a:extLst>
+              <a:ext uri="{28A0092B-C50C-407E-A947-70E740481C1C}">
+                <a14:useLocalDpi xmlns:a14="http://schemas.microsoft.com/office/drawing/2010/main" val="0"/>
+              </a:ext>
+            </a:extLst>
+          </a:blip>
+          <a:stretch>
+            <a:fillRect/>
+          </a:stretch>
+        </p:blipFill>
+        <p:spPr>
+          <a:xfrm>
+            <a:off x="549640" y="2203890"/>
+            <a:ext cx="8280400" cy="2044700"/>
+          </a:xfrm>
+          <a:prstGeom prst="rect">
+            <a:avLst/>
+          </a:prstGeom>
+          <a:effectLst>
+            <a:glow rad="101600">
+              <a:schemeClr val="accent2">
+                <a:satMod val="175000"/>
+                <a:alpha val="40000"/>
+              </a:schemeClr>
+            </a:glow>
+          </a:effectLst>
+        </p:spPr>
+      </p:pic>
     </p:spTree>
     <p:extLst>
       <p:ext uri="{BB962C8B-B14F-4D97-AF65-F5344CB8AC3E}">
-        <p14:creationId xmlns:p14="http://schemas.microsoft.com/office/powerpoint/2010/main" val="1241724308"/>
+        <p14:creationId xmlns:p14="http://schemas.microsoft.com/office/powerpoint/2010/main" val="490846492"/>
       </p:ext>
     </p:extLst>
   </p:cSld>
   <p:clrMapOvr>
     <a:masterClrMapping/>
   </p:clrMapOvr>
+  <mc:AlternateContent xmlns:mc="http://schemas.openxmlformats.org/markup-compatibility/2006" xmlns:p14="http://schemas.microsoft.com/office/powerpoint/2010/main">
+    <mc:Choice Requires="p14">
+      <p:transition p14:dur="0"/>
+    </mc:Choice>
+    <mc:Fallback xmlns="">
+      <p:transition xmlns:p14="http://schemas.microsoft.com/office/powerpoint/2010/main"/>
+    </mc:Fallback>
+  </mc:AlternateContent>
   <p:timing>
     <p:tnLst>
       <p:par>
-        <p:cTn xmlns:p14="http://schemas.microsoft.com/office/powerpoint/2010/main" id="1" dur="indefinite" restart="never" nodeType="tmRoot"/>
+        <p:cTn xmlns:p14="http://schemas.microsoft.com/office/powerpoint/2010/main" id="1" dur="indefinite" restart="never" nodeType="tmRoot">
+          <p:childTnLst>
+            <p:seq concurrent="1" nextAc="seek">
+              <p:cTn id="2" dur="indefinite" nodeType="mainSeq">
+                <p:childTnLst>
+                  <p:par>
+                    <p:cTn id="3" fill="hold">
+                      <p:stCondLst>
+                        <p:cond delay="indefinite"/>
+                      </p:stCondLst>
+                      <p:childTnLst>
+                        <p:par>
+                          <p:cTn id="4" fill="hold">
+                            <p:stCondLst>
+                              <p:cond delay="0"/>
+                            </p:stCondLst>
+                            <p:childTnLst>
+                              <p:par>
+                                <p:cTn id="5" presetID="2" presetClass="entr" presetSubtype="4" fill="hold" nodeType="clickEffect">
+                                  <p:stCondLst>
+                                    <p:cond delay="0"/>
+                                  </p:stCondLst>
+                                  <p:childTnLst>
+                                    <p:set>
+                                      <p:cBhvr>
+                                        <p:cTn id="6" dur="1" fill="hold">
+                                          <p:stCondLst>
+                                            <p:cond delay="0"/>
+                                          </p:stCondLst>
+                                        </p:cTn>
+                                        <p:tgtEl>
+                                          <p:spTgt spid="11"/>
+                                        </p:tgtEl>
+                                        <p:attrNameLst>
+                                          <p:attrName>style.visibility</p:attrName>
+                                        </p:attrNameLst>
+                                      </p:cBhvr>
+                                      <p:to>
+                                        <p:strVal val="visible"/>
+                                      </p:to>
+                                    </p:set>
+                                    <p:anim calcmode="lin" valueType="num">
+                                      <p:cBhvr additive="base">
+                                        <p:cTn id="7" dur="500" fill="hold"/>
+                                        <p:tgtEl>
+                                          <p:spTgt spid="11"/>
+                                        </p:tgtEl>
+                                        <p:attrNameLst>
+                                          <p:attrName>ppt_x</p:attrName>
+                                        </p:attrNameLst>
+                                      </p:cBhvr>
+                                      <p:tavLst>
+                                        <p:tav tm="0">
+                                          <p:val>
+                                            <p:strVal val="#ppt_x"/>
+                                          </p:val>
+                                        </p:tav>
+                                        <p:tav tm="100000">
+                                          <p:val>
+                                            <p:strVal val="#ppt_x"/>
+                                          </p:val>
+                                        </p:tav>
+                                      </p:tavLst>
+                                    </p:anim>
+                                    <p:anim calcmode="lin" valueType="num">
+                                      <p:cBhvr additive="base">
+                                        <p:cTn id="8" dur="500" fill="hold"/>
+                                        <p:tgtEl>
+                                          <p:spTgt spid="11"/>
+                                        </p:tgtEl>
+                                        <p:attrNameLst>
+                                          <p:attrName>ppt_y</p:attrName>
+                                        </p:attrNameLst>
+                                      </p:cBhvr>
+                                      <p:tavLst>
+                                        <p:tav tm="0">
+                                          <p:val>
+                                            <p:strVal val="1+#ppt_h/2"/>
+                                          </p:val>
+                                        </p:tav>
+                                        <p:tav tm="100000">
+                                          <p:val>
+                                            <p:strVal val="#ppt_y"/>
+                                          </p:val>
+                                        </p:tav>
+                                      </p:tavLst>
+                                    </p:anim>
+                                  </p:childTnLst>
+                                </p:cTn>
+                              </p:par>
+                            </p:childTnLst>
+                          </p:cTn>
+                        </p:par>
+                      </p:childTnLst>
+                    </p:cTn>
+                  </p:par>
+                </p:childTnLst>
+              </p:cTn>
+              <p:prevCondLst>
+                <p:cond evt="onPrev" delay="0">
+                  <p:tgtEl>
+                    <p:sldTgt/>
+                  </p:tgtEl>
+                </p:cond>
+              </p:prevCondLst>
+              <p:nextCondLst>
+                <p:cond evt="onNext" delay="0">
+                  <p:tgtEl>
+                    <p:sldTgt/>
+                  </p:tgtEl>
+                </p:cond>
+              </p:nextCondLst>
+            </p:seq>
+          </p:childTnLst>
+        </p:cTn>
       </p:par>
     </p:tnLst>
   </p:timing>
@@ -7561,205 +6309,6 @@
 </file>
 
 <file path=ppt/slides/slide20.xml><?xml version="1.0" encoding="utf-8"?>
-<p:sld xmlns:a="http://schemas.openxmlformats.org/drawingml/2006/main" xmlns:r="http://schemas.openxmlformats.org/officeDocument/2006/relationships" xmlns:p="http://schemas.openxmlformats.org/presentationml/2006/main">
-  <p:cSld>
-    <p:spTree>
-      <p:nvGrpSpPr>
-        <p:cNvPr id="1" name=""/>
-        <p:cNvGrpSpPr/>
-        <p:nvPr/>
-      </p:nvGrpSpPr>
-      <p:grpSpPr>
-        <a:xfrm>
-          <a:off x="0" y="0"/>
-          <a:ext cx="0" cy="0"/>
-          <a:chOff x="0" y="0"/>
-          <a:chExt cx="0" cy="0"/>
-        </a:xfrm>
-      </p:grpSpPr>
-      <p:sp>
-        <p:nvSpPr>
-          <p:cNvPr id="52227" name="Content Placeholder 2"/>
-          <p:cNvSpPr>
-            <a:spLocks noGrp="1"/>
-          </p:cNvSpPr>
-          <p:nvPr>
-            <p:ph idx="1"/>
-          </p:nvPr>
-        </p:nvSpPr>
-        <p:spPr>
-          <a:xfrm>
-            <a:off x="381000" y="1447800"/>
-            <a:ext cx="8534400" cy="5443538"/>
-          </a:xfrm>
-        </p:spPr>
-        <p:txBody>
-          <a:bodyPr>
-            <a:normAutofit fontScale="85000" lnSpcReduction="10000"/>
-          </a:bodyPr>
-          <a:lstStyle/>
-          <a:p>
-            <a:r>
-              <a:rPr lang="en-US">
-                <a:solidFill>
-                  <a:schemeClr val="bg2"/>
-                </a:solidFill>
-                <a:latin typeface="Arial" charset="0"/>
-                <a:ea typeface="ヒラギノ角ゴ ProN W3" charset="0"/>
-                <a:cs typeface="ヒラギノ角ゴ ProN W3" charset="0"/>
-              </a:rPr>
-              <a:t>Frameworks: Logical structure for Capturing Application Requirements, Characteristics &amp; Patterns</a:t>
-            </a:r>
-          </a:p>
-          <a:p>
-            <a:r>
-              <a:rPr lang="en-US">
-                <a:latin typeface="Arial" charset="0"/>
-                <a:ea typeface="ヒラギノ角ゴ ProN W3" charset="0"/>
-                <a:cs typeface="ヒラギノ角ゴ ProN W3" charset="0"/>
-              </a:rPr>
-              <a:t>Pattern: Commonly recurring modes of computation</a:t>
-            </a:r>
-          </a:p>
-          <a:p>
-            <a:pPr lvl="1"/>
-            <a:r>
-              <a:rPr lang="en-US">
-                <a:latin typeface="Arial" charset="0"/>
-                <a:ea typeface="ヒラギノ角ゴ ProN W3" charset="0"/>
-                <a:cs typeface="ヒラギノ角ゴ ProN W3" charset="0"/>
-              </a:rPr>
-              <a:t>Programming, Deployment, Execution, Data-access..</a:t>
-            </a:r>
-          </a:p>
-          <a:p>
-            <a:r>
-              <a:rPr lang="en-US">
-                <a:latin typeface="Arial" charset="0"/>
-                <a:ea typeface="ヒラギノ角ゴ ProN W3" charset="0"/>
-                <a:cs typeface="ヒラギノ角ゴ ProN W3" charset="0"/>
-              </a:rPr>
-              <a:t>Abstraction: Mechanism to support patterns and application characteristics</a:t>
-            </a:r>
-          </a:p>
-          <a:p>
-            <a:r>
-              <a:rPr lang="en-US">
-                <a:latin typeface="Arial" charset="0"/>
-                <a:ea typeface="ヒラギノ角ゴ ProN W3" charset="0"/>
-                <a:cs typeface="ヒラギノ角ゴ ProN W3" charset="0"/>
-              </a:rPr>
-              <a:t>Frameworks designed to either:</a:t>
-            </a:r>
-          </a:p>
-          <a:p>
-            <a:pPr lvl="1">
-              <a:buSzPct val="80000"/>
-              <a:buFont typeface="Arial" charset="0"/>
-              <a:buChar char="•"/>
-            </a:pPr>
-            <a:r>
-              <a:rPr lang="en-US">
-                <a:latin typeface="Arial" charset="0"/>
-                <a:ea typeface="ヒラギノ角ゴ ProN W3" charset="0"/>
-                <a:cs typeface="ヒラギノ角ゴ ProN W3" charset="0"/>
-              </a:rPr>
-              <a:t>Support Patterns: Map-Reduce, Master-Worker, Hierarchical Job-Submission</a:t>
-            </a:r>
-          </a:p>
-          <a:p>
-            <a:pPr lvl="1">
-              <a:buSzPct val="80000"/>
-              <a:buFont typeface="Arial" charset="0"/>
-              <a:buChar char="•"/>
-            </a:pPr>
-            <a:r>
-              <a:rPr lang="en-US">
-                <a:latin typeface="Arial" charset="0"/>
-                <a:ea typeface="ヒラギノ角ゴ ProN W3" charset="0"/>
-                <a:cs typeface="ヒラギノ角ゴ ProN W3" charset="0"/>
-              </a:rPr>
-              <a:t>Provide the abstractions and/or support the requirements &amp; characteristics of applications</a:t>
-            </a:r>
-          </a:p>
-          <a:p>
-            <a:pPr lvl="1">
-              <a:buSzPct val="80000"/>
-              <a:buFont typeface="Arial" charset="0"/>
-              <a:buChar char="•"/>
-            </a:pPr>
-            <a:r>
-              <a:rPr lang="en-US">
-                <a:latin typeface="Arial" charset="0"/>
-                <a:ea typeface="ヒラギノ角ゴ ProN W3" charset="0"/>
-                <a:cs typeface="ヒラギノ角ゴ ProN W3" charset="0"/>
-              </a:rPr>
-              <a:t>i.e. Encode a Usage-Mode using a Framework</a:t>
-            </a:r>
-          </a:p>
-        </p:txBody>
-      </p:sp>
-      <p:sp>
-        <p:nvSpPr>
-          <p:cNvPr id="3" name="Title 2"/>
-          <p:cNvSpPr>
-            <a:spLocks noGrp="1"/>
-          </p:cNvSpPr>
-          <p:nvPr>
-            <p:ph type="title"/>
-          </p:nvPr>
-        </p:nvSpPr>
-        <p:spPr/>
-        <p:txBody>
-          <a:bodyPr>
-            <a:normAutofit fontScale="90000"/>
-          </a:bodyPr>
-          <a:lstStyle/>
-          <a:p>
-            <a:r>
-              <a:rPr lang="en-US" dirty="0">
-                <a:latin typeface="Arial" charset="0"/>
-                <a:ea typeface="ヒラギノ角ゴ ProN W3" charset="0"/>
-                <a:cs typeface="ヒラギノ角ゴ ProN W3" charset="0"/>
-              </a:rPr>
-              <a:t>Development Distributed Application </a:t>
-            </a:r>
-            <a:r>
-              <a:rPr lang="en-US" dirty="0">
-                <a:solidFill>
-                  <a:srgbClr val="800000"/>
-                </a:solidFill>
-                <a:latin typeface="Arial" charset="0"/>
-                <a:ea typeface="ヒラギノ角ゴ ProN W3" charset="0"/>
-                <a:cs typeface="ヒラギノ角ゴ ProN W3" charset="0"/>
-              </a:rPr>
-              <a:t>Frameworks</a:t>
-            </a:r>
-            <a:endParaRPr lang="en-US" dirty="0"/>
-          </a:p>
-        </p:txBody>
-      </p:sp>
-    </p:spTree>
-    <p:extLst>
-      <p:ext uri="{BB962C8B-B14F-4D97-AF65-F5344CB8AC3E}">
-        <p14:creationId xmlns:p14="http://schemas.microsoft.com/office/powerpoint/2010/main" val="2149849820"/>
-      </p:ext>
-    </p:extLst>
-  </p:cSld>
-  <p:clrMapOvr>
-    <a:masterClrMapping/>
-  </p:clrMapOvr>
-  <p:timing>
-    <p:tnLst>
-      <p:par>
-        <p:cTn xmlns:p14="http://schemas.microsoft.com/office/powerpoint/2010/main" id="1" dur="indefinite" restart="never" nodeType="tmRoot"/>
-      </p:par>
-    </p:tnLst>
-  </p:timing>
-</p:sld>
-</file>
-
-<file path=ppt/slides/slide21.xml><?xml version="1.0" encoding="utf-8"?>
 <p:sld xmlns:a="http://schemas.openxmlformats.org/drawingml/2006/main" xmlns:r="http://schemas.openxmlformats.org/officeDocument/2006/relationships" xmlns:p="http://schemas.openxmlformats.org/presentationml/2006/main">
   <p:cSld>
     <p:spTree>
@@ -8051,7 +6600,7 @@
 </p:sld>
 </file>
 
-<file path=ppt/slides/slide22.xml><?xml version="1.0" encoding="utf-8"?>
+<file path=ppt/slides/slide21.xml><?xml version="1.0" encoding="utf-8"?>
 <p:sld xmlns:a="http://schemas.openxmlformats.org/drawingml/2006/main" xmlns:r="http://schemas.openxmlformats.org/officeDocument/2006/relationships" xmlns:p="http://schemas.openxmlformats.org/presentationml/2006/main">
   <p:cSld>
     <p:spTree>
@@ -8259,7 +6808,7 @@
 </p:sld>
 </file>
 
-<file path=ppt/slides/slide23.xml><?xml version="1.0" encoding="utf-8"?>
+<file path=ppt/slides/slide22.xml><?xml version="1.0" encoding="utf-8"?>
 <p:sld xmlns:a="http://schemas.openxmlformats.org/drawingml/2006/main" xmlns:r="http://schemas.openxmlformats.org/officeDocument/2006/relationships" xmlns:p="http://schemas.openxmlformats.org/presentationml/2006/main">
   <p:cSld>
     <p:spTree>
@@ -8583,7 +7132,7 @@
 </p:sld>
 </file>
 
-<file path=ppt/slides/slide24.xml><?xml version="1.0" encoding="utf-8"?>
+<file path=ppt/slides/slide23.xml><?xml version="1.0" encoding="utf-8"?>
 <p:sld xmlns:a="http://schemas.openxmlformats.org/drawingml/2006/main" xmlns:r="http://schemas.openxmlformats.org/officeDocument/2006/relationships" xmlns:p="http://schemas.openxmlformats.org/presentationml/2006/main">
   <p:cSld>
     <p:spTree>
@@ -8873,7 +7422,7 @@
 </p:sld>
 </file>
 
-<file path=ppt/slides/slide25.xml><?xml version="1.0" encoding="utf-8"?>
+<file path=ppt/slides/slide24.xml><?xml version="1.0" encoding="utf-8"?>
 <p:sld xmlns:a="http://schemas.openxmlformats.org/drawingml/2006/main" xmlns:r="http://schemas.openxmlformats.org/officeDocument/2006/relationships" xmlns:p="http://schemas.openxmlformats.org/presentationml/2006/main">
   <p:cSld>
     <p:spTree>
@@ -9610,7 +8159,7 @@
 </p:sld>
 </file>
 
-<file path=ppt/slides/slide26.xml><?xml version="1.0" encoding="utf-8"?>
+<file path=ppt/slides/slide25.xml><?xml version="1.0" encoding="utf-8"?>
 <p:sld xmlns:a="http://schemas.openxmlformats.org/drawingml/2006/main" xmlns:r="http://schemas.openxmlformats.org/officeDocument/2006/relationships" xmlns:p="http://schemas.openxmlformats.org/presentationml/2006/main">
   <p:cSld>
     <p:spTree>
@@ -9952,7 +8501,7 @@
           <p:nvPr>
             <p:extLst>
               <p:ext uri="{D42A27DB-BD31-4B8C-83A1-F6EECF244321}">
-                <p14:modId xmlns:p14="http://schemas.microsoft.com/office/powerpoint/2010/main" val="1962386338"/>
+                <p14:modId xmlns:p14="http://schemas.microsoft.com/office/powerpoint/2010/main" val="619780068"/>
               </p:ext>
             </p:extLst>
           </p:nvPr>
@@ -10039,11 +8588,7 @@
                     <a:p>
                       <a:r>
                         <a:rPr lang="en-US" sz="1600" dirty="0" smtClean="0"/>
-                        <a:t>Genome </a:t>
-                      </a:r>
-                      <a:r>
-                        <a:rPr lang="en-US" sz="1600" dirty="0" smtClean="0"/>
-                        <a:t>Size</a:t>
+                        <a:t>Genome Size</a:t>
                       </a:r>
                       <a:endParaRPr lang="en-US" sz="1600" dirty="0"/>
                     </a:p>
@@ -10109,11 +8654,7 @@
                     <a:p>
                       <a:r>
                         <a:rPr lang="en-US" sz="1600" dirty="0" smtClean="0"/>
-                        <a:t>NGS </a:t>
-                      </a:r>
-                      <a:r>
-                        <a:rPr lang="en-US" sz="1600" dirty="0" smtClean="0"/>
-                        <a:t>Data Type</a:t>
+                        <a:t>NGS Data Type</a:t>
                       </a:r>
                       <a:endParaRPr lang="en-US" sz="1600" dirty="0"/>
                     </a:p>
@@ -10171,11 +8712,7 @@
                     <a:p>
                       <a:r>
                         <a:rPr lang="en-US" sz="1600" dirty="0" smtClean="0"/>
-                        <a:t>NGS Data </a:t>
-                      </a:r>
-                      <a:r>
-                        <a:rPr lang="en-US" sz="1600" dirty="0" smtClean="0"/>
-                        <a:t>Size</a:t>
+                        <a:t>NGS Data Size</a:t>
                       </a:r>
                       <a:endParaRPr lang="en-US" sz="1600" dirty="0"/>
                     </a:p>
@@ -10237,11 +8774,7 @@
                       </a:r>
                       <a:r>
                         <a:rPr lang="en-US" sz="1600" baseline="0" dirty="0" smtClean="0"/>
-                        <a:t> Index </a:t>
-                      </a:r>
-                      <a:r>
-                        <a:rPr lang="en-US" sz="1600" baseline="0" dirty="0" smtClean="0"/>
-                        <a:t>Data </a:t>
+                        <a:t> Index Data </a:t>
                       </a:r>
                       <a:r>
                         <a:rPr lang="en-US" sz="1600" baseline="0" dirty="0" err="1" smtClean="0"/>
@@ -10345,7 +8878,14 @@
                     <a:p>
                       <a:r>
                         <a:rPr lang="en-US" sz="1600" dirty="0" smtClean="0"/>
-                        <a:t>38 MB + a</a:t>
+                        <a:t>38 MB + </a:t>
+                      </a:r>
+                      <a:r>
+                        <a:rPr lang="en-US" sz="1600" dirty="0" smtClean="0">
+                          <a:latin typeface="Symbol" charset="2"/>
+                          <a:cs typeface="Symbol" charset="2"/>
+                        </a:rPr>
+                        <a:t>a</a:t>
                       </a:r>
                       <a:r>
                         <a:rPr lang="en-US" sz="1600" baseline="30000" dirty="0" smtClean="0"/>
@@ -10363,9 +8903,19 @@
                     <a:p>
                       <a:r>
                         <a:rPr lang="en-US" sz="1600" dirty="0" smtClean="0"/>
-                        <a:t>12 GB + a</a:t>
+                        <a:t>12 GB + </a:t>
                       </a:r>
-                      <a:endParaRPr lang="en-US" sz="1600" dirty="0"/>
+                      <a:r>
+                        <a:rPr lang="en-US" sz="1600" dirty="0" smtClean="0">
+                          <a:latin typeface="Symbol" charset="2"/>
+                          <a:cs typeface="Symbol" charset="2"/>
+                        </a:rPr>
+                        <a:t>a</a:t>
+                      </a:r>
+                      <a:endParaRPr lang="en-US" sz="1600" dirty="0">
+                        <a:latin typeface="Symbol" charset="2"/>
+                        <a:cs typeface="Symbol" charset="2"/>
+                      </a:endParaRPr>
                     </a:p>
                   </a:txBody>
                   <a:tcPr/>
@@ -10381,9 +8931,19 @@
                       </a:r>
                       <a:r>
                         <a:rPr lang="en-US" sz="1600" baseline="0" dirty="0" smtClean="0"/>
-                        <a:t> MB + a</a:t>
+                        <a:t> MB +</a:t>
                       </a:r>
-                      <a:endParaRPr lang="en-US" sz="1600" dirty="0"/>
+                      <a:r>
+                        <a:rPr lang="en-US" sz="1600" baseline="0" dirty="0" smtClean="0">
+                          <a:latin typeface="Symbol" charset="2"/>
+                          <a:cs typeface="Symbol" charset="2"/>
+                        </a:rPr>
+                        <a:t> a</a:t>
+                      </a:r>
+                      <a:endParaRPr lang="en-US" sz="1600" dirty="0">
+                        <a:latin typeface="Symbol" charset="2"/>
+                        <a:cs typeface="Symbol" charset="2"/>
+                      </a:endParaRPr>
                     </a:p>
                   </a:txBody>
                   <a:tcPr/>
@@ -10420,7 +8980,15 @@
             </a:pPr>
             <a:r>
               <a:rPr lang="en-US" sz="1400" dirty="0" smtClean="0"/>
-              <a:t>Two options generating 40 index files 	and 10 index files are considered</a:t>
+              <a:t>Two options generating 40 index files </a:t>
+            </a:r>
+            <a:r>
+              <a:rPr lang="en-US" sz="1400" dirty="0" smtClean="0"/>
+              <a:t>and </a:t>
+            </a:r>
+            <a:r>
+              <a:rPr lang="en-US" sz="1400" dirty="0" smtClean="0"/>
+              <a:t>10 index files are considered</a:t>
             </a:r>
           </a:p>
           <a:p>
@@ -10438,7 +9006,19 @@
             </a:pPr>
             <a:r>
               <a:rPr lang="en-US" sz="1400" dirty="0" smtClean="0"/>
-              <a:t>Read file size</a:t>
+              <a:t>Data volume of a </a:t>
+            </a:r>
+            <a:r>
+              <a:rPr lang="en-US" sz="1400" dirty="0"/>
+              <a:t>r</a:t>
+            </a:r>
+            <a:r>
+              <a:rPr lang="en-US" sz="1400" dirty="0" smtClean="0"/>
+              <a:t>ead </a:t>
+            </a:r>
+            <a:r>
+              <a:rPr lang="en-US" sz="1400" dirty="0" smtClean="0"/>
+              <a:t>file </a:t>
             </a:r>
             <a:endParaRPr lang="en-US" sz="1400" dirty="0"/>
           </a:p>
@@ -10464,7 +9044,7 @@
 </p:sld>
 </file>
 
-<file path=ppt/slides/slide27.xml><?xml version="1.0" encoding="utf-8"?>
+<file path=ppt/slides/slide26.xml><?xml version="1.0" encoding="utf-8"?>
 <p:sld xmlns:a="http://schemas.openxmlformats.org/drawingml/2006/main" xmlns:r="http://schemas.openxmlformats.org/officeDocument/2006/relationships" xmlns:p="http://schemas.openxmlformats.org/presentationml/2006/main">
   <p:cSld>
     <p:spTree>
@@ -10821,7 +9401,7 @@
 </p:sld>
 </file>
 
-<file path=ppt/slides/slide28.xml><?xml version="1.0" encoding="utf-8"?>
+<file path=ppt/slides/slide27.xml><?xml version="1.0" encoding="utf-8"?>
 <p:sld xmlns:a="http://schemas.openxmlformats.org/drawingml/2006/main" xmlns:r="http://schemas.openxmlformats.org/officeDocument/2006/relationships" xmlns:p="http://schemas.openxmlformats.org/presentationml/2006/main">
   <p:cSld>
     <p:spTree>
@@ -18864,7 +17444,7 @@
 </p:sld>
 </file>
 
-<file path=ppt/slides/slide29.xml><?xml version="1.0" encoding="utf-8"?>
+<file path=ppt/slides/slide28.xml><?xml version="1.0" encoding="utf-8"?>
 <p:sld xmlns:a="http://schemas.openxmlformats.org/drawingml/2006/main" xmlns:r="http://schemas.openxmlformats.org/officeDocument/2006/relationships" xmlns:p="http://schemas.openxmlformats.org/presentationml/2006/main">
   <p:cSld>
     <p:spTree>
@@ -18913,7 +17493,7 @@
         </p:nvSpPr>
         <p:spPr>
           <a:xfrm>
-            <a:off x="233921" y="1926032"/>
+            <a:off x="233921" y="1507023"/>
             <a:ext cx="7455887" cy="1200329"/>
           </a:xfrm>
           <a:prstGeom prst="rect">
@@ -18927,6 +17507,10 @@
           </a:bodyPr>
           <a:lstStyle/>
           <a:p>
+            <a:pPr marL="285750" indent="-285750">
+              <a:buFont typeface="Wingdings" charset="2"/>
+              <a:buChar char="q"/>
+            </a:pPr>
             <a:r>
               <a:rPr lang="en-US" dirty="0" smtClean="0"/>
               <a:t>Strength</a:t>
@@ -18984,8 +17568,8 @@
         </p:nvSpPr>
         <p:spPr>
           <a:xfrm>
-            <a:off x="233921" y="3625518"/>
-            <a:ext cx="8027427" cy="3416320"/>
+            <a:off x="233921" y="2880687"/>
+            <a:ext cx="4173341" cy="2308324"/>
           </a:xfrm>
           <a:prstGeom prst="rect">
             <a:avLst/>
@@ -18998,6 +17582,10 @@
           </a:bodyPr>
           <a:lstStyle/>
           <a:p>
+            <a:pPr marL="285750" indent="-285750">
+              <a:buFont typeface="Wingdings" charset="2"/>
+              <a:buChar char="q"/>
+            </a:pPr>
             <a:r>
               <a:rPr lang="en-US" dirty="0" smtClean="0"/>
               <a:t>Challenges and Ongoing investigation</a:t>
@@ -19020,13 +17608,49 @@
             </a:pPr>
             <a:r>
               <a:rPr lang="en-US" dirty="0" smtClean="0"/>
-              <a:t>Data transfer : Reference genome </a:t>
-            </a:r>
-          </a:p>
-          <a:p>
+              <a:t>Data transfer </a:t>
+            </a:r>
             <a:r>
               <a:rPr lang="en-US" dirty="0" smtClean="0"/>
-              <a:t>index file (HG18 : 130 GB)</a:t>
+              <a:t>of </a:t>
+            </a:r>
+            <a:r>
+              <a:rPr lang="en-US" dirty="0" smtClean="0"/>
+              <a:t>Reference genome </a:t>
+            </a:r>
+          </a:p>
+          <a:p>
+            <a:r>
+              <a:rPr lang="en-US" dirty="0" smtClean="0"/>
+              <a:t>index </a:t>
+            </a:r>
+            <a:r>
+              <a:rPr lang="en-US" dirty="0" smtClean="0"/>
+              <a:t>files </a:t>
+            </a:r>
+            <a:r>
+              <a:rPr lang="en-US" dirty="0" smtClean="0"/>
+              <a:t>: </a:t>
+            </a:r>
+            <a:r>
+              <a:rPr lang="en-US" dirty="0" smtClean="0"/>
+              <a:t>HG18 </a:t>
+            </a:r>
+            <a:r>
+              <a:rPr lang="en-US" dirty="0" smtClean="0"/>
+              <a:t>: 130 </a:t>
+            </a:r>
+            <a:r>
+              <a:rPr lang="en-US" dirty="0" smtClean="0"/>
+              <a:t>GB, </a:t>
+            </a:r>
+            <a:r>
+              <a:rPr lang="en-US" dirty="0" err="1" smtClean="0"/>
+              <a:t>B.Glumae</a:t>
+            </a:r>
+            <a:r>
+              <a:rPr lang="en-US" dirty="0" smtClean="0"/>
+              <a:t> :447 MB</a:t>
             </a:r>
           </a:p>
           <a:p>
@@ -19034,66 +17658,25 @@
               <a:buFont typeface="Wingdings" charset="2"/>
               <a:buChar char="ü"/>
             </a:pPr>
+            <a:r>
+              <a:rPr lang="en-US" dirty="0" smtClean="0"/>
+              <a:t>Data transfer of Short read files :  e.g.</a:t>
+            </a:r>
+          </a:p>
+          <a:p>
+            <a:r>
+              <a:rPr lang="en-US" dirty="0" smtClean="0"/>
+              <a:t>9 GB ( about 2 min from local to QB using </a:t>
+            </a:r>
+            <a:r>
+              <a:rPr lang="en-US" dirty="0" err="1" smtClean="0"/>
+              <a:t>GridFTP</a:t>
+            </a:r>
+            <a:r>
+              <a:rPr lang="en-US" dirty="0" smtClean="0"/>
+              <a:t>)</a:t>
+            </a:r>
             <a:endParaRPr lang="en-US" dirty="0" smtClean="0"/>
-          </a:p>
-          <a:p>
-            <a:pPr marL="285750" indent="-285750">
-              <a:buFont typeface="Wingdings" charset="2"/>
-              <a:buChar char="ü"/>
-            </a:pPr>
-            <a:endParaRPr lang="en-US" dirty="0"/>
-          </a:p>
-          <a:p>
-            <a:pPr marL="285750" indent="-285750">
-              <a:buFont typeface="Wingdings" charset="2"/>
-              <a:buChar char="ü"/>
-            </a:pPr>
-            <a:endParaRPr lang="en-US" dirty="0"/>
-          </a:p>
-          <a:p>
-            <a:pPr marL="285750" indent="-285750">
-              <a:buFont typeface="Courier New"/>
-              <a:buChar char="o"/>
-            </a:pPr>
-            <a:r>
-              <a:rPr lang="en-US" dirty="0" smtClean="0"/>
-              <a:t>Interoperability between grids and clouds</a:t>
-            </a:r>
-          </a:p>
-          <a:p>
-            <a:pPr marL="342900" indent="-342900">
-              <a:buFont typeface="Wingdings" charset="2"/>
-              <a:buChar char="ü"/>
-            </a:pPr>
-            <a:r>
-              <a:rPr lang="en-US" dirty="0" smtClean="0"/>
-              <a:t>HPC-HTC 1: EGEE-TG[-NAREGI] / HPC-HTC 2: KEK/NAREGI-TG /HPC-HTC 3: </a:t>
-            </a:r>
-            <a:r>
-              <a:rPr lang="en-US" dirty="0" err="1" smtClean="0"/>
-              <a:t>ExTENCI</a:t>
-            </a:r>
-            <a:r>
-              <a:rPr lang="en-US" dirty="0" smtClean="0"/>
-              <a:t> [TG-OSG] /HPC-HPC 1: TG-DEISA</a:t>
-            </a:r>
-          </a:p>
-          <a:p>
-            <a:pPr marL="342900" indent="-342900">
-              <a:buFont typeface="Wingdings" charset="2"/>
-              <a:buChar char="ü"/>
-            </a:pPr>
-            <a:r>
-              <a:rPr lang="en-US" dirty="0" smtClean="0"/>
-              <a:t>GANGA/DIANE integration</a:t>
-            </a:r>
-          </a:p>
-          <a:p>
-            <a:pPr marL="285750" indent="-285750">
-              <a:buFont typeface="Wingdings" charset="2"/>
-              <a:buChar char="ü"/>
-            </a:pPr>
-            <a:endParaRPr lang="en-US" dirty="0"/>
           </a:p>
         </p:txBody>
       </p:sp>
@@ -19106,13 +17689,13 @@
           <p:nvPr>
             <p:extLst>
               <p:ext uri="{D42A27DB-BD31-4B8C-83A1-F6EECF244321}">
-                <p14:modId xmlns:p14="http://schemas.microsoft.com/office/powerpoint/2010/main" val="1292307466"/>
+                <p14:modId xmlns:p14="http://schemas.microsoft.com/office/powerpoint/2010/main" val="3082004626"/>
               </p:ext>
             </p:extLst>
           </p:nvPr>
         </p:nvGraphicFramePr>
         <p:xfrm>
-          <a:off x="3935906" y="3425870"/>
+          <a:off x="4407262" y="3228852"/>
           <a:ext cx="4633054" cy="1355934"/>
         </p:xfrm>
         <a:graphic>
@@ -19441,6 +18024,106 @@
           </a:graphicData>
         </a:graphic>
       </p:graphicFrame>
+      <p:sp>
+        <p:nvSpPr>
+          <p:cNvPr id="3" name="TextBox 2"/>
+          <p:cNvSpPr txBox="1"/>
+          <p:nvPr/>
+        </p:nvSpPr>
+        <p:spPr>
+          <a:xfrm>
+            <a:off x="5839591" y="2880687"/>
+            <a:ext cx="2324712" cy="369332"/>
+          </a:xfrm>
+          <a:prstGeom prst="rect">
+            <a:avLst/>
+          </a:prstGeom>
+          <a:noFill/>
+        </p:spPr>
+        <p:txBody>
+          <a:bodyPr wrap="none" rtlCol="0">
+            <a:spAutoFit/>
+          </a:bodyPr>
+          <a:lstStyle/>
+          <a:p>
+            <a:r>
+              <a:rPr lang="en-US" dirty="0" smtClean="0"/>
+              <a:t>Data Transfer (130 GB)</a:t>
+            </a:r>
+            <a:endParaRPr lang="en-US" dirty="0"/>
+          </a:p>
+        </p:txBody>
+      </p:sp>
+      <p:sp>
+        <p:nvSpPr>
+          <p:cNvPr id="4" name="TextBox 3"/>
+          <p:cNvSpPr txBox="1"/>
+          <p:nvPr/>
+        </p:nvSpPr>
+        <p:spPr>
+          <a:xfrm>
+            <a:off x="233921" y="5293549"/>
+            <a:ext cx="8522791" cy="1200329"/>
+          </a:xfrm>
+          <a:prstGeom prst="rect">
+            <a:avLst/>
+          </a:prstGeom>
+          <a:noFill/>
+        </p:spPr>
+        <p:txBody>
+          <a:bodyPr wrap="square" rtlCol="0">
+            <a:spAutoFit/>
+          </a:bodyPr>
+          <a:lstStyle/>
+          <a:p>
+            <a:pPr marL="285750" indent="-285750">
+              <a:buFont typeface="Courier New"/>
+              <a:buChar char="o"/>
+            </a:pPr>
+            <a:r>
+              <a:rPr lang="en-US" dirty="0" smtClean="0"/>
+              <a:t>Interoperability </a:t>
+            </a:r>
+            <a:r>
+              <a:rPr lang="en-US" dirty="0"/>
+              <a:t>between grids and clouds</a:t>
+            </a:r>
+          </a:p>
+          <a:p>
+            <a:pPr marL="342900" indent="-342900">
+              <a:buFont typeface="Wingdings" charset="2"/>
+              <a:buChar char="ü"/>
+            </a:pPr>
+            <a:r>
+              <a:rPr lang="en-US" dirty="0"/>
+              <a:t>HPC-HTC 1: EGEE-TG[-NAREGI] / HPC-HTC 2: KEK/NAREGI-TG /HPC-HTC 3: </a:t>
+            </a:r>
+            <a:r>
+              <a:rPr lang="en-US" dirty="0" err="1"/>
+              <a:t>ExTENCI</a:t>
+            </a:r>
+            <a:r>
+              <a:rPr lang="en-US" dirty="0"/>
+              <a:t> [TG-OSG] /HPC-HPC 1: TG-DEISA</a:t>
+            </a:r>
+          </a:p>
+          <a:p>
+            <a:pPr marL="342900" indent="-342900">
+              <a:buFont typeface="Wingdings" charset="2"/>
+              <a:buChar char="ü"/>
+            </a:pPr>
+            <a:r>
+              <a:rPr lang="en-US" dirty="0"/>
+              <a:t>GANGA/DIANE </a:t>
+            </a:r>
+            <a:r>
+              <a:rPr lang="en-US" dirty="0" smtClean="0"/>
+              <a:t>integration</a:t>
+            </a:r>
+            <a:endParaRPr lang="en-US" dirty="0"/>
+          </a:p>
+        </p:txBody>
+      </p:sp>
     </p:spTree>
     <p:extLst>
       <p:ext uri="{BB962C8B-B14F-4D97-AF65-F5344CB8AC3E}">
@@ -19461,296 +18144,7 @@
 </p:sld>
 </file>
 
-<file path=ppt/slides/slide3.xml><?xml version="1.0" encoding="utf-8"?>
-<p:sld xmlns:a="http://schemas.openxmlformats.org/drawingml/2006/main" xmlns:r="http://schemas.openxmlformats.org/officeDocument/2006/relationships" xmlns:p="http://schemas.openxmlformats.org/presentationml/2006/main">
-  <p:cSld>
-    <p:spTree>
-      <p:nvGrpSpPr>
-        <p:cNvPr id="1" name=""/>
-        <p:cNvGrpSpPr/>
-        <p:nvPr/>
-      </p:nvGrpSpPr>
-      <p:grpSpPr>
-        <a:xfrm>
-          <a:off x="0" y="0"/>
-          <a:ext cx="0" cy="0"/>
-          <a:chOff x="0" y="0"/>
-          <a:chExt cx="0" cy="0"/>
-        </a:xfrm>
-      </p:grpSpPr>
-      <p:sp>
-        <p:nvSpPr>
-          <p:cNvPr id="2" name="Title 1"/>
-          <p:cNvSpPr>
-            <a:spLocks noGrp="1"/>
-          </p:cNvSpPr>
-          <p:nvPr>
-            <p:ph type="title"/>
-          </p:nvPr>
-        </p:nvSpPr>
-        <p:spPr/>
-        <p:txBody>
-          <a:bodyPr>
-            <a:normAutofit fontScale="90000"/>
-          </a:bodyPr>
-          <a:lstStyle/>
-          <a:p>
-            <a:r>
-              <a:rPr lang="en-US" dirty="0"/>
-              <a:t>Next-Generation DNA Sequencing (NGS) and Its Impact on Life Sciences</a:t>
-            </a:r>
-          </a:p>
-        </p:txBody>
-      </p:sp>
-      <p:sp>
-        <p:nvSpPr>
-          <p:cNvPr id="5" name="TextBox 4"/>
-          <p:cNvSpPr txBox="1"/>
-          <p:nvPr/>
-        </p:nvSpPr>
-        <p:spPr>
-          <a:xfrm>
-            <a:off x="157119" y="6264045"/>
-            <a:ext cx="8798665" cy="584776"/>
-          </a:xfrm>
-          <a:prstGeom prst="rect">
-            <a:avLst/>
-          </a:prstGeom>
-          <a:noFill/>
-        </p:spPr>
-        <p:txBody>
-          <a:bodyPr wrap="square" rtlCol="0">
-            <a:spAutoFit/>
-          </a:bodyPr>
-          <a:lstStyle/>
-          <a:p>
-            <a:r>
-              <a:rPr lang="en-US" sz="1600" dirty="0" smtClean="0"/>
-              <a:t>E. R. </a:t>
-            </a:r>
-            <a:r>
-              <a:rPr lang="en-US" sz="1600" dirty="0" err="1" smtClean="0"/>
-              <a:t>Mardis</a:t>
-            </a:r>
-            <a:r>
-              <a:rPr lang="en-US" sz="1600" dirty="0" smtClean="0"/>
-              <a:t>, The impact of next-generation sequencing technology on genetics, Trends in Genetics, 24, 133 (2008)</a:t>
-            </a:r>
-            <a:endParaRPr lang="en-US" sz="1600" dirty="0"/>
-          </a:p>
-        </p:txBody>
-      </p:sp>
-      <p:pic>
-        <p:nvPicPr>
-          <p:cNvPr id="10" name="Picture 9" descr="illumina.jpg"/>
-          <p:cNvPicPr>
-            <a:picLocks noChangeAspect="1"/>
-          </p:cNvPicPr>
-          <p:nvPr/>
-        </p:nvPicPr>
-        <p:blipFill>
-          <a:blip r:embed="rId2">
-            <a:extLst>
-              <a:ext uri="{28A0092B-C50C-407E-A947-70E740481C1C}">
-                <a14:useLocalDpi xmlns:a14="http://schemas.microsoft.com/office/drawing/2010/main" val="0"/>
-              </a:ext>
-            </a:extLst>
-          </a:blip>
-          <a:stretch>
-            <a:fillRect/>
-          </a:stretch>
-        </p:blipFill>
-        <p:spPr>
-          <a:xfrm>
-            <a:off x="1453353" y="1479625"/>
-            <a:ext cx="5860498" cy="4583025"/>
-          </a:xfrm>
-          <a:prstGeom prst="rect">
-            <a:avLst/>
-          </a:prstGeom>
-        </p:spPr>
-      </p:pic>
-      <p:pic>
-        <p:nvPicPr>
-          <p:cNvPr id="11" name="Picture 10" descr="NGS-comp.tiff"/>
-          <p:cNvPicPr>
-            <a:picLocks noChangeAspect="1"/>
-          </p:cNvPicPr>
-          <p:nvPr/>
-        </p:nvPicPr>
-        <p:blipFill>
-          <a:blip r:embed="rId3">
-            <a:extLst>
-              <a:ext uri="{28A0092B-C50C-407E-A947-70E740481C1C}">
-                <a14:useLocalDpi xmlns:a14="http://schemas.microsoft.com/office/drawing/2010/main" val="0"/>
-              </a:ext>
-            </a:extLst>
-          </a:blip>
-          <a:stretch>
-            <a:fillRect/>
-          </a:stretch>
-        </p:blipFill>
-        <p:spPr>
-          <a:xfrm>
-            <a:off x="549640" y="2203890"/>
-            <a:ext cx="8280400" cy="2044700"/>
-          </a:xfrm>
-          <a:prstGeom prst="rect">
-            <a:avLst/>
-          </a:prstGeom>
-          <a:effectLst>
-            <a:glow rad="101600">
-              <a:schemeClr val="accent2">
-                <a:satMod val="175000"/>
-                <a:alpha val="40000"/>
-              </a:schemeClr>
-            </a:glow>
-          </a:effectLst>
-        </p:spPr>
-      </p:pic>
-    </p:spTree>
-    <p:extLst>
-      <p:ext uri="{BB962C8B-B14F-4D97-AF65-F5344CB8AC3E}">
-        <p14:creationId xmlns:p14="http://schemas.microsoft.com/office/powerpoint/2010/main" val="490846492"/>
-      </p:ext>
-    </p:extLst>
-  </p:cSld>
-  <p:clrMapOvr>
-    <a:masterClrMapping/>
-  </p:clrMapOvr>
-  <mc:AlternateContent xmlns:mc="http://schemas.openxmlformats.org/markup-compatibility/2006" xmlns:p14="http://schemas.microsoft.com/office/powerpoint/2010/main">
-    <mc:Choice Requires="p14">
-      <p:transition p14:dur="0"/>
-    </mc:Choice>
-    <mc:Fallback xmlns="">
-      <p:transition xmlns:p14="http://schemas.microsoft.com/office/powerpoint/2010/main"/>
-    </mc:Fallback>
-  </mc:AlternateContent>
-  <p:timing>
-    <p:tnLst>
-      <p:par>
-        <p:cTn xmlns:p14="http://schemas.microsoft.com/office/powerpoint/2010/main" id="1" dur="indefinite" restart="never" nodeType="tmRoot">
-          <p:childTnLst>
-            <p:seq concurrent="1" nextAc="seek">
-              <p:cTn id="2" dur="indefinite" nodeType="mainSeq">
-                <p:childTnLst>
-                  <p:par>
-                    <p:cTn id="3" fill="hold">
-                      <p:stCondLst>
-                        <p:cond delay="indefinite"/>
-                      </p:stCondLst>
-                      <p:childTnLst>
-                        <p:par>
-                          <p:cTn id="4" fill="hold">
-                            <p:stCondLst>
-                              <p:cond delay="0"/>
-                            </p:stCondLst>
-                            <p:childTnLst>
-                              <p:par>
-                                <p:cTn id="5" presetID="2" presetClass="entr" presetSubtype="4" fill="hold" nodeType="clickEffect">
-                                  <p:stCondLst>
-                                    <p:cond delay="0"/>
-                                  </p:stCondLst>
-                                  <p:childTnLst>
-                                    <p:set>
-                                      <p:cBhvr>
-                                        <p:cTn id="6" dur="1" fill="hold">
-                                          <p:stCondLst>
-                                            <p:cond delay="0"/>
-                                          </p:stCondLst>
-                                        </p:cTn>
-                                        <p:tgtEl>
-                                          <p:spTgt spid="11"/>
-                                        </p:tgtEl>
-                                        <p:attrNameLst>
-                                          <p:attrName>style.visibility</p:attrName>
-                                        </p:attrNameLst>
-                                      </p:cBhvr>
-                                      <p:to>
-                                        <p:strVal val="visible"/>
-                                      </p:to>
-                                    </p:set>
-                                    <p:anim calcmode="lin" valueType="num">
-                                      <p:cBhvr additive="base">
-                                        <p:cTn id="7" dur="500" fill="hold"/>
-                                        <p:tgtEl>
-                                          <p:spTgt spid="11"/>
-                                        </p:tgtEl>
-                                        <p:attrNameLst>
-                                          <p:attrName>ppt_x</p:attrName>
-                                        </p:attrNameLst>
-                                      </p:cBhvr>
-                                      <p:tavLst>
-                                        <p:tav tm="0">
-                                          <p:val>
-                                            <p:strVal val="#ppt_x"/>
-                                          </p:val>
-                                        </p:tav>
-                                        <p:tav tm="100000">
-                                          <p:val>
-                                            <p:strVal val="#ppt_x"/>
-                                          </p:val>
-                                        </p:tav>
-                                      </p:tavLst>
-                                    </p:anim>
-                                    <p:anim calcmode="lin" valueType="num">
-                                      <p:cBhvr additive="base">
-                                        <p:cTn id="8" dur="500" fill="hold"/>
-                                        <p:tgtEl>
-                                          <p:spTgt spid="11"/>
-                                        </p:tgtEl>
-                                        <p:attrNameLst>
-                                          <p:attrName>ppt_y</p:attrName>
-                                        </p:attrNameLst>
-                                      </p:cBhvr>
-                                      <p:tavLst>
-                                        <p:tav tm="0">
-                                          <p:val>
-                                            <p:strVal val="1+#ppt_h/2"/>
-                                          </p:val>
-                                        </p:tav>
-                                        <p:tav tm="100000">
-                                          <p:val>
-                                            <p:strVal val="#ppt_y"/>
-                                          </p:val>
-                                        </p:tav>
-                                      </p:tavLst>
-                                    </p:anim>
-                                  </p:childTnLst>
-                                </p:cTn>
-                              </p:par>
-                            </p:childTnLst>
-                          </p:cTn>
-                        </p:par>
-                      </p:childTnLst>
-                    </p:cTn>
-                  </p:par>
-                </p:childTnLst>
-              </p:cTn>
-              <p:prevCondLst>
-                <p:cond evt="onPrev" delay="0">
-                  <p:tgtEl>
-                    <p:sldTgt/>
-                  </p:tgtEl>
-                </p:cond>
-              </p:prevCondLst>
-              <p:nextCondLst>
-                <p:cond evt="onNext" delay="0">
-                  <p:tgtEl>
-                    <p:sldTgt/>
-                  </p:tgtEl>
-                </p:cond>
-              </p:nextCondLst>
-            </p:seq>
-          </p:childTnLst>
-        </p:cTn>
-      </p:par>
-    </p:tnLst>
-  </p:timing>
-</p:sld>
-</file>
-
-<file path=ppt/slides/slide30.xml><?xml version="1.0" encoding="utf-8"?>
+<file path=ppt/slides/slide29.xml><?xml version="1.0" encoding="utf-8"?>
 <p:sld xmlns:a="http://schemas.openxmlformats.org/drawingml/2006/main" xmlns:r="http://schemas.openxmlformats.org/officeDocument/2006/relationships" xmlns:p="http://schemas.openxmlformats.org/presentationml/2006/main">
   <p:cSld>
     <p:spTree>
@@ -19816,7 +18210,9 @@
           </a:xfrm>
         </p:spPr>
         <p:txBody>
-          <a:bodyPr/>
+          <a:bodyPr>
+            <a:normAutofit lnSpcReduction="10000"/>
+          </a:bodyPr>
           <a:lstStyle/>
           <a:p>
             <a:pPr eaLnBrk="1" hangingPunct="1">
@@ -19824,7 +18220,7 @@
               <a:buNone/>
             </a:pPr>
             <a:r>
-              <a:rPr lang="en-US" b="1" dirty="0">
+              <a:rPr lang="en-US" sz="2400" b="1" dirty="0">
                 <a:solidFill>
                   <a:srgbClr val="800000"/>
                 </a:solidFill>
@@ -19854,19 +18250,8 @@
               <a:buFont typeface="Arial" charset="0"/>
               <a:buNone/>
             </a:pPr>
-            <a:endParaRPr lang="en-US" sz="2000" dirty="0">
-              <a:latin typeface="Calibri" charset="0"/>
-              <a:ea typeface="ＭＳ Ｐゴシック" charset="0"/>
-              <a:cs typeface="ＭＳ Ｐゴシック" charset="0"/>
-            </a:endParaRPr>
-          </a:p>
-          <a:p>
-            <a:pPr eaLnBrk="1" hangingPunct="1">
-              <a:buFont typeface="Arial" charset="0"/>
-              <a:buNone/>
-            </a:pPr>
-            <a:r>
-              <a:rPr lang="en-US" b="1" dirty="0">
+            <a:r>
+              <a:rPr lang="en-US" sz="2400" b="1" dirty="0" smtClean="0">
                 <a:solidFill>
                   <a:srgbClr val="800000"/>
                 </a:solidFill>
@@ -19874,8 +18259,16 @@
                 <a:ea typeface="ＭＳ Ｐゴシック" charset="0"/>
                 <a:cs typeface="ＭＳ Ｐゴシック" charset="0"/>
               </a:rPr>
-              <a:t>People:</a:t>
-            </a:r>
+              <a:t>People</a:t>
+            </a:r>
+            <a:endParaRPr lang="en-US" sz="2400" b="1" dirty="0">
+              <a:solidFill>
+                <a:srgbClr val="800000"/>
+              </a:solidFill>
+              <a:latin typeface="Calibri" charset="0"/>
+              <a:ea typeface="ＭＳ Ｐゴシック" charset="0"/>
+              <a:cs typeface="ＭＳ Ｐゴシック" charset="0"/>
+            </a:endParaRPr>
           </a:p>
           <a:p>
             <a:pPr eaLnBrk="1" hangingPunct="1">
@@ -20354,13 +18747,87 @@
               <a:t>, Jon </a:t>
             </a:r>
             <a:r>
-              <a:rPr lang="en-US" sz="2000" dirty="0" err="1">
+              <a:rPr lang="en-US" sz="2000" dirty="0" err="1" smtClean="0">
                 <a:latin typeface="Calibri" charset="0"/>
                 <a:ea typeface="ＭＳ Ｐゴシック" charset="0"/>
                 <a:cs typeface="ＭＳ Ｐゴシック" charset="0"/>
               </a:rPr>
               <a:t>Weissman</a:t>
             </a:r>
+            <a:endParaRPr lang="en-US" sz="2000" dirty="0" smtClean="0">
+              <a:latin typeface="Calibri" charset="0"/>
+              <a:ea typeface="ＭＳ Ｐゴシック" charset="0"/>
+              <a:cs typeface="ＭＳ Ｐゴシック" charset="0"/>
+            </a:endParaRPr>
+          </a:p>
+          <a:p>
+            <a:pPr>
+              <a:buNone/>
+            </a:pPr>
+            <a:r>
+              <a:rPr lang="en-US" sz="2400" b="1" dirty="0" smtClean="0">
+                <a:solidFill>
+                  <a:srgbClr val="800000"/>
+                </a:solidFill>
+                <a:latin typeface="Calibri" charset="0"/>
+                <a:ea typeface="ＭＳ Ｐゴシック" charset="0"/>
+                <a:cs typeface="ＭＳ Ｐゴシック" charset="0"/>
+              </a:rPr>
+              <a:t>Support</a:t>
+            </a:r>
+          </a:p>
+          <a:p>
+            <a:pPr>
+              <a:buNone/>
+            </a:pPr>
+            <a:r>
+              <a:rPr lang="en-US" sz="2000" dirty="0" smtClean="0">
+                <a:latin typeface="Calibri" charset="0"/>
+                <a:ea typeface="ＭＳ Ｐゴシック" charset="0"/>
+                <a:cs typeface="ＭＳ Ｐゴシック" charset="0"/>
+              </a:rPr>
+              <a:t>Louisiana Biomedical Research Network (LBRN)</a:t>
+            </a:r>
+            <a:endParaRPr lang="en-US" sz="2000" b="1" dirty="0" smtClean="0">
+              <a:solidFill>
+                <a:srgbClr val="800000"/>
+              </a:solidFill>
+              <a:latin typeface="Calibri" charset="0"/>
+              <a:ea typeface="ＭＳ Ｐゴシック" charset="0"/>
+              <a:cs typeface="ＭＳ Ｐゴシック" charset="0"/>
+            </a:endParaRPr>
+          </a:p>
+          <a:p>
+            <a:pPr>
+              <a:buNone/>
+            </a:pPr>
+            <a:endParaRPr lang="en-US" sz="2000" dirty="0" smtClean="0">
+              <a:solidFill>
+                <a:srgbClr val="000000"/>
+              </a:solidFill>
+              <a:latin typeface="Calibri" charset="0"/>
+              <a:ea typeface="ＭＳ Ｐゴシック" charset="0"/>
+              <a:cs typeface="ＭＳ Ｐゴシック" charset="0"/>
+            </a:endParaRPr>
+          </a:p>
+          <a:p>
+            <a:pPr>
+              <a:buNone/>
+            </a:pPr>
+            <a:endParaRPr lang="en-US" sz="2000" b="1" dirty="0">
+              <a:solidFill>
+                <a:srgbClr val="800000"/>
+              </a:solidFill>
+              <a:latin typeface="Calibri" charset="0"/>
+              <a:ea typeface="ＭＳ Ｐゴシック" charset="0"/>
+              <a:cs typeface="ＭＳ Ｐゴシック" charset="0"/>
+            </a:endParaRPr>
+          </a:p>
+          <a:p>
+            <a:pPr eaLnBrk="1" hangingPunct="1">
+              <a:buFont typeface="Arial" charset="0"/>
+              <a:buNone/>
+            </a:pPr>
             <a:endParaRPr lang="en-US" sz="2000" dirty="0">
               <a:latin typeface="Calibri" charset="0"/>
               <a:ea typeface="ＭＳ Ｐゴシック" charset="0"/>
@@ -20392,7 +18859,7 @@
         </p:blipFill>
         <p:spPr bwMode="auto">
           <a:xfrm>
-            <a:off x="7230232" y="2506053"/>
+            <a:off x="7541382" y="1871053"/>
             <a:ext cx="622300" cy="635000"/>
           </a:xfrm>
           <a:prstGeom prst="rect">
@@ -20443,7 +18910,7 @@
 </p:sld>
 </file>
 
-<file path=ppt/slides/slide4.xml><?xml version="1.0" encoding="utf-8"?>
+<file path=ppt/slides/slide3.xml><?xml version="1.0" encoding="utf-8"?>
 <p:sld xmlns:a="http://schemas.openxmlformats.org/drawingml/2006/main" xmlns:r="http://schemas.openxmlformats.org/officeDocument/2006/relationships" xmlns:p="http://schemas.openxmlformats.org/presentationml/2006/main">
   <p:cSld>
     <p:spTree>
@@ -21012,7 +19479,7 @@
 </p:sld>
 </file>
 
-<file path=ppt/slides/slide5.xml><?xml version="1.0" encoding="utf-8"?>
+<file path=ppt/slides/slide4.xml><?xml version="1.0" encoding="utf-8"?>
 <p:sld xmlns:a="http://schemas.openxmlformats.org/drawingml/2006/main" xmlns:r="http://schemas.openxmlformats.org/officeDocument/2006/relationships" xmlns:p="http://schemas.openxmlformats.org/presentationml/2006/main">
   <p:cSld>
     <p:spTree>
@@ -22635,7 +21102,7 @@
 </p:sld>
 </file>
 
-<file path=ppt/slides/slide6.xml><?xml version="1.0" encoding="utf-8"?>
+<file path=ppt/slides/slide5.xml><?xml version="1.0" encoding="utf-8"?>
 <p:sld xmlns:a="http://schemas.openxmlformats.org/drawingml/2006/main" xmlns:r="http://schemas.openxmlformats.org/officeDocument/2006/relationships" xmlns:p="http://schemas.openxmlformats.org/presentationml/2006/main">
   <p:cSld>
     <p:spTree>
@@ -22820,7 +21287,7 @@
         </p:nvGrpSpPr>
         <p:grpSpPr>
           <a:xfrm>
-            <a:off x="294574" y="2657558"/>
+            <a:off x="279640" y="2397490"/>
             <a:ext cx="8621171" cy="4049203"/>
             <a:chOff x="244281" y="1112832"/>
             <a:chExt cx="8841445" cy="5559611"/>
@@ -24011,7 +22478,7 @@
           </p:nvSpPr>
           <p:spPr>
             <a:xfrm>
-              <a:off x="4136417" y="5928599"/>
+              <a:off x="4136417" y="5838708"/>
               <a:ext cx="2467342" cy="369332"/>
             </a:xfrm>
             <a:prstGeom prst="rect">
@@ -24197,7 +22664,7 @@
 </p:sld>
 </file>
 
-<file path=ppt/slides/slide7.xml><?xml version="1.0" encoding="utf-8"?>
+<file path=ppt/slides/slide6.xml><?xml version="1.0" encoding="utf-8"?>
 <p:sld xmlns:a="http://schemas.openxmlformats.org/drawingml/2006/main" xmlns:r="http://schemas.openxmlformats.org/officeDocument/2006/relationships" xmlns:p="http://schemas.openxmlformats.org/presentationml/2006/main">
   <p:cSld>
     <p:spTree>
@@ -24684,7 +23151,7 @@
 </p:sld>
 </file>
 
-<file path=ppt/slides/slide8.xml><?xml version="1.0" encoding="utf-8"?>
+<file path=ppt/slides/slide7.xml><?xml version="1.0" encoding="utf-8"?>
 <p:sld xmlns:a="http://schemas.openxmlformats.org/drawingml/2006/main" xmlns:r="http://schemas.openxmlformats.org/officeDocument/2006/relationships" xmlns:p="http://schemas.openxmlformats.org/presentationml/2006/main">
   <p:cSld>
     <p:spTree>
@@ -24764,66 +23231,296 @@
         <p:spPr/>
         <p:txBody>
           <a:bodyPr>
-            <a:normAutofit lnSpcReduction="10000"/>
+            <a:normAutofit fontScale="92500" lnSpcReduction="10000"/>
           </a:bodyPr>
           <a:lstStyle/>
           <a:p>
             <a:pPr>
+              <a:buSzPct val="50000"/>
               <a:buFont typeface="Wingdings" charset="2"/>
-              <a:buChar char="§"/>
+              <a:buChar char="q"/>
             </a:pPr>
             <a:r>
-              <a:rPr lang="en-US" dirty="0" smtClean="0"/>
-              <a:t>Unprecedented novel opportunities for life sciences</a:t>
+              <a:rPr lang="en-US" dirty="0" smtClean="0">
+                <a:latin typeface="Arial"/>
+                <a:cs typeface="Arial"/>
+              </a:rPr>
+              <a:t>Unprecedented novel opportunities for life </a:t>
+            </a:r>
+            <a:r>
+              <a:rPr lang="en-US" dirty="0" smtClean="0">
+                <a:latin typeface="Arial"/>
+                <a:cs typeface="Arial"/>
+              </a:rPr>
+              <a:t>sciences</a:t>
             </a:r>
           </a:p>
           <a:p>
             <a:pPr>
+              <a:buSzPct val="50000"/>
               <a:buFont typeface="Wingdings" charset="2"/>
-              <a:buChar char="§"/>
+              <a:buChar char="q"/>
             </a:pPr>
             <a:r>
-              <a:rPr lang="en-US" dirty="0" smtClean="0"/>
-              <a:t>High-throughput DNA sequencing</a:t>
+              <a:rPr lang="en-US" dirty="0" smtClean="0">
+                <a:latin typeface="Arial"/>
+                <a:cs typeface="Arial"/>
+              </a:rPr>
+              <a:t>High</a:t>
+            </a:r>
+            <a:r>
+              <a:rPr lang="en-US" dirty="0" smtClean="0">
+                <a:latin typeface="Arial"/>
+                <a:cs typeface="Arial"/>
+              </a:rPr>
+              <a:t>-throughput DNA </a:t>
+            </a:r>
+            <a:r>
+              <a:rPr lang="en-US" dirty="0" smtClean="0">
+                <a:latin typeface="Arial"/>
+                <a:cs typeface="Arial"/>
+              </a:rPr>
+              <a:t>sequencing</a:t>
             </a:r>
           </a:p>
           <a:p>
             <a:pPr>
+              <a:buSzPct val="50000"/>
               <a:buFont typeface="Wingdings" charset="2"/>
-              <a:buChar char="§"/>
+              <a:buChar char="q"/>
             </a:pPr>
             <a:r>
-              <a:rPr lang="en-US" dirty="0" smtClean="0"/>
-              <a:t>Significant roles of computation (algorithm, methods, implementation, and infrastructure)</a:t>
+              <a:rPr lang="en-US" dirty="0" smtClean="0">
+                <a:latin typeface="Arial"/>
+                <a:cs typeface="Arial"/>
+              </a:rPr>
+              <a:t>Significant </a:t>
+            </a:r>
+            <a:r>
+              <a:rPr lang="en-US" dirty="0" smtClean="0">
+                <a:latin typeface="Arial"/>
+                <a:cs typeface="Arial"/>
+              </a:rPr>
+              <a:t>roles of computation (algorithm, methods, implementation, and infrastructure</a:t>
+            </a:r>
+            <a:r>
+              <a:rPr lang="en-US" dirty="0" smtClean="0">
+                <a:latin typeface="Arial"/>
+                <a:cs typeface="Arial"/>
+              </a:rPr>
+              <a:t>)</a:t>
             </a:r>
           </a:p>
           <a:p>
             <a:pPr>
+              <a:buSzPct val="50000"/>
               <a:buFont typeface="Wingdings" charset="2"/>
-              <a:buChar char="§"/>
+              <a:buChar char="q"/>
             </a:pPr>
             <a:r>
-              <a:rPr lang="en-US" dirty="0" smtClean="0"/>
-              <a:t>Data-intensive computation</a:t>
+              <a:rPr lang="en-US" dirty="0" smtClean="0">
+                <a:latin typeface="Arial"/>
+                <a:cs typeface="Arial"/>
+              </a:rPr>
+              <a:t>Data</a:t>
+            </a:r>
+            <a:r>
+              <a:rPr lang="en-US" dirty="0" smtClean="0">
+                <a:latin typeface="Arial"/>
+                <a:cs typeface="Arial"/>
+              </a:rPr>
+              <a:t>-intensive </a:t>
+            </a:r>
+            <a:r>
+              <a:rPr lang="en-US" dirty="0" smtClean="0">
+                <a:latin typeface="Arial"/>
+                <a:cs typeface="Arial"/>
+              </a:rPr>
+              <a:t>computation</a:t>
             </a:r>
           </a:p>
           <a:p>
             <a:pPr>
+              <a:buSzPct val="50000"/>
               <a:buFont typeface="Wingdings" charset="2"/>
-              <a:buChar char="§"/>
+              <a:buChar char="q"/>
             </a:pPr>
             <a:r>
-              <a:rPr lang="en-US" dirty="0" smtClean="0"/>
-              <a:t>Driving paradigm shift in computational biology touting the importance of distributed parallel execution </a:t>
-            </a:r>
-            <a:endParaRPr lang="en-US" dirty="0"/>
+              <a:rPr lang="en-US" dirty="0" smtClean="0">
+                <a:latin typeface="Arial"/>
+                <a:cs typeface="Arial"/>
+              </a:rPr>
+              <a:t>Driving </a:t>
+            </a:r>
+            <a:r>
+              <a:rPr lang="en-US" dirty="0" smtClean="0">
+                <a:latin typeface="Arial"/>
+                <a:cs typeface="Arial"/>
+              </a:rPr>
+              <a:t>paradigm shift in computational biology touting the importance of distributed parallel execution </a:t>
+            </a:r>
+            <a:endParaRPr lang="en-US" dirty="0">
+              <a:latin typeface="Arial"/>
+              <a:cs typeface="Arial"/>
+            </a:endParaRPr>
           </a:p>
         </p:txBody>
       </p:sp>
     </p:spTree>
     <p:extLst>
       <p:ext uri="{BB962C8B-B14F-4D97-AF65-F5344CB8AC3E}">
-        <p14:creationId xmlns:p14="http://schemas.microsoft.com/office/powerpoint/2010/main" val="157410957"/>
+        <p14:creationId xmlns:p14="http://schemas.microsoft.com/office/powerpoint/2010/main" val="1241724308"/>
+      </p:ext>
+    </p:extLst>
+  </p:cSld>
+  <p:clrMapOvr>
+    <a:masterClrMapping/>
+  </p:clrMapOvr>
+  <p:timing>
+    <p:tnLst>
+      <p:par>
+        <p:cTn xmlns:p14="http://schemas.microsoft.com/office/powerpoint/2010/main" id="1" dur="indefinite" restart="never" nodeType="tmRoot"/>
+      </p:par>
+    </p:tnLst>
+  </p:timing>
+</p:sld>
+</file>
+
+<file path=ppt/slides/slide8.xml><?xml version="1.0" encoding="utf-8"?>
+<p:sld xmlns:a="http://schemas.openxmlformats.org/drawingml/2006/main" xmlns:r="http://schemas.openxmlformats.org/officeDocument/2006/relationships" xmlns:p="http://schemas.openxmlformats.org/presentationml/2006/main">
+  <p:cSld>
+    <p:spTree>
+      <p:nvGrpSpPr>
+        <p:cNvPr id="1" name=""/>
+        <p:cNvGrpSpPr/>
+        <p:nvPr/>
+      </p:nvGrpSpPr>
+      <p:grpSpPr>
+        <a:xfrm>
+          <a:off x="0" y="0"/>
+          <a:ext cx="0" cy="0"/>
+          <a:chOff x="0" y="0"/>
+          <a:chExt cx="0" cy="0"/>
+        </a:xfrm>
+      </p:grpSpPr>
+      <p:sp>
+        <p:nvSpPr>
+          <p:cNvPr id="3" name="Content Placeholder 2"/>
+          <p:cNvSpPr>
+            <a:spLocks noGrp="1"/>
+          </p:cNvSpPr>
+          <p:nvPr>
+            <p:ph idx="1"/>
+          </p:nvPr>
+        </p:nvSpPr>
+        <p:spPr/>
+        <p:txBody>
+          <a:bodyPr>
+            <a:normAutofit fontScale="92500"/>
+          </a:bodyPr>
+          <a:lstStyle/>
+          <a:p>
+            <a:pPr>
+              <a:buSzPct val="60000"/>
+              <a:buFont typeface="Wingdings" charset="2"/>
+              <a:buChar char=""/>
+            </a:pPr>
+            <a:r>
+              <a:rPr lang="en-US" dirty="0" smtClean="0"/>
+              <a:t>Motivations and challenges </a:t>
+            </a:r>
+            <a:endParaRPr lang="en-US" dirty="0"/>
+          </a:p>
+          <a:p>
+            <a:pPr>
+              <a:buSzPct val="60000"/>
+              <a:buFont typeface="Courier New"/>
+              <a:buChar char="o"/>
+            </a:pPr>
+            <a:r>
+              <a:rPr lang="en-US" dirty="0" smtClean="0"/>
+              <a:t>Distributed </a:t>
+            </a:r>
+            <a:r>
+              <a:rPr lang="en-US" dirty="0" smtClean="0"/>
+              <a:t>computing approach with efficiency in Time-To-Solution (TTS) and resource (Data/Compute</a:t>
+            </a:r>
+            <a:r>
+              <a:rPr lang="en-US" dirty="0"/>
+              <a:t>) utilization </a:t>
+            </a:r>
+            <a:r>
+              <a:rPr lang="en-US" dirty="0" smtClean="0"/>
+              <a:t>by balancing </a:t>
+            </a:r>
+            <a:r>
+              <a:rPr lang="en-US" dirty="0"/>
+              <a:t>between scale-up and scale-</a:t>
+            </a:r>
+            <a:r>
+              <a:rPr lang="en-US" dirty="0" smtClean="0"/>
+              <a:t>out</a:t>
+            </a:r>
+          </a:p>
+          <a:p>
+            <a:pPr>
+              <a:buSzPct val="60000"/>
+              <a:buFont typeface="Courier New"/>
+              <a:buChar char="o"/>
+            </a:pPr>
+            <a:r>
+              <a:rPr lang="en-US" dirty="0" smtClean="0"/>
+              <a:t>Developing </a:t>
+            </a:r>
+            <a:r>
+              <a:rPr lang="en-US" dirty="0" smtClean="0"/>
+              <a:t>extensible, agile, application-neutral, 	primarily data-intensive computing-friendly 	runtime environment : Distributed Adaptive 	Runtime Environment (DARE) Framework</a:t>
+            </a:r>
+          </a:p>
+          <a:p>
+            <a:pPr>
+              <a:buFontTx/>
+              <a:buChar char="-"/>
+            </a:pPr>
+            <a:endParaRPr lang="en-US" dirty="0" smtClean="0"/>
+          </a:p>
+          <a:p>
+            <a:pPr>
+              <a:buFontTx/>
+              <a:buChar char="-"/>
+            </a:pPr>
+            <a:endParaRPr lang="en-US" dirty="0"/>
+          </a:p>
+        </p:txBody>
+      </p:sp>
+      <p:sp>
+        <p:nvSpPr>
+          <p:cNvPr id="4" name="Title 3"/>
+          <p:cNvSpPr>
+            <a:spLocks noGrp="1"/>
+          </p:cNvSpPr>
+          <p:nvPr>
+            <p:ph type="title"/>
+          </p:nvPr>
+        </p:nvSpPr>
+        <p:spPr/>
+        <p:txBody>
+          <a:bodyPr>
+            <a:normAutofit fontScale="90000"/>
+          </a:bodyPr>
+          <a:lstStyle/>
+          <a:p>
+            <a:r>
+              <a:rPr lang="en-US" dirty="0"/>
+              <a:t>NGS Data Analytics on Distributed Resources</a:t>
+            </a:r>
+          </a:p>
+        </p:txBody>
+      </p:sp>
+    </p:spTree>
+    <p:extLst>
+      <p:ext uri="{BB962C8B-B14F-4D97-AF65-F5344CB8AC3E}">
+        <p14:creationId xmlns:p14="http://schemas.microsoft.com/office/powerpoint/2010/main" val="210344011"/>
       </p:ext>
     </p:extLst>
   </p:cSld>
@@ -24857,87 +23554,911 @@
           <a:chExt cx="0" cy="0"/>
         </a:xfrm>
       </p:grpSpPr>
+      <p:graphicFrame>
+        <p:nvGraphicFramePr>
+          <p:cNvPr id="7" name="Table 6"/>
+          <p:cNvGraphicFramePr>
+            <a:graphicFrameLocks noGrp="1"/>
+          </p:cNvGraphicFramePr>
+          <p:nvPr>
+            <p:extLst>
+              <p:ext uri="{D42A27DB-BD31-4B8C-83A1-F6EECF244321}">
+                <p14:modId xmlns:p14="http://schemas.microsoft.com/office/powerpoint/2010/main" val="256595924"/>
+              </p:ext>
+            </p:extLst>
+          </p:nvPr>
+        </p:nvGraphicFramePr>
+        <p:xfrm>
+          <a:off x="194458" y="2141351"/>
+          <a:ext cx="5042843" cy="2403628"/>
+        </p:xfrm>
+        <a:graphic>
+          <a:graphicData uri="http://schemas.openxmlformats.org/drawingml/2006/table">
+            <a:tbl>
+              <a:tblPr firstRow="1" bandRow="1">
+                <a:tableStyleId>{EB344D84-9AFB-497E-A393-DC336BA19D2E}</a:tableStyleId>
+              </a:tblPr>
+              <a:tblGrid>
+                <a:gridCol w="856931"/>
+                <a:gridCol w="938223"/>
+                <a:gridCol w="770682"/>
+                <a:gridCol w="725498"/>
+                <a:gridCol w="725498"/>
+                <a:gridCol w="1026011"/>
+              </a:tblGrid>
+              <a:tr h="971069">
+                <a:tc>
+                  <a:txBody>
+                    <a:bodyPr/>
+                    <a:lstStyle/>
+                    <a:p>
+                      <a:pPr algn="ctr"/>
+                      <a:endParaRPr lang="en-US" sz="1400" dirty="0"/>
+                    </a:p>
+                  </a:txBody>
+                  <a:tcPr anchor="ctr"/>
+                </a:tc>
+                <a:tc>
+                  <a:txBody>
+                    <a:bodyPr/>
+                    <a:lstStyle/>
+                    <a:p>
+                      <a:pPr algn="ctr"/>
+                      <a:r>
+                        <a:rPr lang="en-US" sz="1400" baseline="0" dirty="0" smtClean="0"/>
+                        <a:t>Compute </a:t>
+                      </a:r>
+                      <a:r>
+                        <a:rPr lang="en-US" sz="1400" baseline="0" dirty="0" smtClean="0"/>
+                        <a:t>System</a:t>
+                      </a:r>
+                      <a:endParaRPr lang="en-US" sz="1400" dirty="0"/>
+                    </a:p>
+                  </a:txBody>
+                  <a:tcPr anchor="ctr"/>
+                </a:tc>
+                <a:tc>
+                  <a:txBody>
+                    <a:bodyPr/>
+                    <a:lstStyle/>
+                    <a:p>
+                      <a:pPr algn="ctr"/>
+                      <a:r>
+                        <a:rPr lang="en-US" sz="1400" dirty="0" smtClean="0"/>
+                        <a:t># of cores</a:t>
+                      </a:r>
+                      <a:endParaRPr lang="en-US" sz="1400" dirty="0"/>
+                    </a:p>
+                  </a:txBody>
+                  <a:tcPr anchor="ctr"/>
+                </a:tc>
+                <a:tc>
+                  <a:txBody>
+                    <a:bodyPr/>
+                    <a:lstStyle/>
+                    <a:p>
+                      <a:pPr algn="ctr"/>
+                      <a:r>
+                        <a:rPr lang="en-US" sz="1400" dirty="0" smtClean="0"/>
+                        <a:t># of tasks</a:t>
+                      </a:r>
+                      <a:endParaRPr lang="en-US" sz="1400" dirty="0"/>
+                    </a:p>
+                  </a:txBody>
+                  <a:tcPr anchor="ctr"/>
+                </a:tc>
+                <a:tc>
+                  <a:txBody>
+                    <a:bodyPr/>
+                    <a:lstStyle/>
+                    <a:p>
+                      <a:pPr algn="ctr"/>
+                      <a:r>
+                        <a:rPr lang="en-US" sz="1400" dirty="0" smtClean="0"/>
+                        <a:t>Task Concurrency</a:t>
+                      </a:r>
+                      <a:endParaRPr lang="en-US" sz="1400" dirty="0"/>
+                    </a:p>
+                  </a:txBody>
+                  <a:tcPr anchor="ctr"/>
+                </a:tc>
+                <a:tc>
+                  <a:txBody>
+                    <a:bodyPr/>
+                    <a:lstStyle/>
+                    <a:p>
+                      <a:pPr algn="ctr"/>
+                      <a:r>
+                        <a:rPr lang="en-US" sz="1400" dirty="0" smtClean="0"/>
+                        <a:t>Bfast</a:t>
+                      </a:r>
+                      <a:r>
+                        <a:rPr lang="en-US" sz="1400" baseline="0" dirty="0" smtClean="0"/>
+                        <a:t> (mapping)</a:t>
+                      </a:r>
+                      <a:endParaRPr lang="en-US" sz="1400" dirty="0"/>
+                    </a:p>
+                  </a:txBody>
+                  <a:tcPr anchor="ctr"/>
+                </a:tc>
+              </a:tr>
+              <a:tr h="242420">
+                <a:tc>
+                  <a:txBody>
+                    <a:bodyPr/>
+                    <a:lstStyle/>
+                    <a:p>
+                      <a:pPr algn="ctr"/>
+                      <a:endParaRPr lang="en-US" sz="1400" dirty="0"/>
+                    </a:p>
+                  </a:txBody>
+                  <a:tcPr anchor="ctr"/>
+                </a:tc>
+                <a:tc>
+                  <a:txBody>
+                    <a:bodyPr/>
+                    <a:lstStyle/>
+                    <a:p>
+                      <a:pPr algn="ctr"/>
+                      <a:r>
+                        <a:rPr lang="en-US" sz="1400" dirty="0" smtClean="0"/>
+                        <a:t>Workstation</a:t>
+                      </a:r>
+                      <a:endParaRPr lang="en-US" sz="1400" dirty="0"/>
+                    </a:p>
+                  </a:txBody>
+                  <a:tcPr anchor="ctr"/>
+                </a:tc>
+                <a:tc>
+                  <a:txBody>
+                    <a:bodyPr/>
+                    <a:lstStyle/>
+                    <a:p>
+                      <a:pPr algn="ctr"/>
+                      <a:r>
+                        <a:rPr lang="en-US" sz="1400" dirty="0" smtClean="0"/>
+                        <a:t>4</a:t>
+                      </a:r>
+                      <a:endParaRPr lang="en-US" sz="1400" dirty="0"/>
+                    </a:p>
+                  </a:txBody>
+                  <a:tcPr anchor="ctr"/>
+                </a:tc>
+                <a:tc>
+                  <a:txBody>
+                    <a:bodyPr/>
+                    <a:lstStyle/>
+                    <a:p>
+                      <a:pPr algn="ctr"/>
+                      <a:r>
+                        <a:rPr lang="en-US" sz="1400" dirty="0" smtClean="0"/>
+                        <a:t>8</a:t>
+                      </a:r>
+                      <a:endParaRPr lang="en-US" sz="1400" dirty="0"/>
+                    </a:p>
+                  </a:txBody>
+                  <a:tcPr anchor="ctr"/>
+                </a:tc>
+                <a:tc>
+                  <a:txBody>
+                    <a:bodyPr/>
+                    <a:lstStyle/>
+                    <a:p>
+                      <a:pPr algn="ctr"/>
+                      <a:r>
+                        <a:rPr lang="en-US" sz="1400" dirty="0" smtClean="0"/>
+                        <a:t>No</a:t>
+                      </a:r>
+                      <a:endParaRPr lang="en-US" sz="1400" dirty="0"/>
+                    </a:p>
+                  </a:txBody>
+                  <a:tcPr anchor="ctr"/>
+                </a:tc>
+                <a:tc>
+                  <a:txBody>
+                    <a:bodyPr/>
+                    <a:lstStyle/>
+                    <a:p>
+                      <a:pPr algn="ctr"/>
+                      <a:r>
+                        <a:rPr lang="en-US" sz="1400" dirty="0" smtClean="0"/>
+                        <a:t>≈18 h</a:t>
+                      </a:r>
+                      <a:endParaRPr lang="en-US" sz="1400" dirty="0"/>
+                    </a:p>
+                  </a:txBody>
+                  <a:tcPr anchor="ctr"/>
+                </a:tc>
+              </a:tr>
+              <a:tr h="242420">
+                <a:tc rowSpan="3">
+                  <a:txBody>
+                    <a:bodyPr/>
+                    <a:lstStyle/>
+                    <a:p>
+                      <a:pPr algn="ctr"/>
+                      <a:r>
+                        <a:rPr lang="en-US" sz="1400" dirty="0" smtClean="0"/>
+                        <a:t>DARE-NGS</a:t>
+                      </a:r>
+                    </a:p>
+                    <a:p>
+                      <a:pPr algn="ctr"/>
+                      <a:endParaRPr lang="en-US" sz="1400" dirty="0"/>
+                    </a:p>
+                  </a:txBody>
+                  <a:tcPr anchor="ctr"/>
+                </a:tc>
+                <a:tc>
+                  <a:txBody>
+                    <a:bodyPr/>
+                    <a:lstStyle/>
+                    <a:p>
+                      <a:pPr algn="ctr"/>
+                      <a:r>
+                        <a:rPr lang="en-US" sz="1400" dirty="0" smtClean="0"/>
+                        <a:t>Ranger</a:t>
+                      </a:r>
+                      <a:endParaRPr lang="en-US" sz="1400" dirty="0"/>
+                    </a:p>
+                  </a:txBody>
+                  <a:tcPr anchor="ctr"/>
+                </a:tc>
+                <a:tc>
+                  <a:txBody>
+                    <a:bodyPr/>
+                    <a:lstStyle/>
+                    <a:p>
+                      <a:pPr algn="ctr"/>
+                      <a:r>
+                        <a:rPr lang="en-US" sz="1400" dirty="0" smtClean="0"/>
+                        <a:t>64</a:t>
+                      </a:r>
+                      <a:endParaRPr lang="en-US" sz="1400" dirty="0"/>
+                    </a:p>
+                  </a:txBody>
+                  <a:tcPr anchor="ctr"/>
+                </a:tc>
+                <a:tc>
+                  <a:txBody>
+                    <a:bodyPr/>
+                    <a:lstStyle/>
+                    <a:p>
+                      <a:pPr algn="ctr"/>
+                      <a:r>
+                        <a:rPr lang="en-US" sz="1400" dirty="0" smtClean="0"/>
+                        <a:t>4</a:t>
+                      </a:r>
+                      <a:endParaRPr lang="en-US" sz="1400" dirty="0"/>
+                    </a:p>
+                  </a:txBody>
+                  <a:tcPr anchor="ctr"/>
+                </a:tc>
+                <a:tc>
+                  <a:txBody>
+                    <a:bodyPr/>
+                    <a:lstStyle/>
+                    <a:p>
+                      <a:pPr algn="ctr"/>
+                      <a:r>
+                        <a:rPr lang="en-US" sz="1400" dirty="0" smtClean="0"/>
+                        <a:t>Yes</a:t>
+                      </a:r>
+                      <a:endParaRPr lang="en-US" sz="1400" dirty="0"/>
+                    </a:p>
+                  </a:txBody>
+                  <a:tcPr anchor="ctr"/>
+                </a:tc>
+                <a:tc>
+                  <a:txBody>
+                    <a:bodyPr/>
+                    <a:lstStyle/>
+                    <a:p>
+                      <a:pPr algn="ctr"/>
+                      <a:r>
+                        <a:rPr lang="en-US" sz="1400" baseline="0" dirty="0" smtClean="0"/>
+                        <a:t>6.5 h</a:t>
+                      </a:r>
+                      <a:endParaRPr lang="en-US" sz="1400" dirty="0"/>
+                    </a:p>
+                  </a:txBody>
+                  <a:tcPr anchor="ctr"/>
+                </a:tc>
+              </a:tr>
+              <a:tr h="242420">
+                <a:tc vMerge="1">
+                  <a:txBody>
+                    <a:bodyPr/>
+                    <a:lstStyle/>
+                    <a:p>
+                      <a:pPr algn="ctr"/>
+                      <a:endParaRPr lang="en-US" dirty="0"/>
+                    </a:p>
+                  </a:txBody>
+                  <a:tcPr anchor="ctr"/>
+                </a:tc>
+                <a:tc>
+                  <a:txBody>
+                    <a:bodyPr/>
+                    <a:lstStyle/>
+                    <a:p>
+                      <a:pPr algn="ctr"/>
+                      <a:r>
+                        <a:rPr lang="en-US" sz="1400" dirty="0" smtClean="0"/>
+                        <a:t>Ranger</a:t>
+                      </a:r>
+                      <a:endParaRPr lang="en-US" sz="1400" dirty="0"/>
+                    </a:p>
+                  </a:txBody>
+                  <a:tcPr anchor="ctr"/>
+                </a:tc>
+                <a:tc>
+                  <a:txBody>
+                    <a:bodyPr/>
+                    <a:lstStyle/>
+                    <a:p>
+                      <a:pPr algn="ctr"/>
+                      <a:r>
+                        <a:rPr lang="en-US" sz="1400" dirty="0" smtClean="0"/>
+                        <a:t>128</a:t>
+                      </a:r>
+                      <a:endParaRPr lang="en-US" sz="1400" dirty="0"/>
+                    </a:p>
+                  </a:txBody>
+                  <a:tcPr anchor="ctr"/>
+                </a:tc>
+                <a:tc>
+                  <a:txBody>
+                    <a:bodyPr/>
+                    <a:lstStyle/>
+                    <a:p>
+                      <a:pPr algn="ctr"/>
+                      <a:r>
+                        <a:rPr lang="en-US" sz="1400" dirty="0" smtClean="0"/>
+                        <a:t>8</a:t>
+                      </a:r>
+                      <a:endParaRPr lang="en-US" sz="1400" dirty="0"/>
+                    </a:p>
+                  </a:txBody>
+                  <a:tcPr anchor="ctr"/>
+                </a:tc>
+                <a:tc>
+                  <a:txBody>
+                    <a:bodyPr/>
+                    <a:lstStyle/>
+                    <a:p>
+                      <a:pPr algn="ctr"/>
+                      <a:r>
+                        <a:rPr lang="en-US" sz="1400" dirty="0" smtClean="0"/>
+                        <a:t>Yes</a:t>
+                      </a:r>
+                      <a:endParaRPr lang="en-US" sz="1400" dirty="0"/>
+                    </a:p>
+                  </a:txBody>
+                  <a:tcPr anchor="ctr"/>
+                </a:tc>
+                <a:tc>
+                  <a:txBody>
+                    <a:bodyPr/>
+                    <a:lstStyle/>
+                    <a:p>
+                      <a:pPr algn="ctr"/>
+                      <a:r>
+                        <a:rPr lang="en-US" sz="1400" dirty="0" smtClean="0"/>
+                        <a:t>3.4 h</a:t>
+                      </a:r>
+                      <a:endParaRPr lang="en-US" sz="1400" dirty="0"/>
+                    </a:p>
+                  </a:txBody>
+                  <a:tcPr anchor="ctr"/>
+                </a:tc>
+              </a:tr>
+              <a:tr h="242420">
+                <a:tc vMerge="1">
+                  <a:txBody>
+                    <a:bodyPr/>
+                    <a:lstStyle/>
+                    <a:p>
+                      <a:pPr algn="ctr"/>
+                      <a:endParaRPr lang="en-US" dirty="0"/>
+                    </a:p>
+                  </a:txBody>
+                  <a:tcPr anchor="ctr"/>
+                </a:tc>
+                <a:tc>
+                  <a:txBody>
+                    <a:bodyPr/>
+                    <a:lstStyle/>
+                    <a:p>
+                      <a:pPr algn="ctr"/>
+                      <a:r>
+                        <a:rPr lang="en-US" sz="1400" dirty="0" smtClean="0"/>
+                        <a:t>Ranger</a:t>
+                      </a:r>
+                      <a:endParaRPr lang="en-US" sz="1400" dirty="0"/>
+                    </a:p>
+                  </a:txBody>
+                  <a:tcPr anchor="ctr"/>
+                </a:tc>
+                <a:tc>
+                  <a:txBody>
+                    <a:bodyPr/>
+                    <a:lstStyle/>
+                    <a:p>
+                      <a:pPr algn="ctr"/>
+                      <a:r>
+                        <a:rPr lang="en-US" sz="1400" dirty="0" smtClean="0"/>
+                        <a:t>256</a:t>
+                      </a:r>
+                      <a:endParaRPr lang="en-US" sz="1400" dirty="0"/>
+                    </a:p>
+                  </a:txBody>
+                  <a:tcPr anchor="ctr"/>
+                </a:tc>
+                <a:tc>
+                  <a:txBody>
+                    <a:bodyPr/>
+                    <a:lstStyle/>
+                    <a:p>
+                      <a:pPr algn="ctr"/>
+                      <a:r>
+                        <a:rPr lang="en-US" sz="1400" dirty="0" smtClean="0"/>
+                        <a:t>16</a:t>
+                      </a:r>
+                      <a:endParaRPr lang="en-US" sz="1400" dirty="0"/>
+                    </a:p>
+                  </a:txBody>
+                  <a:tcPr anchor="ctr"/>
+                </a:tc>
+                <a:tc>
+                  <a:txBody>
+                    <a:bodyPr/>
+                    <a:lstStyle/>
+                    <a:p>
+                      <a:pPr algn="ctr"/>
+                      <a:r>
+                        <a:rPr lang="en-US" sz="1400" dirty="0" smtClean="0"/>
+                        <a:t>Yes</a:t>
+                      </a:r>
+                      <a:endParaRPr lang="en-US" sz="1400" dirty="0"/>
+                    </a:p>
+                  </a:txBody>
+                  <a:tcPr anchor="ctr"/>
+                </a:tc>
+                <a:tc>
+                  <a:txBody>
+                    <a:bodyPr/>
+                    <a:lstStyle/>
+                    <a:p>
+                      <a:pPr algn="ctr"/>
+                      <a:r>
+                        <a:rPr lang="en-US" sz="1400" dirty="0" smtClean="0"/>
+                        <a:t>1.95</a:t>
+                      </a:r>
+                      <a:r>
+                        <a:rPr lang="en-US" sz="1400" baseline="0" dirty="0" smtClean="0"/>
+                        <a:t> h</a:t>
+                      </a:r>
+                      <a:endParaRPr lang="en-US" sz="1400" dirty="0"/>
+                    </a:p>
+                  </a:txBody>
+                  <a:tcPr anchor="ctr"/>
+                </a:tc>
+              </a:tr>
+            </a:tbl>
+          </a:graphicData>
+        </a:graphic>
+      </p:graphicFrame>
       <p:sp>
         <p:nvSpPr>
-          <p:cNvPr id="3" name="Content Placeholder 2"/>
-          <p:cNvSpPr>
-            <a:spLocks noGrp="1"/>
-          </p:cNvSpPr>
-          <p:nvPr>
-            <p:ph idx="1"/>
-          </p:nvPr>
+          <p:cNvPr id="14" name="TextBox 13"/>
+          <p:cNvSpPr txBox="1"/>
+          <p:nvPr/>
         </p:nvSpPr>
-        <p:spPr/>
+        <p:spPr>
+          <a:xfrm>
+            <a:off x="3291761" y="1582158"/>
+            <a:ext cx="2770565" cy="369332"/>
+          </a:xfrm>
+          <a:prstGeom prst="rect">
+            <a:avLst/>
+          </a:prstGeom>
+        </p:spPr>
+        <p:style>
+          <a:lnRef idx="2">
+            <a:schemeClr val="dk1"/>
+          </a:lnRef>
+          <a:fillRef idx="1">
+            <a:schemeClr val="lt1"/>
+          </a:fillRef>
+          <a:effectRef idx="0">
+            <a:schemeClr val="dk1"/>
+          </a:effectRef>
+          <a:fontRef idx="minor">
+            <a:schemeClr val="dk1"/>
+          </a:fontRef>
+        </p:style>
         <p:txBody>
-          <a:bodyPr>
-            <a:normAutofit fontScale="92500"/>
+          <a:bodyPr wrap="square" rtlCol="0">
+            <a:spAutoFit/>
           </a:bodyPr>
           <a:lstStyle/>
           <a:p>
-            <a:pPr>
-              <a:buFont typeface="Wingdings" charset="2"/>
-              <a:buChar char="§"/>
+            <a:r>
+              <a:rPr lang="en-US" dirty="0" smtClean="0"/>
+              <a:t>Performance with scale out</a:t>
+            </a:r>
+            <a:endParaRPr lang="en-US" dirty="0"/>
+          </a:p>
+        </p:txBody>
+      </p:sp>
+      <p:graphicFrame>
+        <p:nvGraphicFramePr>
+          <p:cNvPr id="15" name="Table 14"/>
+          <p:cNvGraphicFramePr>
+            <a:graphicFrameLocks noGrp="1"/>
+          </p:cNvGraphicFramePr>
+          <p:nvPr>
+            <p:extLst>
+              <p:ext uri="{D42A27DB-BD31-4B8C-83A1-F6EECF244321}">
+                <p14:modId xmlns:p14="http://schemas.microsoft.com/office/powerpoint/2010/main" val="4067297725"/>
+              </p:ext>
+            </p:extLst>
+          </p:nvPr>
+        </p:nvGraphicFramePr>
+        <p:xfrm>
+          <a:off x="5381326" y="2141351"/>
+          <a:ext cx="3631740" cy="1617877"/>
+        </p:xfrm>
+        <a:graphic>
+          <a:graphicData uri="http://schemas.openxmlformats.org/drawingml/2006/table">
+            <a:tbl>
+              <a:tblPr firstRow="1" bandRow="1">
+                <a:tableStyleId>{EB344D84-9AFB-497E-A393-DC336BA19D2E}</a:tableStyleId>
+              </a:tblPr>
+              <a:tblGrid>
+                <a:gridCol w="707036"/>
+                <a:gridCol w="952872"/>
+                <a:gridCol w="814717"/>
+                <a:gridCol w="1157115"/>
+              </a:tblGrid>
+              <a:tr h="703478">
+                <a:tc>
+                  <a:txBody>
+                    <a:bodyPr/>
+                    <a:lstStyle/>
+                    <a:p>
+                      <a:pPr algn="ctr"/>
+                      <a:r>
+                        <a:rPr lang="en-US" sz="1400" dirty="0" smtClean="0"/>
+                        <a:t>Case</a:t>
+                      </a:r>
+                      <a:endParaRPr lang="en-US" sz="1400" dirty="0"/>
+                    </a:p>
+                  </a:txBody>
+                  <a:tcPr anchor="ctr"/>
+                </a:tc>
+                <a:tc>
+                  <a:txBody>
+                    <a:bodyPr/>
+                    <a:lstStyle/>
+                    <a:p>
+                      <a:pPr algn="ctr"/>
+                      <a:r>
+                        <a:rPr lang="en-US" sz="1400" dirty="0" smtClean="0"/>
+                        <a:t>HPC System</a:t>
+                      </a:r>
+                      <a:endParaRPr lang="en-US" sz="1400" dirty="0"/>
+                    </a:p>
+                  </a:txBody>
+                  <a:tcPr anchor="ctr"/>
+                </a:tc>
+                <a:tc>
+                  <a:txBody>
+                    <a:bodyPr/>
+                    <a:lstStyle/>
+                    <a:p>
+                      <a:pPr algn="ctr"/>
+                      <a:r>
+                        <a:rPr lang="en-US" sz="1400" dirty="0" smtClean="0"/>
+                        <a:t>#</a:t>
+                      </a:r>
+                      <a:r>
+                        <a:rPr lang="en-US" sz="1400" baseline="0" dirty="0" smtClean="0"/>
+                        <a:t> of cores</a:t>
+                      </a:r>
+                      <a:endParaRPr lang="en-US" sz="1400" dirty="0"/>
+                    </a:p>
+                  </a:txBody>
+                  <a:tcPr anchor="ctr"/>
+                </a:tc>
+                <a:tc>
+                  <a:txBody>
+                    <a:bodyPr/>
+                    <a:lstStyle/>
+                    <a:p>
+                      <a:pPr algn="ctr"/>
+                      <a:r>
+                        <a:rPr lang="en-US" sz="1400" dirty="0" smtClean="0"/>
+                        <a:t>Bfast</a:t>
+                      </a:r>
+                      <a:r>
+                        <a:rPr lang="en-US" sz="1400" baseline="0" dirty="0" smtClean="0"/>
+                        <a:t> (mapping)</a:t>
+                      </a:r>
+                      <a:endParaRPr lang="en-US" sz="1400" dirty="0"/>
+                    </a:p>
+                  </a:txBody>
+                  <a:tcPr anchor="ctr"/>
+                </a:tc>
+              </a:tr>
+              <a:tr h="242420">
+                <a:tc>
+                  <a:txBody>
+                    <a:bodyPr/>
+                    <a:lstStyle/>
+                    <a:p>
+                      <a:pPr algn="ctr"/>
+                      <a:r>
+                        <a:rPr lang="en-US" sz="1400" dirty="0" smtClean="0"/>
+                        <a:t>I</a:t>
+                      </a:r>
+                      <a:endParaRPr lang="en-US" sz="1400" dirty="0"/>
+                    </a:p>
+                  </a:txBody>
+                  <a:tcPr anchor="ctr"/>
+                </a:tc>
+                <a:tc>
+                  <a:txBody>
+                    <a:bodyPr/>
+                    <a:lstStyle/>
+                    <a:p>
+                      <a:pPr algn="ctr"/>
+                      <a:r>
+                        <a:rPr lang="en-US" sz="1400" dirty="0" smtClean="0"/>
+                        <a:t>QB</a:t>
+                      </a:r>
+                      <a:endParaRPr lang="en-US" sz="1400" dirty="0"/>
+                    </a:p>
+                  </a:txBody>
+                  <a:tcPr anchor="ctr"/>
+                </a:tc>
+                <a:tc>
+                  <a:txBody>
+                    <a:bodyPr/>
+                    <a:lstStyle/>
+                    <a:p>
+                      <a:pPr algn="ctr"/>
+                      <a:r>
+                        <a:rPr lang="en-US" sz="1400" dirty="0" smtClean="0"/>
+                        <a:t>256</a:t>
+                      </a:r>
+                      <a:endParaRPr lang="en-US" sz="1400" dirty="0"/>
+                    </a:p>
+                  </a:txBody>
+                  <a:tcPr anchor="ctr"/>
+                </a:tc>
+                <a:tc>
+                  <a:txBody>
+                    <a:bodyPr/>
+                    <a:lstStyle/>
+                    <a:p>
+                      <a:pPr algn="ctr"/>
+                      <a:r>
+                        <a:rPr lang="en-US" sz="1400" dirty="0" smtClean="0"/>
+                        <a:t>2.66 h</a:t>
+                      </a:r>
+                      <a:endParaRPr lang="en-US" sz="1400" dirty="0"/>
+                    </a:p>
+                  </a:txBody>
+                  <a:tcPr anchor="ctr"/>
+                </a:tc>
+              </a:tr>
+              <a:tr h="242420">
+                <a:tc rowSpan="2">
+                  <a:txBody>
+                    <a:bodyPr/>
+                    <a:lstStyle/>
+                    <a:p>
+                      <a:pPr algn="ctr"/>
+                      <a:r>
+                        <a:rPr lang="en-US" sz="1400" dirty="0" smtClean="0"/>
+                        <a:t>II</a:t>
+                      </a:r>
+                      <a:endParaRPr lang="en-US" sz="1400" dirty="0"/>
+                    </a:p>
+                  </a:txBody>
+                  <a:tcPr anchor="ctr"/>
+                </a:tc>
+                <a:tc>
+                  <a:txBody>
+                    <a:bodyPr/>
+                    <a:lstStyle/>
+                    <a:p>
+                      <a:pPr algn="ctr"/>
+                      <a:r>
+                        <a:rPr lang="en-US" sz="1400" dirty="0" smtClean="0"/>
+                        <a:t>Ranger</a:t>
+                      </a:r>
+                      <a:endParaRPr lang="en-US" sz="1400" dirty="0"/>
+                    </a:p>
+                  </a:txBody>
+                  <a:tcPr anchor="ctr"/>
+                </a:tc>
+                <a:tc>
+                  <a:txBody>
+                    <a:bodyPr/>
+                    <a:lstStyle/>
+                    <a:p>
+                      <a:pPr algn="ctr"/>
+                      <a:r>
+                        <a:rPr lang="en-US" sz="1400" dirty="0" smtClean="0"/>
+                        <a:t>128</a:t>
+                      </a:r>
+                      <a:endParaRPr lang="en-US" sz="1400" dirty="0"/>
+                    </a:p>
+                  </a:txBody>
+                  <a:tcPr anchor="ctr"/>
+                </a:tc>
+                <a:tc rowSpan="2">
+                  <a:txBody>
+                    <a:bodyPr/>
+                    <a:lstStyle/>
+                    <a:p>
+                      <a:pPr algn="ctr"/>
+                      <a:r>
+                        <a:rPr lang="en-US" sz="1400" dirty="0" smtClean="0"/>
+                        <a:t>2.11 h</a:t>
+                      </a:r>
+                      <a:endParaRPr lang="en-US" sz="1400" dirty="0"/>
+                    </a:p>
+                  </a:txBody>
+                  <a:tcPr anchor="ctr"/>
+                </a:tc>
+              </a:tr>
+              <a:tr h="242420">
+                <a:tc vMerge="1">
+                  <a:txBody>
+                    <a:bodyPr/>
+                    <a:lstStyle/>
+                    <a:p>
+                      <a:pPr algn="ctr"/>
+                      <a:endParaRPr lang="en-US" dirty="0"/>
+                    </a:p>
+                  </a:txBody>
+                  <a:tcPr anchor="ctr"/>
+                </a:tc>
+                <a:tc>
+                  <a:txBody>
+                    <a:bodyPr/>
+                    <a:lstStyle/>
+                    <a:p>
+                      <a:pPr algn="ctr"/>
+                      <a:r>
+                        <a:rPr lang="en-US" sz="1400" dirty="0" smtClean="0"/>
+                        <a:t>QB</a:t>
+                      </a:r>
+                      <a:endParaRPr lang="en-US" sz="1400" dirty="0"/>
+                    </a:p>
+                  </a:txBody>
+                  <a:tcPr anchor="ctr"/>
+                </a:tc>
+                <a:tc>
+                  <a:txBody>
+                    <a:bodyPr/>
+                    <a:lstStyle/>
+                    <a:p>
+                      <a:pPr algn="ctr"/>
+                      <a:r>
+                        <a:rPr lang="en-US" sz="1400" dirty="0" smtClean="0"/>
+                        <a:t>128</a:t>
+                      </a:r>
+                      <a:endParaRPr lang="en-US" sz="1400" dirty="0"/>
+                    </a:p>
+                  </a:txBody>
+                  <a:tcPr anchor="ctr"/>
+                </a:tc>
+                <a:tc vMerge="1">
+                  <a:txBody>
+                    <a:bodyPr/>
+                    <a:lstStyle/>
+                    <a:p>
+                      <a:endParaRPr lang="en-US" dirty="0"/>
+                    </a:p>
+                  </a:txBody>
+                  <a:tcPr anchor="ctr"/>
+                </a:tc>
+              </a:tr>
+            </a:tbl>
+          </a:graphicData>
+        </a:graphic>
+      </p:graphicFrame>
+      <p:sp>
+        <p:nvSpPr>
+          <p:cNvPr id="3" name="TextBox 2"/>
+          <p:cNvSpPr txBox="1"/>
+          <p:nvPr/>
+        </p:nvSpPr>
+        <p:spPr>
+          <a:xfrm>
+            <a:off x="194458" y="5222094"/>
+            <a:ext cx="3666111" cy="1477328"/>
+          </a:xfrm>
+          <a:prstGeom prst="rect">
+            <a:avLst/>
+          </a:prstGeom>
+        </p:spPr>
+        <p:style>
+          <a:lnRef idx="2">
+            <a:schemeClr val="accent4"/>
+          </a:lnRef>
+          <a:fillRef idx="1">
+            <a:schemeClr val="lt1"/>
+          </a:fillRef>
+          <a:effectRef idx="0">
+            <a:schemeClr val="accent4"/>
+          </a:effectRef>
+          <a:fontRef idx="minor">
+            <a:schemeClr val="dk1"/>
+          </a:fontRef>
+        </p:style>
+        <p:txBody>
+          <a:bodyPr wrap="square" rtlCol="0">
+            <a:spAutoFit/>
+          </a:bodyPr>
+          <a:lstStyle/>
+          <a:p>
+            <a:r>
+              <a:rPr lang="en-US" dirty="0" smtClean="0"/>
+              <a:t>(NOTE)</a:t>
+            </a:r>
+          </a:p>
+          <a:p>
+            <a:pPr marL="285750" indent="-285750">
+              <a:buFont typeface="Arial"/>
+              <a:buChar char="•"/>
             </a:pPr>
             <a:r>
               <a:rPr lang="en-US" dirty="0" smtClean="0"/>
-              <a:t>Motivations and challenges </a:t>
-            </a:r>
-            <a:endParaRPr lang="en-US" dirty="0"/>
-          </a:p>
-          <a:p>
-            <a:pPr>
-              <a:buFontTx/>
-              <a:buChar char="-"/>
+              <a:t>NGS </a:t>
+            </a:r>
+            <a:r>
+              <a:rPr lang="en-US" dirty="0" smtClean="0"/>
+              <a:t>reads </a:t>
+            </a:r>
+            <a:r>
+              <a:rPr lang="en-US" dirty="0" smtClean="0"/>
+              <a:t>(12 G) alignment </a:t>
+            </a:r>
+            <a:r>
+              <a:rPr lang="en-US" dirty="0" smtClean="0"/>
+              <a:t>with </a:t>
+            </a:r>
+            <a:r>
+              <a:rPr lang="en-US" dirty="0" smtClean="0"/>
+              <a:t>BFAST</a:t>
+            </a:r>
+          </a:p>
+          <a:p>
+            <a:pPr marL="285750" indent="-285750">
+              <a:buFont typeface="Arial"/>
+              <a:buChar char="•"/>
             </a:pPr>
             <a:r>
               <a:rPr lang="en-US" dirty="0" smtClean="0"/>
-              <a:t>Distributed computing approach with efficiency in Time-To-Solution (TTS) and resource (Data/Compute</a:t>
-            </a:r>
-            <a:r>
-              <a:rPr lang="en-US" dirty="0"/>
-              <a:t>) utilization </a:t>
+              <a:t>Human </a:t>
             </a:r>
             <a:r>
               <a:rPr lang="en-US" dirty="0" smtClean="0"/>
-              <a:t>by balancing </a:t>
-            </a:r>
-            <a:r>
-              <a:rPr lang="en-US" dirty="0"/>
-              <a:t>between scale-up and scale-</a:t>
-            </a:r>
-            <a:r>
-              <a:rPr lang="en-US" dirty="0" smtClean="0"/>
-              <a:t>out</a:t>
-            </a:r>
-          </a:p>
-          <a:p>
-            <a:pPr marL="0" indent="0">
-              <a:buNone/>
-            </a:pPr>
-            <a:r>
-              <a:rPr lang="en-US" dirty="0" smtClean="0"/>
-              <a:t>-	Developing extensible, agile, application-neutral, 	primarily data-intensive computing-friendly 	runtime environment : Distributed Adaptive 	Runtime Environment (DARE) Framework</a:t>
-            </a:r>
-          </a:p>
-          <a:p>
-            <a:pPr>
-              <a:buFontTx/>
-              <a:buChar char="-"/>
-            </a:pPr>
-            <a:endParaRPr lang="en-US" dirty="0" smtClean="0"/>
-          </a:p>
-          <a:p>
-            <a:pPr>
-              <a:buFontTx/>
-              <a:buChar char="-"/>
-            </a:pPr>
+              <a:t>genome (HG18) as a reference genome</a:t>
+            </a:r>
             <a:endParaRPr lang="en-US" dirty="0"/>
           </a:p>
         </p:txBody>
       </p:sp>
       <p:sp>
         <p:nvSpPr>
-          <p:cNvPr id="4" name="Title 3"/>
+          <p:cNvPr id="16" name="Title 15"/>
           <p:cNvSpPr>
             <a:spLocks noGrp="1"/>
           </p:cNvSpPr>
@@ -24959,10 +24480,522 @@
           </a:p>
         </p:txBody>
       </p:sp>
+      <p:sp>
+        <p:nvSpPr>
+          <p:cNvPr id="18" name="Multidocument 17"/>
+          <p:cNvSpPr/>
+          <p:nvPr/>
+        </p:nvSpPr>
+        <p:spPr>
+          <a:xfrm>
+            <a:off x="6062326" y="4590112"/>
+            <a:ext cx="811782" cy="358931"/>
+          </a:xfrm>
+          <a:prstGeom prst="flowChartMultidocument">
+            <a:avLst/>
+          </a:prstGeom>
+          <a:solidFill>
+            <a:schemeClr val="tx1"/>
+          </a:solidFill>
+        </p:spPr>
+        <p:style>
+          <a:lnRef idx="1">
+            <a:schemeClr val="accent1"/>
+          </a:lnRef>
+          <a:fillRef idx="3">
+            <a:schemeClr val="accent1"/>
+          </a:fillRef>
+          <a:effectRef idx="2">
+            <a:schemeClr val="accent1"/>
+          </a:effectRef>
+          <a:fontRef idx="minor">
+            <a:schemeClr val="lt1"/>
+          </a:fontRef>
+        </p:style>
+        <p:txBody>
+          <a:bodyPr rtlCol="0" anchor="ctr"/>
+          <a:lstStyle/>
+          <a:p>
+            <a:pPr algn="ctr"/>
+            <a:endParaRPr lang="en-US"/>
+          </a:p>
+        </p:txBody>
+      </p:sp>
+      <p:sp>
+        <p:nvSpPr>
+          <p:cNvPr id="19" name="Can 18"/>
+          <p:cNvSpPr/>
+          <p:nvPr/>
+        </p:nvSpPr>
+        <p:spPr>
+          <a:xfrm>
+            <a:off x="8100005" y="4544979"/>
+            <a:ext cx="492824" cy="360739"/>
+          </a:xfrm>
+          <a:prstGeom prst="can">
+            <a:avLst/>
+          </a:prstGeom>
+          <a:solidFill>
+            <a:srgbClr val="000000"/>
+          </a:solidFill>
+        </p:spPr>
+        <p:style>
+          <a:lnRef idx="1">
+            <a:schemeClr val="accent1"/>
+          </a:lnRef>
+          <a:fillRef idx="3">
+            <a:schemeClr val="accent1"/>
+          </a:fillRef>
+          <a:effectRef idx="2">
+            <a:schemeClr val="accent1"/>
+          </a:effectRef>
+          <a:fontRef idx="minor">
+            <a:schemeClr val="lt1"/>
+          </a:fontRef>
+        </p:style>
+        <p:txBody>
+          <a:bodyPr rtlCol="0" anchor="ctr"/>
+          <a:lstStyle/>
+          <a:p>
+            <a:pPr algn="ctr"/>
+            <a:endParaRPr lang="en-US"/>
+          </a:p>
+        </p:txBody>
+      </p:sp>
+      <p:sp>
+        <p:nvSpPr>
+          <p:cNvPr id="20" name="Multidocument 19"/>
+          <p:cNvSpPr/>
+          <p:nvPr/>
+        </p:nvSpPr>
+        <p:spPr>
+          <a:xfrm>
+            <a:off x="6212748" y="5691178"/>
+            <a:ext cx="798688" cy="269580"/>
+          </a:xfrm>
+          <a:prstGeom prst="flowChartMultidocument">
+            <a:avLst/>
+          </a:prstGeom>
+        </p:spPr>
+        <p:style>
+          <a:lnRef idx="1">
+            <a:schemeClr val="accent1"/>
+          </a:lnRef>
+          <a:fillRef idx="3">
+            <a:schemeClr val="accent1"/>
+          </a:fillRef>
+          <a:effectRef idx="2">
+            <a:schemeClr val="accent1"/>
+          </a:effectRef>
+          <a:fontRef idx="minor">
+            <a:schemeClr val="lt1"/>
+          </a:fontRef>
+        </p:style>
+        <p:txBody>
+          <a:bodyPr rtlCol="0" anchor="ctr"/>
+          <a:lstStyle/>
+          <a:p>
+            <a:pPr algn="ctr"/>
+            <a:endParaRPr lang="en-US"/>
+          </a:p>
+        </p:txBody>
+      </p:sp>
+      <p:sp>
+        <p:nvSpPr>
+          <p:cNvPr id="21" name="Can 20"/>
+          <p:cNvSpPr/>
+          <p:nvPr/>
+        </p:nvSpPr>
+        <p:spPr>
+          <a:xfrm>
+            <a:off x="8169126" y="5344212"/>
+            <a:ext cx="423703" cy="586760"/>
+          </a:xfrm>
+          <a:prstGeom prst="can">
+            <a:avLst>
+              <a:gd name="adj" fmla="val 68273"/>
+            </a:avLst>
+          </a:prstGeom>
+        </p:spPr>
+        <p:style>
+          <a:lnRef idx="1">
+            <a:schemeClr val="accent1"/>
+          </a:lnRef>
+          <a:fillRef idx="3">
+            <a:schemeClr val="accent1"/>
+          </a:fillRef>
+          <a:effectRef idx="2">
+            <a:schemeClr val="accent1"/>
+          </a:effectRef>
+          <a:fontRef idx="minor">
+            <a:schemeClr val="lt1"/>
+          </a:fontRef>
+        </p:style>
+        <p:txBody>
+          <a:bodyPr rtlCol="0" anchor="ctr"/>
+          <a:lstStyle/>
+          <a:p>
+            <a:pPr algn="ctr"/>
+            <a:endParaRPr lang="en-US"/>
+          </a:p>
+        </p:txBody>
+      </p:sp>
+      <p:sp>
+        <p:nvSpPr>
+          <p:cNvPr id="23" name="Can 22"/>
+          <p:cNvSpPr/>
+          <p:nvPr/>
+        </p:nvSpPr>
+        <p:spPr>
+          <a:xfrm>
+            <a:off x="8216781" y="6073207"/>
+            <a:ext cx="423703" cy="586760"/>
+          </a:xfrm>
+          <a:prstGeom prst="can">
+            <a:avLst>
+              <a:gd name="adj" fmla="val 68273"/>
+            </a:avLst>
+          </a:prstGeom>
+        </p:spPr>
+        <p:style>
+          <a:lnRef idx="1">
+            <a:schemeClr val="accent1"/>
+          </a:lnRef>
+          <a:fillRef idx="3">
+            <a:schemeClr val="accent1"/>
+          </a:fillRef>
+          <a:effectRef idx="2">
+            <a:schemeClr val="accent1"/>
+          </a:effectRef>
+          <a:fontRef idx="minor">
+            <a:schemeClr val="lt1"/>
+          </a:fontRef>
+        </p:style>
+        <p:txBody>
+          <a:bodyPr rtlCol="0" anchor="ctr"/>
+          <a:lstStyle/>
+          <a:p>
+            <a:pPr algn="ctr"/>
+            <a:endParaRPr lang="en-US"/>
+          </a:p>
+        </p:txBody>
+      </p:sp>
+      <p:sp>
+        <p:nvSpPr>
+          <p:cNvPr id="25" name="Right Arrow 24"/>
+          <p:cNvSpPr/>
+          <p:nvPr/>
+        </p:nvSpPr>
+        <p:spPr>
+          <a:xfrm>
+            <a:off x="7011436" y="4648382"/>
+            <a:ext cx="975448" cy="130940"/>
+          </a:xfrm>
+          <a:prstGeom prst="rightArrow">
+            <a:avLst/>
+          </a:prstGeom>
+          <a:solidFill>
+            <a:schemeClr val="accent6"/>
+          </a:solidFill>
+        </p:spPr>
+        <p:style>
+          <a:lnRef idx="1">
+            <a:schemeClr val="accent1"/>
+          </a:lnRef>
+          <a:fillRef idx="3">
+            <a:schemeClr val="accent1"/>
+          </a:fillRef>
+          <a:effectRef idx="2">
+            <a:schemeClr val="accent1"/>
+          </a:effectRef>
+          <a:fontRef idx="minor">
+            <a:schemeClr val="lt1"/>
+          </a:fontRef>
+        </p:style>
+        <p:txBody>
+          <a:bodyPr rtlCol="0" anchor="ctr"/>
+          <a:lstStyle/>
+          <a:p>
+            <a:pPr algn="ctr"/>
+            <a:endParaRPr lang="en-US"/>
+          </a:p>
+        </p:txBody>
+      </p:sp>
+      <p:sp>
+        <p:nvSpPr>
+          <p:cNvPr id="27" name="Right Arrow 26"/>
+          <p:cNvSpPr/>
+          <p:nvPr/>
+        </p:nvSpPr>
+        <p:spPr>
+          <a:xfrm>
+            <a:off x="7163836" y="5691177"/>
+            <a:ext cx="823048" cy="98410"/>
+          </a:xfrm>
+          <a:prstGeom prst="rightArrow">
+            <a:avLst/>
+          </a:prstGeom>
+          <a:solidFill>
+            <a:schemeClr val="accent6"/>
+          </a:solidFill>
+        </p:spPr>
+        <p:style>
+          <a:lnRef idx="1">
+            <a:schemeClr val="accent1"/>
+          </a:lnRef>
+          <a:fillRef idx="3">
+            <a:schemeClr val="accent1"/>
+          </a:fillRef>
+          <a:effectRef idx="2">
+            <a:schemeClr val="accent1"/>
+          </a:effectRef>
+          <a:fontRef idx="minor">
+            <a:schemeClr val="lt1"/>
+          </a:fontRef>
+        </p:style>
+        <p:txBody>
+          <a:bodyPr rtlCol="0" anchor="ctr"/>
+          <a:lstStyle/>
+          <a:p>
+            <a:pPr algn="ctr"/>
+            <a:endParaRPr lang="en-US"/>
+          </a:p>
+        </p:txBody>
+      </p:sp>
+      <p:sp>
+        <p:nvSpPr>
+          <p:cNvPr id="28" name="Multidocument 27"/>
+          <p:cNvSpPr/>
+          <p:nvPr/>
+        </p:nvSpPr>
+        <p:spPr>
+          <a:xfrm>
+            <a:off x="6212900" y="6176736"/>
+            <a:ext cx="798688" cy="269580"/>
+          </a:xfrm>
+          <a:prstGeom prst="flowChartMultidocument">
+            <a:avLst/>
+          </a:prstGeom>
+        </p:spPr>
+        <p:style>
+          <a:lnRef idx="1">
+            <a:schemeClr val="accent1"/>
+          </a:lnRef>
+          <a:fillRef idx="3">
+            <a:schemeClr val="accent1"/>
+          </a:fillRef>
+          <a:effectRef idx="2">
+            <a:schemeClr val="accent1"/>
+          </a:effectRef>
+          <a:fontRef idx="minor">
+            <a:schemeClr val="lt1"/>
+          </a:fontRef>
+        </p:style>
+        <p:txBody>
+          <a:bodyPr rtlCol="0" anchor="ctr"/>
+          <a:lstStyle/>
+          <a:p>
+            <a:pPr algn="ctr"/>
+            <a:endParaRPr lang="en-US"/>
+          </a:p>
+        </p:txBody>
+      </p:sp>
+      <p:sp>
+        <p:nvSpPr>
+          <p:cNvPr id="29" name="Right Arrow 28"/>
+          <p:cNvSpPr/>
+          <p:nvPr/>
+        </p:nvSpPr>
+        <p:spPr>
+          <a:xfrm>
+            <a:off x="7160182" y="6242206"/>
+            <a:ext cx="826702" cy="130940"/>
+          </a:xfrm>
+          <a:prstGeom prst="rightArrow">
+            <a:avLst/>
+          </a:prstGeom>
+          <a:solidFill>
+            <a:schemeClr val="accent6"/>
+          </a:solidFill>
+        </p:spPr>
+        <p:style>
+          <a:lnRef idx="1">
+            <a:schemeClr val="accent1"/>
+          </a:lnRef>
+          <a:fillRef idx="3">
+            <a:schemeClr val="accent1"/>
+          </a:fillRef>
+          <a:effectRef idx="2">
+            <a:schemeClr val="accent1"/>
+          </a:effectRef>
+          <a:fontRef idx="minor">
+            <a:schemeClr val="lt1"/>
+          </a:fontRef>
+        </p:style>
+        <p:txBody>
+          <a:bodyPr rtlCol="0" anchor="ctr"/>
+          <a:lstStyle/>
+          <a:p>
+            <a:pPr algn="ctr"/>
+            <a:endParaRPr lang="en-US"/>
+          </a:p>
+        </p:txBody>
+      </p:sp>
+      <p:sp>
+        <p:nvSpPr>
+          <p:cNvPr id="30" name="TextBox 29"/>
+          <p:cNvSpPr txBox="1"/>
+          <p:nvPr/>
+        </p:nvSpPr>
+        <p:spPr>
+          <a:xfrm>
+            <a:off x="5561058" y="4574319"/>
+            <a:ext cx="242825" cy="369332"/>
+          </a:xfrm>
+          <a:prstGeom prst="rect">
+            <a:avLst/>
+          </a:prstGeom>
+        </p:spPr>
+        <p:style>
+          <a:lnRef idx="2">
+            <a:schemeClr val="accent3">
+              <a:shade val="50000"/>
+            </a:schemeClr>
+          </a:lnRef>
+          <a:fillRef idx="1">
+            <a:schemeClr val="accent3"/>
+          </a:fillRef>
+          <a:effectRef idx="0">
+            <a:schemeClr val="accent3"/>
+          </a:effectRef>
+          <a:fontRef idx="minor">
+            <a:schemeClr val="lt1"/>
+          </a:fontRef>
+        </p:style>
+        <p:txBody>
+          <a:bodyPr wrap="none" rtlCol="0">
+            <a:spAutoFit/>
+          </a:bodyPr>
+          <a:lstStyle/>
+          <a:p>
+            <a:r>
+              <a:rPr lang="en-US" dirty="0" smtClean="0"/>
+              <a:t>I</a:t>
+            </a:r>
+            <a:endParaRPr lang="en-US" dirty="0"/>
+          </a:p>
+        </p:txBody>
+      </p:sp>
+      <p:sp>
+        <p:nvSpPr>
+          <p:cNvPr id="31" name="TextBox 30"/>
+          <p:cNvSpPr txBox="1"/>
+          <p:nvPr/>
+        </p:nvSpPr>
+        <p:spPr>
+          <a:xfrm>
+            <a:off x="5561058" y="5789587"/>
+            <a:ext cx="300984" cy="369332"/>
+          </a:xfrm>
+          <a:prstGeom prst="rect">
+            <a:avLst/>
+          </a:prstGeom>
+        </p:spPr>
+        <p:style>
+          <a:lnRef idx="2">
+            <a:schemeClr val="accent3">
+              <a:shade val="50000"/>
+            </a:schemeClr>
+          </a:lnRef>
+          <a:fillRef idx="1">
+            <a:schemeClr val="accent3"/>
+          </a:fillRef>
+          <a:effectRef idx="0">
+            <a:schemeClr val="accent3"/>
+          </a:effectRef>
+          <a:fontRef idx="minor">
+            <a:schemeClr val="lt1"/>
+          </a:fontRef>
+        </p:style>
+        <p:txBody>
+          <a:bodyPr wrap="none" rtlCol="0">
+            <a:spAutoFit/>
+          </a:bodyPr>
+          <a:lstStyle/>
+          <a:p>
+            <a:r>
+              <a:rPr lang="en-US" dirty="0" smtClean="0"/>
+              <a:t>II</a:t>
+            </a:r>
+            <a:endParaRPr lang="en-US" dirty="0"/>
+          </a:p>
+        </p:txBody>
+      </p:sp>
+      <p:sp>
+        <p:nvSpPr>
+          <p:cNvPr id="32" name="TextBox 31"/>
+          <p:cNvSpPr txBox="1"/>
+          <p:nvPr/>
+        </p:nvSpPr>
+        <p:spPr>
+          <a:xfrm>
+            <a:off x="5862227" y="4076856"/>
+            <a:ext cx="1149361" cy="369332"/>
+          </a:xfrm>
+          <a:prstGeom prst="rect">
+            <a:avLst/>
+          </a:prstGeom>
+          <a:noFill/>
+        </p:spPr>
+        <p:txBody>
+          <a:bodyPr wrap="none" rtlCol="0">
+            <a:spAutoFit/>
+          </a:bodyPr>
+          <a:lstStyle/>
+          <a:p>
+            <a:r>
+              <a:rPr lang="en-US" dirty="0" smtClean="0"/>
+              <a:t>Read Data</a:t>
+            </a:r>
+            <a:endParaRPr lang="en-US" dirty="0"/>
+          </a:p>
+        </p:txBody>
+      </p:sp>
+      <p:sp>
+        <p:nvSpPr>
+          <p:cNvPr id="33" name="TextBox 32"/>
+          <p:cNvSpPr txBox="1"/>
+          <p:nvPr/>
+        </p:nvSpPr>
+        <p:spPr>
+          <a:xfrm>
+            <a:off x="7729974" y="3952152"/>
+            <a:ext cx="1183106" cy="646331"/>
+          </a:xfrm>
+          <a:prstGeom prst="rect">
+            <a:avLst/>
+          </a:prstGeom>
+          <a:noFill/>
+        </p:spPr>
+        <p:txBody>
+          <a:bodyPr wrap="square" rtlCol="0">
+            <a:spAutoFit/>
+          </a:bodyPr>
+          <a:lstStyle/>
+          <a:p>
+            <a:pPr algn="ctr"/>
+            <a:r>
+              <a:rPr lang="en-US" dirty="0" smtClean="0"/>
+              <a:t>Reference Genome</a:t>
+            </a:r>
+            <a:endParaRPr lang="en-US" dirty="0"/>
+          </a:p>
+        </p:txBody>
+      </p:sp>
     </p:spTree>
     <p:extLst>
       <p:ext uri="{BB962C8B-B14F-4D97-AF65-F5344CB8AC3E}">
-        <p14:creationId xmlns:p14="http://schemas.microsoft.com/office/powerpoint/2010/main" val="210344011"/>
+        <p14:creationId xmlns:p14="http://schemas.microsoft.com/office/powerpoint/2010/main" val="2149878809"/>
       </p:ext>
     </p:extLst>
   </p:cSld>
@@ -24972,7 +25005,228 @@
   <p:timing>
     <p:tnLst>
       <p:par>
-        <p:cTn xmlns:p14="http://schemas.microsoft.com/office/powerpoint/2010/main" id="1" dur="indefinite" restart="never" nodeType="tmRoot"/>
+        <p:cTn xmlns:p14="http://schemas.microsoft.com/office/powerpoint/2010/main" id="1" dur="indefinite" restart="never" nodeType="tmRoot">
+          <p:childTnLst>
+            <p:seq concurrent="1" nextAc="seek">
+              <p:cTn id="2" dur="indefinite" nodeType="mainSeq">
+                <p:childTnLst>
+                  <p:par>
+                    <p:cTn id="3" fill="hold">
+                      <p:stCondLst>
+                        <p:cond delay="indefinite"/>
+                      </p:stCondLst>
+                      <p:childTnLst>
+                        <p:par>
+                          <p:cTn id="4" fill="hold">
+                            <p:stCondLst>
+                              <p:cond delay="0"/>
+                            </p:stCondLst>
+                            <p:childTnLst>
+                              <p:par>
+                                <p:cTn id="5" presetID="55" presetClass="entr" presetSubtype="0" fill="hold" nodeType="clickEffect">
+                                  <p:stCondLst>
+                                    <p:cond delay="0"/>
+                                  </p:stCondLst>
+                                  <p:childTnLst>
+                                    <p:set>
+                                      <p:cBhvr>
+                                        <p:cTn id="6" dur="1" fill="hold">
+                                          <p:stCondLst>
+                                            <p:cond delay="0"/>
+                                          </p:stCondLst>
+                                        </p:cTn>
+                                        <p:tgtEl>
+                                          <p:spTgt spid="7"/>
+                                        </p:tgtEl>
+                                        <p:attrNameLst>
+                                          <p:attrName>style.visibility</p:attrName>
+                                        </p:attrNameLst>
+                                      </p:cBhvr>
+                                      <p:to>
+                                        <p:strVal val="visible"/>
+                                      </p:to>
+                                    </p:set>
+                                    <p:anim calcmode="lin" valueType="num">
+                                      <p:cBhvr>
+                                        <p:cTn id="7" dur="1000" fill="hold"/>
+                                        <p:tgtEl>
+                                          <p:spTgt spid="7"/>
+                                        </p:tgtEl>
+                                        <p:attrNameLst>
+                                          <p:attrName>ppt_w</p:attrName>
+                                        </p:attrNameLst>
+                                      </p:cBhvr>
+                                      <p:tavLst>
+                                        <p:tav tm="0">
+                                          <p:val>
+                                            <p:strVal val="#ppt_w*0.70"/>
+                                          </p:val>
+                                        </p:tav>
+                                        <p:tav tm="100000">
+                                          <p:val>
+                                            <p:strVal val="#ppt_w"/>
+                                          </p:val>
+                                        </p:tav>
+                                      </p:tavLst>
+                                    </p:anim>
+                                    <p:anim calcmode="lin" valueType="num">
+                                      <p:cBhvr>
+                                        <p:cTn id="8" dur="1000" fill="hold"/>
+                                        <p:tgtEl>
+                                          <p:spTgt spid="7"/>
+                                        </p:tgtEl>
+                                        <p:attrNameLst>
+                                          <p:attrName>ppt_h</p:attrName>
+                                        </p:attrNameLst>
+                                      </p:cBhvr>
+                                      <p:tavLst>
+                                        <p:tav tm="0">
+                                          <p:val>
+                                            <p:strVal val="#ppt_h"/>
+                                          </p:val>
+                                        </p:tav>
+                                        <p:tav tm="100000">
+                                          <p:val>
+                                            <p:strVal val="#ppt_h"/>
+                                          </p:val>
+                                        </p:tav>
+                                      </p:tavLst>
+                                    </p:anim>
+                                    <p:animEffect transition="in" filter="fade">
+                                      <p:cBhvr>
+                                        <p:cTn id="9" dur="1000"/>
+                                        <p:tgtEl>
+                                          <p:spTgt spid="7"/>
+                                        </p:tgtEl>
+                                      </p:cBhvr>
+                                    </p:animEffect>
+                                  </p:childTnLst>
+                                </p:cTn>
+                              </p:par>
+                            </p:childTnLst>
+                          </p:cTn>
+                        </p:par>
+                      </p:childTnLst>
+                    </p:cTn>
+                  </p:par>
+                  <p:par>
+                    <p:cTn id="10" fill="hold">
+                      <p:stCondLst>
+                        <p:cond delay="indefinite"/>
+                      </p:stCondLst>
+                      <p:childTnLst>
+                        <p:par>
+                          <p:cTn id="11" fill="hold">
+                            <p:stCondLst>
+                              <p:cond delay="0"/>
+                            </p:stCondLst>
+                            <p:childTnLst>
+                              <p:par>
+                                <p:cTn id="12" presetID="55" presetClass="entr" presetSubtype="0" fill="hold" nodeType="clickEffect">
+                                  <p:stCondLst>
+                                    <p:cond delay="0"/>
+                                  </p:stCondLst>
+                                  <p:childTnLst>
+                                    <p:set>
+                                      <p:cBhvr>
+                                        <p:cTn id="13" dur="1" fill="hold">
+                                          <p:stCondLst>
+                                            <p:cond delay="0"/>
+                                          </p:stCondLst>
+                                        </p:cTn>
+                                        <p:tgtEl>
+                                          <p:spTgt spid="15"/>
+                                        </p:tgtEl>
+                                        <p:attrNameLst>
+                                          <p:attrName>style.visibility</p:attrName>
+                                        </p:attrNameLst>
+                                      </p:cBhvr>
+                                      <p:to>
+                                        <p:strVal val="visible"/>
+                                      </p:to>
+                                    </p:set>
+                                    <p:anim calcmode="lin" valueType="num">
+                                      <p:cBhvr>
+                                        <p:cTn id="14" dur="1000" fill="hold"/>
+                                        <p:tgtEl>
+                                          <p:spTgt spid="15"/>
+                                        </p:tgtEl>
+                                        <p:attrNameLst>
+                                          <p:attrName>ppt_w</p:attrName>
+                                        </p:attrNameLst>
+                                      </p:cBhvr>
+                                      <p:tavLst>
+                                        <p:tav tm="0">
+                                          <p:val>
+                                            <p:strVal val="#ppt_w*0.70"/>
+                                          </p:val>
+                                        </p:tav>
+                                        <p:tav tm="100000">
+                                          <p:val>
+                                            <p:strVal val="#ppt_w"/>
+                                          </p:val>
+                                        </p:tav>
+                                      </p:tavLst>
+                                    </p:anim>
+                                    <p:anim calcmode="lin" valueType="num">
+                                      <p:cBhvr>
+                                        <p:cTn id="15" dur="1000" fill="hold"/>
+                                        <p:tgtEl>
+                                          <p:spTgt spid="15"/>
+                                        </p:tgtEl>
+                                        <p:attrNameLst>
+                                          <p:attrName>ppt_h</p:attrName>
+                                        </p:attrNameLst>
+                                      </p:cBhvr>
+                                      <p:tavLst>
+                                        <p:tav tm="0">
+                                          <p:val>
+                                            <p:strVal val="#ppt_h"/>
+                                          </p:val>
+                                        </p:tav>
+                                        <p:tav tm="100000">
+                                          <p:val>
+                                            <p:strVal val="#ppt_h"/>
+                                          </p:val>
+                                        </p:tav>
+                                      </p:tavLst>
+                                    </p:anim>
+                                    <p:animEffect transition="in" filter="fade">
+                                      <p:cBhvr>
+                                        <p:cTn id="16" dur="1000"/>
+                                        <p:tgtEl>
+                                          <p:spTgt spid="15"/>
+                                        </p:tgtEl>
+                                      </p:cBhvr>
+                                    </p:animEffect>
+                                  </p:childTnLst>
+                                </p:cTn>
+                              </p:par>
+                            </p:childTnLst>
+                          </p:cTn>
+                        </p:par>
+                      </p:childTnLst>
+                    </p:cTn>
+                  </p:par>
+                </p:childTnLst>
+              </p:cTn>
+              <p:prevCondLst>
+                <p:cond evt="onPrev" delay="0">
+                  <p:tgtEl>
+                    <p:sldTgt/>
+                  </p:tgtEl>
+                </p:cond>
+              </p:prevCondLst>
+              <p:nextCondLst>
+                <p:cond evt="onNext" delay="0">
+                  <p:tgtEl>
+                    <p:sldTgt/>
+                  </p:tgtEl>
+                </p:cond>
+              </p:nextCondLst>
+            </p:seq>
+          </p:childTnLst>
+        </p:cTn>
       </p:par>
     </p:tnLst>
   </p:timing>
